--- a/PyData2016-DataPipelinesCloud.pptx
+++ b/PyData2016-DataPipelinesCloud.pptx
@@ -4,6 +4,9 @@
   <p:sldMasterIdLst>
     <p:sldMasterId id="2147483930" r:id="rId1"/>
   </p:sldMasterIdLst>
+  <p:notesMasterIdLst>
+    <p:notesMasterId r:id="rId43"/>
+  </p:notesMasterIdLst>
   <p:sldIdLst>
     <p:sldId id="256" r:id="rId2"/>
     <p:sldId id="291" r:id="rId3"/>
@@ -19,29 +22,33 @@
     <p:sldId id="267" r:id="rId13"/>
     <p:sldId id="266" r:id="rId14"/>
     <p:sldId id="268" r:id="rId15"/>
-    <p:sldId id="269" r:id="rId16"/>
-    <p:sldId id="270" r:id="rId17"/>
-    <p:sldId id="272" r:id="rId18"/>
-    <p:sldId id="271" r:id="rId19"/>
-    <p:sldId id="273" r:id="rId20"/>
-    <p:sldId id="274" r:id="rId21"/>
-    <p:sldId id="275" r:id="rId22"/>
-    <p:sldId id="276" r:id="rId23"/>
-    <p:sldId id="278" r:id="rId24"/>
-    <p:sldId id="277" r:id="rId25"/>
-    <p:sldId id="279" r:id="rId26"/>
-    <p:sldId id="280" r:id="rId27"/>
-    <p:sldId id="281" r:id="rId28"/>
-    <p:sldId id="282" r:id="rId29"/>
-    <p:sldId id="283" r:id="rId30"/>
-    <p:sldId id="284" r:id="rId31"/>
-    <p:sldId id="285" r:id="rId32"/>
-    <p:sldId id="292" r:id="rId33"/>
-    <p:sldId id="286" r:id="rId34"/>
-    <p:sldId id="287" r:id="rId35"/>
-    <p:sldId id="288" r:id="rId36"/>
-    <p:sldId id="289" r:id="rId37"/>
-    <p:sldId id="290" r:id="rId38"/>
+    <p:sldId id="294" r:id="rId16"/>
+    <p:sldId id="269" r:id="rId17"/>
+    <p:sldId id="270" r:id="rId18"/>
+    <p:sldId id="272" r:id="rId19"/>
+    <p:sldId id="271" r:id="rId20"/>
+    <p:sldId id="273" r:id="rId21"/>
+    <p:sldId id="274" r:id="rId22"/>
+    <p:sldId id="275" r:id="rId23"/>
+    <p:sldId id="276" r:id="rId24"/>
+    <p:sldId id="293" r:id="rId25"/>
+    <p:sldId id="278" r:id="rId26"/>
+    <p:sldId id="277" r:id="rId27"/>
+    <p:sldId id="279" r:id="rId28"/>
+    <p:sldId id="280" r:id="rId29"/>
+    <p:sldId id="281" r:id="rId30"/>
+    <p:sldId id="282" r:id="rId31"/>
+    <p:sldId id="296" r:id="rId32"/>
+    <p:sldId id="283" r:id="rId33"/>
+    <p:sldId id="295" r:id="rId34"/>
+    <p:sldId id="284" r:id="rId35"/>
+    <p:sldId id="285" r:id="rId36"/>
+    <p:sldId id="292" r:id="rId37"/>
+    <p:sldId id="286" r:id="rId38"/>
+    <p:sldId id="287" r:id="rId39"/>
+    <p:sldId id="288" r:id="rId40"/>
+    <p:sldId id="289" r:id="rId41"/>
+    <p:sldId id="290" r:id="rId42"/>
   </p:sldIdLst>
   <p:sldSz cx="12192000" cy="6858000"/>
   <p:notesSz cx="6858000" cy="9144000"/>
@@ -243,17 +250,35 @@
       </p:ext>
     </p:extLst>
   </p:cmAuthor>
+  <p:cmAuthor id="15" name="Microsoft Office User" initials="Office [15]" lastIdx="1" clrIdx="14">
+    <p:extLst>
+      <p:ext uri="{19B8F6BF-5375-455C-9EA6-DF929625EA0E}">
+        <p15:presenceInfo xmlns:p15="http://schemas.microsoft.com/office/powerpoint/2012/main" userId="" providerId=""/>
+      </p:ext>
+    </p:extLst>
+  </p:cmAuthor>
+  <p:cmAuthor id="16" name="Microsoft Office User" initials="Office [16]" lastIdx="1" clrIdx="15">
+    <p:extLst>
+      <p:ext uri="{19B8F6BF-5375-455C-9EA6-DF929625EA0E}">
+        <p15:presenceInfo xmlns:p15="http://schemas.microsoft.com/office/powerpoint/2012/main" userId="" providerId=""/>
+      </p:ext>
+    </p:extLst>
+  </p:cmAuthor>
+  <p:cmAuthor id="17" name="Microsoft Office User" initials="Office [17]" lastIdx="1" clrIdx="16">
+    <p:extLst>
+      <p:ext uri="{19B8F6BF-5375-455C-9EA6-DF929625EA0E}">
+        <p15:presenceInfo xmlns:p15="http://schemas.microsoft.com/office/powerpoint/2012/main" userId="" providerId=""/>
+      </p:ext>
+    </p:extLst>
+  </p:cmAuthor>
 </p:cmAuthorLst>
 </file>
 
 <file path=ppt/comments/comment1.xml><?xml version="1.0" encoding="utf-8"?>
 <p:cmLst xmlns:a="http://schemas.openxmlformats.org/drawingml/2006/main" xmlns:r="http://schemas.openxmlformats.org/officeDocument/2006/relationships" xmlns:p="http://schemas.openxmlformats.org/presentationml/2006/main">
-  <p:cm authorId="1" dt="2016-10-06T06:32:07.473" idx="1">
-    <p:pos x="777" y="1180"/>
-    <p:text>- We're now living in the era of Big data. From social media to smart devices and phones, 
- sensors everywhere there are hundreds of thousands of data sources, many of which we wish  to process, analyze and extract information from. For the data scientist, this represents 
- a gold mine, that will keep them busy and employed from the cradle to the grave (hyperbole).
- The question is, with the deluge of data, how can we get a handle on  all this ?</p:text>
+  <p:cm authorId="15" dt="2016-10-08T07:45:57.862" idx="1">
+    <p:pos x="3329" y="1736"/>
+    <p:text>Jean Valjean - just kidding (Femi Anthony)</p:text>
     <p:extLst>
       <p:ext uri="{C676402C-5697-4E1C-873F-D02D1690AC5C}">
         <p15:threadingInfo xmlns:p15="http://schemas.microsoft.com/office/powerpoint/2012/main" timeZoneBias="240"/>
@@ -264,120 +289,6 @@
 </file>
 
 <file path=ppt/comments/comment10.xml><?xml version="1.0" encoding="utf-8"?>
-<p:cmLst xmlns:a="http://schemas.openxmlformats.org/drawingml/2006/main" xmlns:r="http://schemas.openxmlformats.org/officeDocument/2006/relationships" xmlns:p="http://schemas.openxmlformats.org/presentationml/2006/main">
-  <p:cm authorId="13" dt="2016-10-07T20:20:54.874" idx="1">
-    <p:pos x="4312" y="2118"/>
-    <p:text>It is possible to create a data pipeline using boto3 but its not very clear how to specify
-complex dependencies. It seems like the emphasis is more on config file based pipeline
-definitions than programmatic.</p:text>
-    <p:extLst>
-      <p:ext uri="{C676402C-5697-4E1C-873F-D02D1690AC5C}">
-        <p15:threadingInfo xmlns:p15="http://schemas.microsoft.com/office/powerpoint/2012/main" timeZoneBias="240"/>
-      </p:ext>
-    </p:extLst>
-  </p:cm>
-</p:cmLst>
-</file>
-
-<file path=ppt/comments/comment11.xml><?xml version="1.0" encoding="utf-8"?>
-<p:cmLst xmlns:a="http://schemas.openxmlformats.org/drawingml/2006/main" xmlns:r="http://schemas.openxmlformats.org/officeDocument/2006/relationships" xmlns:p="http://schemas.openxmlformats.org/presentationml/2006/main">
-  <p:cm authorId="14" dt="2016-10-07T21:49:59.429" idx="1">
-    <p:pos x="10" y="10"/>
-    <p:text> Can use Simple Workflow as an alternative if you want more fine-grained programmatic customization over the control flow and patterns of your workflow logic. </p:text>
-    <p:extLst>
-      <p:ext uri="{C676402C-5697-4E1C-873F-D02D1690AC5C}">
-        <p15:threadingInfo xmlns:p15="http://schemas.microsoft.com/office/powerpoint/2012/main" timeZoneBias="240"/>
-      </p:ext>
-    </p:extLst>
-  </p:cm>
-</p:cmLst>
-</file>
-
-<file path=ppt/comments/comment2.xml><?xml version="1.0" encoding="utf-8"?>
-<p:cmLst xmlns:a="http://schemas.openxmlformats.org/drawingml/2006/main" xmlns:r="http://schemas.openxmlformats.org/officeDocument/2006/relationships" xmlns:p="http://schemas.openxmlformats.org/presentationml/2006/main">
-  <p:cm authorId="4" dt="2016-10-06T16:06:00.857" idx="1">
-    <p:pos x="10" y="10"/>
-    <p:text>Extremely problematic - any of the fetch data job could take much longer than expected to run and the etl job could start running on what is incomplete data. This brings us to the next approach - calling all tasks from generic wrapper script...</p:text>
-    <p:extLst>
-      <p:ext uri="{C676402C-5697-4E1C-873F-D02D1690AC5C}">
-        <p15:threadingInfo xmlns:p15="http://schemas.microsoft.com/office/powerpoint/2012/main" timeZoneBias="240"/>
-      </p:ext>
-    </p:extLst>
-  </p:cm>
-</p:cmLst>
-</file>
-
-<file path=ppt/comments/comment3.xml><?xml version="1.0" encoding="utf-8"?>
-<p:cmLst xmlns:a="http://schemas.openxmlformats.org/drawingml/2006/main" xmlns:r="http://schemas.openxmlformats.org/officeDocument/2006/relationships" xmlns:p="http://schemas.openxmlformats.org/presentationml/2006/main">
-  <p:cm authorId="2" dt="2016-10-06T15:45:03.265" idx="1">
-    <p:pos x="801" y="2628"/>
-    <p:text>The scripts are guaranteed to run in order without overlap but what happens in the case of errors in any intermediate step ?</p:text>
-    <p:extLst>
-      <p:ext uri="{C676402C-5697-4E1C-873F-D02D1690AC5C}">
-        <p15:threadingInfo xmlns:p15="http://schemas.microsoft.com/office/powerpoint/2012/main" timeZoneBias="240"/>
-      </p:ext>
-    </p:extLst>
-  </p:cm>
-</p:cmLst>
-</file>
-
-<file path=ppt/comments/comment4.xml><?xml version="1.0" encoding="utf-8"?>
-<p:cmLst xmlns:a="http://schemas.openxmlformats.org/drawingml/2006/main" xmlns:r="http://schemas.openxmlformats.org/officeDocument/2006/relationships" xmlns:p="http://schemas.openxmlformats.org/presentationml/2006/main">
-  <p:cm authorId="3" dt="2016-10-06T15:50:18.476" idx="1">
-    <p:pos x="801" y="3564"/>
-    <p:text>As you can see this approach can get tedious pretty fast as our pipeline becomes more complex.</p:text>
-    <p:extLst>
-      <p:ext uri="{C676402C-5697-4E1C-873F-D02D1690AC5C}">
-        <p15:threadingInfo xmlns:p15="http://schemas.microsoft.com/office/powerpoint/2012/main" timeZoneBias="240"/>
-      </p:ext>
-    </p:extLst>
-  </p:cm>
-</p:cmLst>
-</file>
-
-<file path=ppt/comments/comment5.xml><?xml version="1.0" encoding="utf-8"?>
-<p:cmLst xmlns:a="http://schemas.openxmlformats.org/drawingml/2006/main" xmlns:r="http://schemas.openxmlformats.org/officeDocument/2006/relationships" xmlns:p="http://schemas.openxmlformats.org/presentationml/2006/main">
-  <p:cm authorId="7" dt="2016-10-06T16:44:49.037" idx="1">
-    <p:pos x="10" y="10"/>
-    <p:text>One solution to our problem is to use one of the Python based workflow management tools </p:text>
-    <p:extLst>
-      <p:ext uri="{C676402C-5697-4E1C-873F-D02D1690AC5C}">
-        <p15:threadingInfo xmlns:p15="http://schemas.microsoft.com/office/powerpoint/2012/main" timeZoneBias="240"/>
-      </p:ext>
-    </p:extLst>
-  </p:cm>
-</p:cmLst>
-</file>
-
-<file path=ppt/comments/comment6.xml><?xml version="1.0" encoding="utf-8"?>
-<p:cmLst xmlns:a="http://schemas.openxmlformats.org/drawingml/2006/main" xmlns:r="http://schemas.openxmlformats.org/officeDocument/2006/relationships" xmlns:p="http://schemas.openxmlformats.org/presentationml/2006/main">
-  <p:cm authorId="8" dt="2016-10-06T16:45:06.926" idx="1">
-    <p:pos x="10" y="10"/>
-    <p:text>Idea and name comes from Luigi the plumber character in Super Mario brothers. Purpose of Luigi is to address all the plumbing associated with data pipeline tasks.</p:text>
-    <p:extLst>
-      <p:ext uri="{C676402C-5697-4E1C-873F-D02D1690AC5C}">
-        <p15:threadingInfo xmlns:p15="http://schemas.microsoft.com/office/powerpoint/2012/main" timeZoneBias="240"/>
-      </p:ext>
-    </p:extLst>
-  </p:cm>
-</p:cmLst>
-</file>
-
-<file path=ppt/comments/comment7.xml><?xml version="1.0" encoding="utf-8"?>
-<p:cmLst xmlns:a="http://schemas.openxmlformats.org/drawingml/2006/main" xmlns:r="http://schemas.openxmlformats.org/officeDocument/2006/relationships" xmlns:p="http://schemas.openxmlformats.org/presentationml/2006/main">
-  <p:cm authorId="9" dt="2016-10-07T15:01:24.406" idx="1">
-    <p:pos x="10" y="10"/>
-    <p:text>Cycles- Airflow will raise exceptions when it finds cycles in your DAG or when a dependency is referenced more than once.</p:text>
-    <p:extLst>
-      <p:ext uri="{C676402C-5697-4E1C-873F-D02D1690AC5C}">
-        <p15:threadingInfo xmlns:p15="http://schemas.microsoft.com/office/powerpoint/2012/main" timeZoneBias="240"/>
-      </p:ext>
-    </p:extLst>
-  </p:cm>
-</p:cmLst>
-</file>
-
-<file path=ppt/comments/comment8.xml><?xml version="1.0" encoding="utf-8"?>
 <p:cmLst xmlns:a="http://schemas.openxmlformats.org/drawingml/2006/main" xmlns:r="http://schemas.openxmlformats.org/officeDocument/2006/relationships" xmlns:p="http://schemas.openxmlformats.org/presentationml/2006/main">
   <p:cm authorId="10" dt="2016-10-07T15:21:29.092" idx="1">
     <p:pos x="4142" y="1906"/>
@@ -406,7 +317,7 @@
 </p:cmLst>
 </file>
 
-<file path=ppt/comments/comment9.xml><?xml version="1.0" encoding="utf-8"?>
+<file path=ppt/comments/comment11.xml><?xml version="1.0" encoding="utf-8"?>
 <p:cmLst xmlns:a="http://schemas.openxmlformats.org/drawingml/2006/main" xmlns:r="http://schemas.openxmlformats.org/officeDocument/2006/relationships" xmlns:p="http://schemas.openxmlformats.org/presentationml/2006/main">
   <p:cm authorId="12" dt="2016-10-07T15:37:17.667" idx="1">
     <p:pos x="10698" y="1635"/>
@@ -418,6 +329,3460 @@
     </p:extLst>
   </p:cm>
 </p:cmLst>
+</file>
+
+<file path=ppt/comments/comment12.xml><?xml version="1.0" encoding="utf-8"?>
+<p:cmLst xmlns:a="http://schemas.openxmlformats.org/drawingml/2006/main" xmlns:r="http://schemas.openxmlformats.org/officeDocument/2006/relationships" xmlns:p="http://schemas.openxmlformats.org/presentationml/2006/main">
+  <p:cm authorId="13" dt="2016-10-07T20:20:54.874" idx="1">
+    <p:pos x="4312" y="2118"/>
+    <p:text>It is possible to create a data pipeline using boto3 but its not very clear how to specify
+complex dependencies. It seems like the emphasis is more on config file based pipeline
+definitions than programmatic.</p:text>
+    <p:extLst>
+      <p:ext uri="{C676402C-5697-4E1C-873F-D02D1690AC5C}">
+        <p15:threadingInfo xmlns:p15="http://schemas.microsoft.com/office/powerpoint/2012/main" timeZoneBias="240"/>
+      </p:ext>
+    </p:extLst>
+  </p:cm>
+</p:cmLst>
+</file>
+
+<file path=ppt/comments/comment13.xml><?xml version="1.0" encoding="utf-8"?>
+<p:cmLst xmlns:a="http://schemas.openxmlformats.org/drawingml/2006/main" xmlns:r="http://schemas.openxmlformats.org/officeDocument/2006/relationships" xmlns:p="http://schemas.openxmlformats.org/presentationml/2006/main">
+  <p:cm authorId="17" dt="2016-10-08T09:06:05.202" idx="1">
+    <p:pos x="10" y="10"/>
+    <p:text>Part of AWS Pipeline definition file to copy data from Amazon S3 to Redshift</p:text>
+    <p:extLst>
+      <p:ext uri="{C676402C-5697-4E1C-873F-D02D1690AC5C}">
+        <p15:threadingInfo xmlns:p15="http://schemas.microsoft.com/office/powerpoint/2012/main" timeZoneBias="240"/>
+      </p:ext>
+    </p:extLst>
+  </p:cm>
+</p:cmLst>
+</file>
+
+<file path=ppt/comments/comment14.xml><?xml version="1.0" encoding="utf-8"?>
+<p:cmLst xmlns:a="http://schemas.openxmlformats.org/drawingml/2006/main" xmlns:r="http://schemas.openxmlformats.org/officeDocument/2006/relationships" xmlns:p="http://schemas.openxmlformats.org/presentationml/2006/main">
+  <p:cm authorId="14" dt="2016-10-07T21:49:59.429" idx="1">
+    <p:pos x="10" y="10"/>
+    <p:text> Can use Simple Workflow as an alternative if you want more fine-grained programmatic customization over the control flow and patterns of your workflow logic. </p:text>
+    <p:extLst>
+      <p:ext uri="{C676402C-5697-4E1C-873F-D02D1690AC5C}">
+        <p15:threadingInfo xmlns:p15="http://schemas.microsoft.com/office/powerpoint/2012/main" timeZoneBias="240"/>
+      </p:ext>
+    </p:extLst>
+  </p:cm>
+</p:cmLst>
+</file>
+
+<file path=ppt/comments/comment2.xml><?xml version="1.0" encoding="utf-8"?>
+<p:cmLst xmlns:a="http://schemas.openxmlformats.org/drawingml/2006/main" xmlns:r="http://schemas.openxmlformats.org/officeDocument/2006/relationships" xmlns:p="http://schemas.openxmlformats.org/presentationml/2006/main">
+  <p:cm authorId="1" dt="2016-10-06T06:32:07.473" idx="1">
+    <p:pos x="777" y="1180"/>
+    <p:text>- We're now living in the era of Big data. From social media to smart devices and phones, 
+ sensors everywhere there are hundreds of thousands of data sources, many of which we wish  to process, analyze and extract information from. For the data scientist, this represents 
+ a gold mine, that will keep them busy and employed from the cradle to the grave (hyperbole).
+ The question is, with the deluge of data, how can we get a handle on  all this ?</p:text>
+    <p:extLst>
+      <p:ext uri="{C676402C-5697-4E1C-873F-D02D1690AC5C}">
+        <p15:threadingInfo xmlns:p15="http://schemas.microsoft.com/office/powerpoint/2012/main" timeZoneBias="240"/>
+      </p:ext>
+    </p:extLst>
+  </p:cm>
+</p:cmLst>
+</file>
+
+<file path=ppt/comments/comment3.xml><?xml version="1.0" encoding="utf-8"?>
+<p:cmLst xmlns:a="http://schemas.openxmlformats.org/drawingml/2006/main" xmlns:r="http://schemas.openxmlformats.org/officeDocument/2006/relationships" xmlns:p="http://schemas.openxmlformats.org/presentationml/2006/main">
+  <p:cm authorId="4" dt="2016-10-06T16:06:00.857" idx="1">
+    <p:pos x="10" y="10"/>
+    <p:text>Extremely problematic - any of the fetch data job could take much longer than expected to run and the etl job could start running on what is incomplete data. This brings us to the next approach - calling all tasks from generic wrapper script...</p:text>
+    <p:extLst>
+      <p:ext uri="{C676402C-5697-4E1C-873F-D02D1690AC5C}">
+        <p15:threadingInfo xmlns:p15="http://schemas.microsoft.com/office/powerpoint/2012/main" timeZoneBias="240"/>
+      </p:ext>
+    </p:extLst>
+  </p:cm>
+</p:cmLst>
+</file>
+
+<file path=ppt/comments/comment4.xml><?xml version="1.0" encoding="utf-8"?>
+<p:cmLst xmlns:a="http://schemas.openxmlformats.org/drawingml/2006/main" xmlns:r="http://schemas.openxmlformats.org/officeDocument/2006/relationships" xmlns:p="http://schemas.openxmlformats.org/presentationml/2006/main">
+  <p:cm authorId="2" dt="2016-10-06T15:45:03.265" idx="1">
+    <p:pos x="801" y="2628"/>
+    <p:text>The scripts are guaranteed to run in order without overlap but what happens in the case of errors in any intermediate step ?</p:text>
+    <p:extLst>
+      <p:ext uri="{C676402C-5697-4E1C-873F-D02D1690AC5C}">
+        <p15:threadingInfo xmlns:p15="http://schemas.microsoft.com/office/powerpoint/2012/main" timeZoneBias="240"/>
+      </p:ext>
+    </p:extLst>
+  </p:cm>
+</p:cmLst>
+</file>
+
+<file path=ppt/comments/comment5.xml><?xml version="1.0" encoding="utf-8"?>
+<p:cmLst xmlns:a="http://schemas.openxmlformats.org/drawingml/2006/main" xmlns:r="http://schemas.openxmlformats.org/officeDocument/2006/relationships" xmlns:p="http://schemas.openxmlformats.org/presentationml/2006/main">
+  <p:cm authorId="3" dt="2016-10-06T15:50:18.476" idx="1">
+    <p:pos x="801" y="3564"/>
+    <p:text>As you can see this approach can get tedious pretty fast as our pipeline becomes more complex.</p:text>
+    <p:extLst>
+      <p:ext uri="{C676402C-5697-4E1C-873F-D02D1690AC5C}">
+        <p15:threadingInfo xmlns:p15="http://schemas.microsoft.com/office/powerpoint/2012/main" timeZoneBias="240"/>
+      </p:ext>
+    </p:extLst>
+  </p:cm>
+</p:cmLst>
+</file>
+
+<file path=ppt/comments/comment6.xml><?xml version="1.0" encoding="utf-8"?>
+<p:cmLst xmlns:a="http://schemas.openxmlformats.org/drawingml/2006/main" xmlns:r="http://schemas.openxmlformats.org/officeDocument/2006/relationships" xmlns:p="http://schemas.openxmlformats.org/presentationml/2006/main">
+  <p:cm authorId="7" dt="2016-10-06T16:44:49.037" idx="1">
+    <p:pos x="10" y="10"/>
+    <p:text>One solution to our problem is to use one of the Python based workflow management tools </p:text>
+    <p:extLst>
+      <p:ext uri="{C676402C-5697-4E1C-873F-D02D1690AC5C}">
+        <p15:threadingInfo xmlns:p15="http://schemas.microsoft.com/office/powerpoint/2012/main" timeZoneBias="240"/>
+      </p:ext>
+    </p:extLst>
+  </p:cm>
+</p:cmLst>
+</file>
+
+<file path=ppt/comments/comment7.xml><?xml version="1.0" encoding="utf-8"?>
+<p:cmLst xmlns:a="http://schemas.openxmlformats.org/drawingml/2006/main" xmlns:r="http://schemas.openxmlformats.org/officeDocument/2006/relationships" xmlns:p="http://schemas.openxmlformats.org/presentationml/2006/main">
+  <p:cm authorId="8" dt="2016-10-06T16:45:06.926" idx="1">
+    <p:pos x="10" y="10"/>
+    <p:text>Idea and name comes from Luigi the plumber character in Super Mario brothers. Purpose of Luigi is to address all the plumbing associated with data pipeline tasks.</p:text>
+    <p:extLst>
+      <p:ext uri="{C676402C-5697-4E1C-873F-D02D1690AC5C}">
+        <p15:threadingInfo xmlns:p15="http://schemas.microsoft.com/office/powerpoint/2012/main" timeZoneBias="240"/>
+      </p:ext>
+    </p:extLst>
+  </p:cm>
+</p:cmLst>
+</file>
+
+<file path=ppt/comments/comment8.xml><?xml version="1.0" encoding="utf-8"?>
+<p:cmLst xmlns:a="http://schemas.openxmlformats.org/drawingml/2006/main" xmlns:r="http://schemas.openxmlformats.org/officeDocument/2006/relationships" xmlns:p="http://schemas.openxmlformats.org/presentationml/2006/main">
+  <p:cm authorId="16" dt="2016-10-08T08:38:36.979" idx="1">
+    <p:pos x="10" y="10"/>
+    <p:text>can create your own target by inheriting from luigi.Target</p:text>
+    <p:extLst>
+      <p:ext uri="{C676402C-5697-4E1C-873F-D02D1690AC5C}">
+        <p15:threadingInfo xmlns:p15="http://schemas.microsoft.com/office/powerpoint/2012/main" timeZoneBias="240"/>
+      </p:ext>
+    </p:extLst>
+  </p:cm>
+</p:cmLst>
+</file>
+
+<file path=ppt/comments/comment9.xml><?xml version="1.0" encoding="utf-8"?>
+<p:cmLst xmlns:a="http://schemas.openxmlformats.org/drawingml/2006/main" xmlns:r="http://schemas.openxmlformats.org/officeDocument/2006/relationships" xmlns:p="http://schemas.openxmlformats.org/presentationml/2006/main">
+  <p:cm authorId="9" dt="2016-10-07T15:01:24.406" idx="1">
+    <p:pos x="10" y="10"/>
+    <p:text>Cycles- Airflow will raise exceptions when it finds cycles in your DAG or when a dependency is referenced more than once.</p:text>
+    <p:extLst>
+      <p:ext uri="{C676402C-5697-4E1C-873F-D02D1690AC5C}">
+        <p15:threadingInfo xmlns:p15="http://schemas.microsoft.com/office/powerpoint/2012/main" timeZoneBias="240"/>
+      </p:ext>
+    </p:extLst>
+  </p:cm>
+</p:cmLst>
+</file>
+
+<file path=ppt/notesMasters/notesMaster1.xml><?xml version="1.0" encoding="utf-8"?>
+<p:notesMaster xmlns:a="http://schemas.openxmlformats.org/drawingml/2006/main" xmlns:r="http://schemas.openxmlformats.org/officeDocument/2006/relationships" xmlns:p="http://schemas.openxmlformats.org/presentationml/2006/main">
+  <p:cSld>
+    <p:bg>
+      <p:bgRef idx="1001">
+        <a:schemeClr val="bg1"/>
+      </p:bgRef>
+    </p:bg>
+    <p:spTree>
+      <p:nvGrpSpPr>
+        <p:cNvPr id="1" name=""/>
+        <p:cNvGrpSpPr/>
+        <p:nvPr/>
+      </p:nvGrpSpPr>
+      <p:grpSpPr>
+        <a:xfrm>
+          <a:off x="0" y="0"/>
+          <a:ext cx="0" cy="0"/>
+          <a:chOff x="0" y="0"/>
+          <a:chExt cx="0" cy="0"/>
+        </a:xfrm>
+      </p:grpSpPr>
+      <p:sp>
+        <p:nvSpPr>
+          <p:cNvPr id="2" name="Header Placeholder 1"/>
+          <p:cNvSpPr>
+            <a:spLocks noGrp="1"/>
+          </p:cNvSpPr>
+          <p:nvPr>
+            <p:ph type="hdr" sz="quarter"/>
+          </p:nvPr>
+        </p:nvSpPr>
+        <p:spPr>
+          <a:xfrm>
+            <a:off x="0" y="0"/>
+            <a:ext cx="2971800" cy="458788"/>
+          </a:xfrm>
+          <a:prstGeom prst="rect">
+            <a:avLst/>
+          </a:prstGeom>
+        </p:spPr>
+        <p:txBody>
+          <a:bodyPr vert="horz" lIns="91440" tIns="45720" rIns="91440" bIns="45720" rtlCol="0"/>
+          <a:lstStyle>
+            <a:lvl1pPr algn="l">
+              <a:defRPr sz="1200"/>
+            </a:lvl1pPr>
+          </a:lstStyle>
+          <a:p>
+            <a:endParaRPr lang="en-US"/>
+          </a:p>
+        </p:txBody>
+      </p:sp>
+      <p:sp>
+        <p:nvSpPr>
+          <p:cNvPr id="3" name="Date Placeholder 2"/>
+          <p:cNvSpPr>
+            <a:spLocks noGrp="1"/>
+          </p:cNvSpPr>
+          <p:nvPr>
+            <p:ph type="dt" idx="1"/>
+          </p:nvPr>
+        </p:nvSpPr>
+        <p:spPr>
+          <a:xfrm>
+            <a:off x="3884613" y="0"/>
+            <a:ext cx="2971800" cy="458788"/>
+          </a:xfrm>
+          <a:prstGeom prst="rect">
+            <a:avLst/>
+          </a:prstGeom>
+        </p:spPr>
+        <p:txBody>
+          <a:bodyPr vert="horz" lIns="91440" tIns="45720" rIns="91440" bIns="45720" rtlCol="0"/>
+          <a:lstStyle>
+            <a:lvl1pPr algn="r">
+              <a:defRPr sz="1200"/>
+            </a:lvl1pPr>
+          </a:lstStyle>
+          <a:p>
+            <a:fld id="{4E81DE64-A6BE-BD43-BBDF-A0D815606C69}" type="datetimeFigureOut">
+              <a:rPr lang="en-US" smtClean="0"/>
+              <a:t>10/8/16</a:t>
+            </a:fld>
+            <a:endParaRPr lang="en-US"/>
+          </a:p>
+        </p:txBody>
+      </p:sp>
+      <p:sp>
+        <p:nvSpPr>
+          <p:cNvPr id="4" name="Slide Image Placeholder 3"/>
+          <p:cNvSpPr>
+            <a:spLocks noGrp="1" noRot="1" noChangeAspect="1"/>
+          </p:cNvSpPr>
+          <p:nvPr>
+            <p:ph type="sldImg" idx="2"/>
+          </p:nvPr>
+        </p:nvSpPr>
+        <p:spPr>
+          <a:xfrm>
+            <a:off x="685800" y="1143000"/>
+            <a:ext cx="5486400" cy="3086100"/>
+          </a:xfrm>
+          <a:prstGeom prst="rect">
+            <a:avLst/>
+          </a:prstGeom>
+          <a:noFill/>
+          <a:ln w="12700">
+            <a:solidFill>
+              <a:prstClr val="black"/>
+            </a:solidFill>
+          </a:ln>
+        </p:spPr>
+        <p:txBody>
+          <a:bodyPr vert="horz" lIns="91440" tIns="45720" rIns="91440" bIns="45720" rtlCol="0" anchor="ctr"/>
+          <a:lstStyle/>
+          <a:p>
+            <a:r>
+              <a:rPr lang="en-US" smtClean="0"/>
+              <a:t> </a:t>
+            </a:r>
+            <a:endParaRPr lang="en-US"/>
+          </a:p>
+        </p:txBody>
+      </p:sp>
+      <p:sp>
+        <p:nvSpPr>
+          <p:cNvPr id="5" name="Notes Placeholder 4"/>
+          <p:cNvSpPr>
+            <a:spLocks noGrp="1"/>
+          </p:cNvSpPr>
+          <p:nvPr>
+            <p:ph type="body" sz="quarter" idx="3"/>
+          </p:nvPr>
+        </p:nvSpPr>
+        <p:spPr>
+          <a:xfrm>
+            <a:off x="685800" y="4400550"/>
+            <a:ext cx="5486400" cy="3600450"/>
+          </a:xfrm>
+          <a:prstGeom prst="rect">
+            <a:avLst/>
+          </a:prstGeom>
+        </p:spPr>
+        <p:txBody>
+          <a:bodyPr vert="horz" lIns="91440" tIns="45720" rIns="91440" bIns="45720" rtlCol="0"/>
+          <a:lstStyle/>
+          <a:p>
+            <a:pPr lvl="0"/>
+            <a:r>
+              <a:rPr lang="en-US" smtClean="0"/>
+              <a:t>Click to edit Master text styles</a:t>
+            </a:r>
+          </a:p>
+          <a:p>
+            <a:pPr lvl="1"/>
+            <a:r>
+              <a:rPr lang="en-US" smtClean="0"/>
+              <a:t>Second level</a:t>
+            </a:r>
+          </a:p>
+          <a:p>
+            <a:pPr lvl="2"/>
+            <a:r>
+              <a:rPr lang="en-US" smtClean="0"/>
+              <a:t>Third level</a:t>
+            </a:r>
+          </a:p>
+          <a:p>
+            <a:pPr lvl="3"/>
+            <a:r>
+              <a:rPr lang="en-US" smtClean="0"/>
+              <a:t>Fourth level</a:t>
+            </a:r>
+          </a:p>
+          <a:p>
+            <a:pPr lvl="4"/>
+            <a:r>
+              <a:rPr lang="en-US" smtClean="0"/>
+              <a:t>Fifth level</a:t>
+            </a:r>
+            <a:endParaRPr lang="en-US"/>
+          </a:p>
+        </p:txBody>
+      </p:sp>
+      <p:sp>
+        <p:nvSpPr>
+          <p:cNvPr id="6" name="Footer Placeholder 5"/>
+          <p:cNvSpPr>
+            <a:spLocks noGrp="1"/>
+          </p:cNvSpPr>
+          <p:nvPr>
+            <p:ph type="ftr" sz="quarter" idx="4"/>
+          </p:nvPr>
+        </p:nvSpPr>
+        <p:spPr>
+          <a:xfrm>
+            <a:off x="0" y="8685213"/>
+            <a:ext cx="2971800" cy="458787"/>
+          </a:xfrm>
+          <a:prstGeom prst="rect">
+            <a:avLst/>
+          </a:prstGeom>
+        </p:spPr>
+        <p:txBody>
+          <a:bodyPr vert="horz" lIns="91440" tIns="45720" rIns="91440" bIns="45720" rtlCol="0" anchor="b"/>
+          <a:lstStyle>
+            <a:lvl1pPr algn="l">
+              <a:defRPr sz="1200"/>
+            </a:lvl1pPr>
+          </a:lstStyle>
+          <a:p>
+            <a:endParaRPr lang="en-US"/>
+          </a:p>
+        </p:txBody>
+      </p:sp>
+      <p:sp>
+        <p:nvSpPr>
+          <p:cNvPr id="7" name="Slide Number Placeholder 6"/>
+          <p:cNvSpPr>
+            <a:spLocks noGrp="1"/>
+          </p:cNvSpPr>
+          <p:nvPr>
+            <p:ph type="sldNum" sz="quarter" idx="5"/>
+          </p:nvPr>
+        </p:nvSpPr>
+        <p:spPr>
+          <a:xfrm>
+            <a:off x="3884613" y="8685213"/>
+            <a:ext cx="2971800" cy="458787"/>
+          </a:xfrm>
+          <a:prstGeom prst="rect">
+            <a:avLst/>
+          </a:prstGeom>
+        </p:spPr>
+        <p:txBody>
+          <a:bodyPr vert="horz" lIns="91440" tIns="45720" rIns="91440" bIns="45720" rtlCol="0" anchor="b"/>
+          <a:lstStyle>
+            <a:lvl1pPr algn="r">
+              <a:defRPr sz="1200"/>
+            </a:lvl1pPr>
+          </a:lstStyle>
+          <a:p>
+            <a:fld id="{DF37FEA7-B70E-8748-9806-F5171A8DA745}" type="slidenum">
+              <a:rPr lang="en-US" smtClean="0"/>
+              <a:t>‹#›</a:t>
+            </a:fld>
+            <a:endParaRPr lang="en-US"/>
+          </a:p>
+        </p:txBody>
+      </p:sp>
+    </p:spTree>
+    <p:extLst>
+      <p:ext uri="{BB962C8B-B14F-4D97-AF65-F5344CB8AC3E}">
+        <p14:creationId xmlns:p14="http://schemas.microsoft.com/office/powerpoint/2010/main" val="1115995826"/>
+      </p:ext>
+    </p:extLst>
+  </p:cSld>
+  <p:clrMap bg1="lt1" tx1="dk1" bg2="lt2" tx2="dk2" accent1="accent1" accent2="accent2" accent3="accent3" accent4="accent4" accent5="accent5" accent6="accent6" hlink="hlink" folHlink="folHlink"/>
+  <p:notesStyle>
+    <a:lvl1pPr marL="0" algn="l" defTabSz="914400" rtl="0" eaLnBrk="1" latinLnBrk="0" hangingPunct="1">
+      <a:defRPr sz="1200" kern="1200">
+        <a:solidFill>
+          <a:schemeClr val="tx1"/>
+        </a:solidFill>
+        <a:latin typeface="+mn-lt"/>
+        <a:ea typeface="+mn-ea"/>
+        <a:cs typeface="+mn-cs"/>
+      </a:defRPr>
+    </a:lvl1pPr>
+    <a:lvl2pPr marL="457200" algn="l" defTabSz="914400" rtl="0" eaLnBrk="1" latinLnBrk="0" hangingPunct="1">
+      <a:defRPr sz="1200" kern="1200">
+        <a:solidFill>
+          <a:schemeClr val="tx1"/>
+        </a:solidFill>
+        <a:latin typeface="+mn-lt"/>
+        <a:ea typeface="+mn-ea"/>
+        <a:cs typeface="+mn-cs"/>
+      </a:defRPr>
+    </a:lvl2pPr>
+    <a:lvl3pPr marL="914400" algn="l" defTabSz="914400" rtl="0" eaLnBrk="1" latinLnBrk="0" hangingPunct="1">
+      <a:defRPr sz="1200" kern="1200">
+        <a:solidFill>
+          <a:schemeClr val="tx1"/>
+        </a:solidFill>
+        <a:latin typeface="+mn-lt"/>
+        <a:ea typeface="+mn-ea"/>
+        <a:cs typeface="+mn-cs"/>
+      </a:defRPr>
+    </a:lvl3pPr>
+    <a:lvl4pPr marL="1371600" algn="l" defTabSz="914400" rtl="0" eaLnBrk="1" latinLnBrk="0" hangingPunct="1">
+      <a:defRPr sz="1200" kern="1200">
+        <a:solidFill>
+          <a:schemeClr val="tx1"/>
+        </a:solidFill>
+        <a:latin typeface="+mn-lt"/>
+        <a:ea typeface="+mn-ea"/>
+        <a:cs typeface="+mn-cs"/>
+      </a:defRPr>
+    </a:lvl4pPr>
+    <a:lvl5pPr marL="1828800" algn="l" defTabSz="914400" rtl="0" eaLnBrk="1" latinLnBrk="0" hangingPunct="1">
+      <a:defRPr sz="1200" kern="1200">
+        <a:solidFill>
+          <a:schemeClr val="tx1"/>
+        </a:solidFill>
+        <a:latin typeface="+mn-lt"/>
+        <a:ea typeface="+mn-ea"/>
+        <a:cs typeface="+mn-cs"/>
+      </a:defRPr>
+    </a:lvl5pPr>
+    <a:lvl6pPr marL="2286000" algn="l" defTabSz="914400" rtl="0" eaLnBrk="1" latinLnBrk="0" hangingPunct="1">
+      <a:defRPr sz="1200" kern="1200">
+        <a:solidFill>
+          <a:schemeClr val="tx1"/>
+        </a:solidFill>
+        <a:latin typeface="+mn-lt"/>
+        <a:ea typeface="+mn-ea"/>
+        <a:cs typeface="+mn-cs"/>
+      </a:defRPr>
+    </a:lvl6pPr>
+    <a:lvl7pPr marL="2743200" algn="l" defTabSz="914400" rtl="0" eaLnBrk="1" latinLnBrk="0" hangingPunct="1">
+      <a:defRPr sz="1200" kern="1200">
+        <a:solidFill>
+          <a:schemeClr val="tx1"/>
+        </a:solidFill>
+        <a:latin typeface="+mn-lt"/>
+        <a:ea typeface="+mn-ea"/>
+        <a:cs typeface="+mn-cs"/>
+      </a:defRPr>
+    </a:lvl7pPr>
+    <a:lvl8pPr marL="3200400" algn="l" defTabSz="914400" rtl="0" eaLnBrk="1" latinLnBrk="0" hangingPunct="1">
+      <a:defRPr sz="1200" kern="1200">
+        <a:solidFill>
+          <a:schemeClr val="tx1"/>
+        </a:solidFill>
+        <a:latin typeface="+mn-lt"/>
+        <a:ea typeface="+mn-ea"/>
+        <a:cs typeface="+mn-cs"/>
+      </a:defRPr>
+    </a:lvl8pPr>
+    <a:lvl9pPr marL="3657600" algn="l" defTabSz="914400" rtl="0" eaLnBrk="1" latinLnBrk="0" hangingPunct="1">
+      <a:defRPr sz="1200" kern="1200">
+        <a:solidFill>
+          <a:schemeClr val="tx1"/>
+        </a:solidFill>
+        <a:latin typeface="+mn-lt"/>
+        <a:ea typeface="+mn-ea"/>
+        <a:cs typeface="+mn-cs"/>
+      </a:defRPr>
+    </a:lvl9pPr>
+  </p:notesStyle>
+</p:notesMaster>
+</file>
+
+<file path=ppt/notesSlides/notesSlide1.xml><?xml version="1.0" encoding="utf-8"?>
+<p:notes xmlns:a="http://schemas.openxmlformats.org/drawingml/2006/main" xmlns:r="http://schemas.openxmlformats.org/officeDocument/2006/relationships" xmlns:p="http://schemas.openxmlformats.org/presentationml/2006/main">
+  <p:cSld>
+    <p:spTree>
+      <p:nvGrpSpPr>
+        <p:cNvPr id="1" name=""/>
+        <p:cNvGrpSpPr/>
+        <p:nvPr/>
+      </p:nvGrpSpPr>
+      <p:grpSpPr>
+        <a:xfrm>
+          <a:off x="0" y="0"/>
+          <a:ext cx="0" cy="0"/>
+          <a:chOff x="0" y="0"/>
+          <a:chExt cx="0" cy="0"/>
+        </a:xfrm>
+      </p:grpSpPr>
+      <p:sp>
+        <p:nvSpPr>
+          <p:cNvPr id="2" name="Slide Image Placeholder 1"/>
+          <p:cNvSpPr>
+            <a:spLocks noGrp="1" noRot="1" noChangeAspect="1"/>
+          </p:cNvSpPr>
+          <p:nvPr>
+            <p:ph type="sldImg"/>
+          </p:nvPr>
+        </p:nvSpPr>
+        <p:spPr/>
+      </p:sp>
+      <p:sp>
+        <p:nvSpPr>
+          <p:cNvPr id="3" name="Notes Placeholder 2"/>
+          <p:cNvSpPr>
+            <a:spLocks noGrp="1"/>
+          </p:cNvSpPr>
+          <p:nvPr>
+            <p:ph type="body" idx="1"/>
+          </p:nvPr>
+        </p:nvSpPr>
+        <p:spPr/>
+        <p:txBody>
+          <a:bodyPr/>
+          <a:lstStyle/>
+          <a:p>
+            <a:endParaRPr lang="en-US" smtClean="0"/>
+          </a:p>
+          <a:p>
+            <a:r>
+              <a:rPr lang="en-US" smtClean="0"/>
+              <a:t>Bit of a misnomer, slightly different from when I made my submission since </a:t>
+            </a:r>
+            <a:br>
+              <a:rPr lang="en-US" smtClean="0"/>
+            </a:br>
+            <a:r>
+              <a:rPr lang="en-US" smtClean="0"/>
+              <a:t>the business of creating data pipelines in the cloud isnt that much different from that of using your company infrastructure in the first 2 cases - Luigi, Airflow.</a:t>
+            </a:r>
+          </a:p>
+        </p:txBody>
+      </p:sp>
+      <p:sp>
+        <p:nvSpPr>
+          <p:cNvPr id="4" name="Slide Number Placeholder 3"/>
+          <p:cNvSpPr>
+            <a:spLocks noGrp="1"/>
+          </p:cNvSpPr>
+          <p:nvPr>
+            <p:ph type="sldNum" sz="quarter" idx="10"/>
+          </p:nvPr>
+        </p:nvSpPr>
+        <p:spPr/>
+        <p:txBody>
+          <a:bodyPr/>
+          <a:lstStyle/>
+          <a:p>
+            <a:fld id="{DF37FEA7-B70E-8748-9806-F5171A8DA745}" type="slidenum">
+              <a:rPr lang="en-US" smtClean="0"/>
+              <a:t>1</a:t>
+            </a:fld>
+            <a:endParaRPr lang="en-US"/>
+          </a:p>
+        </p:txBody>
+      </p:sp>
+    </p:spTree>
+    <p:extLst>
+      <p:ext uri="{BB962C8B-B14F-4D97-AF65-F5344CB8AC3E}">
+        <p14:creationId xmlns:p14="http://schemas.microsoft.com/office/powerpoint/2010/main" val="850102690"/>
+      </p:ext>
+    </p:extLst>
+  </p:cSld>
+  <p:clrMapOvr>
+    <a:masterClrMapping/>
+  </p:clrMapOvr>
+</p:notes>
+</file>
+
+<file path=ppt/notesSlides/notesSlide10.xml><?xml version="1.0" encoding="utf-8"?>
+<p:notes xmlns:a="http://schemas.openxmlformats.org/drawingml/2006/main" xmlns:r="http://schemas.openxmlformats.org/officeDocument/2006/relationships" xmlns:p="http://schemas.openxmlformats.org/presentationml/2006/main">
+  <p:cSld>
+    <p:spTree>
+      <p:nvGrpSpPr>
+        <p:cNvPr id="1" name=""/>
+        <p:cNvGrpSpPr/>
+        <p:nvPr/>
+      </p:nvGrpSpPr>
+      <p:grpSpPr>
+        <a:xfrm>
+          <a:off x="0" y="0"/>
+          <a:ext cx="0" cy="0"/>
+          <a:chOff x="0" y="0"/>
+          <a:chExt cx="0" cy="0"/>
+        </a:xfrm>
+      </p:grpSpPr>
+      <p:sp>
+        <p:nvSpPr>
+          <p:cNvPr id="2" name="Slide Image Placeholder 1"/>
+          <p:cNvSpPr>
+            <a:spLocks noGrp="1" noRot="1" noChangeAspect="1"/>
+          </p:cNvSpPr>
+          <p:nvPr>
+            <p:ph type="sldImg"/>
+          </p:nvPr>
+        </p:nvSpPr>
+        <p:spPr/>
+      </p:sp>
+      <p:sp>
+        <p:nvSpPr>
+          <p:cNvPr id="3" name="Notes Placeholder 2"/>
+          <p:cNvSpPr>
+            <a:spLocks noGrp="1"/>
+          </p:cNvSpPr>
+          <p:nvPr>
+            <p:ph type="body" idx="1"/>
+          </p:nvPr>
+        </p:nvSpPr>
+        <p:spPr/>
+        <p:txBody>
+          <a:bodyPr/>
+          <a:lstStyle/>
+          <a:p>
+            <a:r>
+              <a:rPr lang="en-US" smtClean="0"/>
+              <a:t>The scripts are guaranteed to run in order without overlap but what happens in the case of errors in any intermediate step ?</a:t>
+            </a:r>
+            <a:endParaRPr lang="en-US"/>
+          </a:p>
+        </p:txBody>
+      </p:sp>
+      <p:sp>
+        <p:nvSpPr>
+          <p:cNvPr id="4" name="Slide Number Placeholder 3"/>
+          <p:cNvSpPr>
+            <a:spLocks noGrp="1"/>
+          </p:cNvSpPr>
+          <p:nvPr>
+            <p:ph type="sldNum" sz="quarter" idx="10"/>
+          </p:nvPr>
+        </p:nvSpPr>
+        <p:spPr/>
+        <p:txBody>
+          <a:bodyPr/>
+          <a:lstStyle/>
+          <a:p>
+            <a:fld id="{DF37FEA7-B70E-8748-9806-F5171A8DA745}" type="slidenum">
+              <a:rPr lang="en-US" smtClean="0"/>
+              <a:t>10</a:t>
+            </a:fld>
+            <a:endParaRPr lang="en-US"/>
+          </a:p>
+        </p:txBody>
+      </p:sp>
+    </p:spTree>
+    <p:extLst>
+      <p:ext uri="{BB962C8B-B14F-4D97-AF65-F5344CB8AC3E}">
+        <p14:creationId xmlns:p14="http://schemas.microsoft.com/office/powerpoint/2010/main" val="1698017692"/>
+      </p:ext>
+    </p:extLst>
+  </p:cSld>
+  <p:clrMapOvr>
+    <a:masterClrMapping/>
+  </p:clrMapOvr>
+</p:notes>
+</file>
+
+<file path=ppt/notesSlides/notesSlide11.xml><?xml version="1.0" encoding="utf-8"?>
+<p:notes xmlns:a="http://schemas.openxmlformats.org/drawingml/2006/main" xmlns:r="http://schemas.openxmlformats.org/officeDocument/2006/relationships" xmlns:p="http://schemas.openxmlformats.org/presentationml/2006/main">
+  <p:cSld>
+    <p:spTree>
+      <p:nvGrpSpPr>
+        <p:cNvPr id="1" name=""/>
+        <p:cNvGrpSpPr/>
+        <p:nvPr/>
+      </p:nvGrpSpPr>
+      <p:grpSpPr>
+        <a:xfrm>
+          <a:off x="0" y="0"/>
+          <a:ext cx="0" cy="0"/>
+          <a:chOff x="0" y="0"/>
+          <a:chExt cx="0" cy="0"/>
+        </a:xfrm>
+      </p:grpSpPr>
+      <p:sp>
+        <p:nvSpPr>
+          <p:cNvPr id="2" name="Slide Image Placeholder 1"/>
+          <p:cNvSpPr>
+            <a:spLocks noGrp="1" noRot="1" noChangeAspect="1"/>
+          </p:cNvSpPr>
+          <p:nvPr>
+            <p:ph type="sldImg"/>
+          </p:nvPr>
+        </p:nvSpPr>
+        <p:spPr/>
+      </p:sp>
+      <p:sp>
+        <p:nvSpPr>
+          <p:cNvPr id="3" name="Notes Placeholder 2"/>
+          <p:cNvSpPr>
+            <a:spLocks noGrp="1"/>
+          </p:cNvSpPr>
+          <p:nvPr>
+            <p:ph type="body" idx="1"/>
+          </p:nvPr>
+        </p:nvSpPr>
+        <p:spPr/>
+        <p:txBody>
+          <a:bodyPr/>
+          <a:lstStyle/>
+          <a:p>
+            <a:r>
+              <a:rPr lang="en-US" smtClean="0"/>
+              <a:t>Well, we can add error handling as shown above</a:t>
+            </a:r>
+            <a:r>
+              <a:rPr lang="is-IS" smtClean="0"/>
+              <a:t>…</a:t>
+            </a:r>
+            <a:br>
+              <a:rPr lang="is-IS" smtClean="0"/>
+            </a:br>
+            <a:r>
+              <a:rPr lang="is-IS" smtClean="0"/>
+              <a:t/>
+            </a:r>
+            <a:br>
+              <a:rPr lang="is-IS" smtClean="0"/>
+            </a:br>
+            <a:r>
+              <a:rPr lang="en-US" smtClean="0"/>
+              <a:t>As you can see this approach can get tedious pretty fast as our pipeline becomes more complex.</a:t>
+            </a:r>
+          </a:p>
+          <a:p>
+            <a:endParaRPr lang="en-US"/>
+          </a:p>
+          <a:p>
+            <a:r>
+              <a:rPr lang="en-US" smtClean="0"/>
+              <a:t>So why don’t we take a step back and re-consider our approach</a:t>
+            </a:r>
+            <a:endParaRPr lang="en-US"/>
+          </a:p>
+        </p:txBody>
+      </p:sp>
+      <p:sp>
+        <p:nvSpPr>
+          <p:cNvPr id="4" name="Slide Number Placeholder 3"/>
+          <p:cNvSpPr>
+            <a:spLocks noGrp="1"/>
+          </p:cNvSpPr>
+          <p:nvPr>
+            <p:ph type="sldNum" sz="quarter" idx="10"/>
+          </p:nvPr>
+        </p:nvSpPr>
+        <p:spPr/>
+        <p:txBody>
+          <a:bodyPr/>
+          <a:lstStyle/>
+          <a:p>
+            <a:fld id="{DF37FEA7-B70E-8748-9806-F5171A8DA745}" type="slidenum">
+              <a:rPr lang="en-US" smtClean="0"/>
+              <a:t>11</a:t>
+            </a:fld>
+            <a:endParaRPr lang="en-US"/>
+          </a:p>
+        </p:txBody>
+      </p:sp>
+    </p:spTree>
+    <p:extLst>
+      <p:ext uri="{BB962C8B-B14F-4D97-AF65-F5344CB8AC3E}">
+        <p14:creationId xmlns:p14="http://schemas.microsoft.com/office/powerpoint/2010/main" val="673164461"/>
+      </p:ext>
+    </p:extLst>
+  </p:cSld>
+  <p:clrMapOvr>
+    <a:masterClrMapping/>
+  </p:clrMapOvr>
+</p:notes>
+</file>
+
+<file path=ppt/notesSlides/notesSlide12.xml><?xml version="1.0" encoding="utf-8"?>
+<p:notes xmlns:a="http://schemas.openxmlformats.org/drawingml/2006/main" xmlns:r="http://schemas.openxmlformats.org/officeDocument/2006/relationships" xmlns:p="http://schemas.openxmlformats.org/presentationml/2006/main">
+  <p:cSld>
+    <p:spTree>
+      <p:nvGrpSpPr>
+        <p:cNvPr id="1" name=""/>
+        <p:cNvGrpSpPr/>
+        <p:nvPr/>
+      </p:nvGrpSpPr>
+      <p:grpSpPr>
+        <a:xfrm>
+          <a:off x="0" y="0"/>
+          <a:ext cx="0" cy="0"/>
+          <a:chOff x="0" y="0"/>
+          <a:chExt cx="0" cy="0"/>
+        </a:xfrm>
+      </p:grpSpPr>
+      <p:sp>
+        <p:nvSpPr>
+          <p:cNvPr id="2" name="Slide Image Placeholder 1"/>
+          <p:cNvSpPr>
+            <a:spLocks noGrp="1" noRot="1" noChangeAspect="1"/>
+          </p:cNvSpPr>
+          <p:nvPr>
+            <p:ph type="sldImg"/>
+          </p:nvPr>
+        </p:nvSpPr>
+        <p:spPr/>
+      </p:sp>
+      <p:sp>
+        <p:nvSpPr>
+          <p:cNvPr id="3" name="Notes Placeholder 2"/>
+          <p:cNvSpPr>
+            <a:spLocks noGrp="1"/>
+          </p:cNvSpPr>
+          <p:nvPr>
+            <p:ph type="body" idx="1"/>
+          </p:nvPr>
+        </p:nvSpPr>
+        <p:spPr/>
+        <p:txBody>
+          <a:bodyPr/>
+          <a:lstStyle/>
+          <a:p>
+            <a:r>
+              <a:rPr lang="en-US" smtClean="0"/>
+              <a:t>One solution to our problem is to use one of the Python based workflow management tools  and we shall consider 3 today shown in the slides.</a:t>
+            </a:r>
+            <a:endParaRPr lang="en-US"/>
+          </a:p>
+        </p:txBody>
+      </p:sp>
+      <p:sp>
+        <p:nvSpPr>
+          <p:cNvPr id="4" name="Slide Number Placeholder 3"/>
+          <p:cNvSpPr>
+            <a:spLocks noGrp="1"/>
+          </p:cNvSpPr>
+          <p:nvPr>
+            <p:ph type="sldNum" sz="quarter" idx="10"/>
+          </p:nvPr>
+        </p:nvSpPr>
+        <p:spPr/>
+        <p:txBody>
+          <a:bodyPr/>
+          <a:lstStyle/>
+          <a:p>
+            <a:fld id="{DF37FEA7-B70E-8748-9806-F5171A8DA745}" type="slidenum">
+              <a:rPr lang="en-US" smtClean="0"/>
+              <a:t>12</a:t>
+            </a:fld>
+            <a:endParaRPr lang="en-US"/>
+          </a:p>
+        </p:txBody>
+      </p:sp>
+    </p:spTree>
+    <p:extLst>
+      <p:ext uri="{BB962C8B-B14F-4D97-AF65-F5344CB8AC3E}">
+        <p14:creationId xmlns:p14="http://schemas.microsoft.com/office/powerpoint/2010/main" val="797800254"/>
+      </p:ext>
+    </p:extLst>
+  </p:cSld>
+  <p:clrMapOvr>
+    <a:masterClrMapping/>
+  </p:clrMapOvr>
+</p:notes>
+</file>
+
+<file path=ppt/notesSlides/notesSlide13.xml><?xml version="1.0" encoding="utf-8"?>
+<p:notes xmlns:a="http://schemas.openxmlformats.org/drawingml/2006/main" xmlns:r="http://schemas.openxmlformats.org/officeDocument/2006/relationships" xmlns:p="http://schemas.openxmlformats.org/presentationml/2006/main">
+  <p:cSld>
+    <p:spTree>
+      <p:nvGrpSpPr>
+        <p:cNvPr id="1" name=""/>
+        <p:cNvGrpSpPr/>
+        <p:nvPr/>
+      </p:nvGrpSpPr>
+      <p:grpSpPr>
+        <a:xfrm>
+          <a:off x="0" y="0"/>
+          <a:ext cx="0" cy="0"/>
+          <a:chOff x="0" y="0"/>
+          <a:chExt cx="0" cy="0"/>
+        </a:xfrm>
+      </p:grpSpPr>
+      <p:sp>
+        <p:nvSpPr>
+          <p:cNvPr id="2" name="Slide Image Placeholder 1"/>
+          <p:cNvSpPr>
+            <a:spLocks noGrp="1" noRot="1" noChangeAspect="1"/>
+          </p:cNvSpPr>
+          <p:nvPr>
+            <p:ph type="sldImg"/>
+          </p:nvPr>
+        </p:nvSpPr>
+        <p:spPr/>
+      </p:sp>
+      <p:sp>
+        <p:nvSpPr>
+          <p:cNvPr id="3" name="Notes Placeholder 2"/>
+          <p:cNvSpPr>
+            <a:spLocks noGrp="1"/>
+          </p:cNvSpPr>
+          <p:nvPr>
+            <p:ph type="body" idx="1"/>
+          </p:nvPr>
+        </p:nvSpPr>
+        <p:spPr/>
+        <p:txBody>
+          <a:bodyPr/>
+          <a:lstStyle/>
+          <a:p>
+            <a:r>
+              <a:rPr lang="en-US" smtClean="0"/>
+              <a:t>First we start with Luigi. As Pythonistas we’ve all heard of Luigi.</a:t>
+            </a:r>
+          </a:p>
+          <a:p>
+            <a:endParaRPr lang="en-US"/>
+          </a:p>
+          <a:p>
+            <a:r>
+              <a:rPr lang="en-US" smtClean="0"/>
+              <a:t>Idea and name comes from Luigi the plumber character in Super Mario brothers. Purpose of Luigi is to address all the plumbing associated with data pipeline tasks.</a:t>
+            </a:r>
+            <a:endParaRPr lang="en-US"/>
+          </a:p>
+        </p:txBody>
+      </p:sp>
+      <p:sp>
+        <p:nvSpPr>
+          <p:cNvPr id="4" name="Slide Number Placeholder 3"/>
+          <p:cNvSpPr>
+            <a:spLocks noGrp="1"/>
+          </p:cNvSpPr>
+          <p:nvPr>
+            <p:ph type="sldNum" sz="quarter" idx="10"/>
+          </p:nvPr>
+        </p:nvSpPr>
+        <p:spPr/>
+        <p:txBody>
+          <a:bodyPr/>
+          <a:lstStyle/>
+          <a:p>
+            <a:fld id="{DF37FEA7-B70E-8748-9806-F5171A8DA745}" type="slidenum">
+              <a:rPr lang="en-US" smtClean="0"/>
+              <a:t>13</a:t>
+            </a:fld>
+            <a:endParaRPr lang="en-US"/>
+          </a:p>
+        </p:txBody>
+      </p:sp>
+    </p:spTree>
+    <p:extLst>
+      <p:ext uri="{BB962C8B-B14F-4D97-AF65-F5344CB8AC3E}">
+        <p14:creationId xmlns:p14="http://schemas.microsoft.com/office/powerpoint/2010/main" val="419674684"/>
+      </p:ext>
+    </p:extLst>
+  </p:cSld>
+  <p:clrMapOvr>
+    <a:masterClrMapping/>
+  </p:clrMapOvr>
+</p:notes>
+</file>
+
+<file path=ppt/notesSlides/notesSlide14.xml><?xml version="1.0" encoding="utf-8"?>
+<p:notes xmlns:a="http://schemas.openxmlformats.org/drawingml/2006/main" xmlns:r="http://schemas.openxmlformats.org/officeDocument/2006/relationships" xmlns:p="http://schemas.openxmlformats.org/presentationml/2006/main">
+  <p:cSld>
+    <p:spTree>
+      <p:nvGrpSpPr>
+        <p:cNvPr id="1" name=""/>
+        <p:cNvGrpSpPr/>
+        <p:nvPr/>
+      </p:nvGrpSpPr>
+      <p:grpSpPr>
+        <a:xfrm>
+          <a:off x="0" y="0"/>
+          <a:ext cx="0" cy="0"/>
+          <a:chOff x="0" y="0"/>
+          <a:chExt cx="0" cy="0"/>
+        </a:xfrm>
+      </p:grpSpPr>
+      <p:sp>
+        <p:nvSpPr>
+          <p:cNvPr id="2" name="Slide Image Placeholder 1"/>
+          <p:cNvSpPr>
+            <a:spLocks noGrp="1" noRot="1" noChangeAspect="1"/>
+          </p:cNvSpPr>
+          <p:nvPr>
+            <p:ph type="sldImg"/>
+          </p:nvPr>
+        </p:nvSpPr>
+        <p:spPr/>
+      </p:sp>
+      <p:sp>
+        <p:nvSpPr>
+          <p:cNvPr id="3" name="Notes Placeholder 2"/>
+          <p:cNvSpPr>
+            <a:spLocks noGrp="1"/>
+          </p:cNvSpPr>
+          <p:nvPr>
+            <p:ph type="body" idx="1"/>
+          </p:nvPr>
+        </p:nvSpPr>
+        <p:spPr/>
+        <p:txBody>
+          <a:bodyPr/>
+          <a:lstStyle/>
+          <a:p>
+            <a:r>
+              <a:rPr lang="en-US" smtClean="0"/>
+              <a:t>A little bit about the philosophy and conceps in Luigi</a:t>
+            </a:r>
+            <a:r>
+              <a:rPr lang="is-IS" smtClean="0"/>
+              <a:t>….</a:t>
+            </a:r>
+          </a:p>
+          <a:p>
+            <a:endParaRPr lang="en-US" smtClean="0"/>
+          </a:p>
+        </p:txBody>
+      </p:sp>
+      <p:sp>
+        <p:nvSpPr>
+          <p:cNvPr id="4" name="Slide Number Placeholder 3"/>
+          <p:cNvSpPr>
+            <a:spLocks noGrp="1"/>
+          </p:cNvSpPr>
+          <p:nvPr>
+            <p:ph type="sldNum" sz="quarter" idx="10"/>
+          </p:nvPr>
+        </p:nvSpPr>
+        <p:spPr/>
+        <p:txBody>
+          <a:bodyPr/>
+          <a:lstStyle/>
+          <a:p>
+            <a:fld id="{DF37FEA7-B70E-8748-9806-F5171A8DA745}" type="slidenum">
+              <a:rPr lang="en-US" smtClean="0"/>
+              <a:t>14</a:t>
+            </a:fld>
+            <a:endParaRPr lang="en-US"/>
+          </a:p>
+        </p:txBody>
+      </p:sp>
+    </p:spTree>
+    <p:extLst>
+      <p:ext uri="{BB962C8B-B14F-4D97-AF65-F5344CB8AC3E}">
+        <p14:creationId xmlns:p14="http://schemas.microsoft.com/office/powerpoint/2010/main" val="1284529918"/>
+      </p:ext>
+    </p:extLst>
+  </p:cSld>
+  <p:clrMapOvr>
+    <a:masterClrMapping/>
+  </p:clrMapOvr>
+</p:notes>
+</file>
+
+<file path=ppt/notesSlides/notesSlide15.xml><?xml version="1.0" encoding="utf-8"?>
+<p:notes xmlns:a="http://schemas.openxmlformats.org/drawingml/2006/main" xmlns:r="http://schemas.openxmlformats.org/officeDocument/2006/relationships" xmlns:p="http://schemas.openxmlformats.org/presentationml/2006/main">
+  <p:cSld>
+    <p:spTree>
+      <p:nvGrpSpPr>
+        <p:cNvPr id="1" name=""/>
+        <p:cNvGrpSpPr/>
+        <p:nvPr/>
+      </p:nvGrpSpPr>
+      <p:grpSpPr>
+        <a:xfrm>
+          <a:off x="0" y="0"/>
+          <a:ext cx="0" cy="0"/>
+          <a:chOff x="0" y="0"/>
+          <a:chExt cx="0" cy="0"/>
+        </a:xfrm>
+      </p:grpSpPr>
+      <p:sp>
+        <p:nvSpPr>
+          <p:cNvPr id="2" name="Slide Image Placeholder 1"/>
+          <p:cNvSpPr>
+            <a:spLocks noGrp="1" noRot="1" noChangeAspect="1"/>
+          </p:cNvSpPr>
+          <p:nvPr>
+            <p:ph type="sldImg"/>
+          </p:nvPr>
+        </p:nvSpPr>
+        <p:spPr/>
+      </p:sp>
+      <p:sp>
+        <p:nvSpPr>
+          <p:cNvPr id="3" name="Notes Placeholder 2"/>
+          <p:cNvSpPr>
+            <a:spLocks noGrp="1"/>
+          </p:cNvSpPr>
+          <p:nvPr>
+            <p:ph type="body" idx="1"/>
+          </p:nvPr>
+        </p:nvSpPr>
+        <p:spPr/>
+        <p:txBody>
+          <a:bodyPr/>
+          <a:lstStyle/>
+          <a:p>
+            <a:r>
+              <a:rPr lang="en-US" smtClean="0"/>
+              <a:t>This is what the Luigi UI looks like. You can monitor the status of tasks, view the dependency graph</a:t>
+            </a:r>
+            <a:endParaRPr lang="en-US"/>
+          </a:p>
+        </p:txBody>
+      </p:sp>
+      <p:sp>
+        <p:nvSpPr>
+          <p:cNvPr id="4" name="Slide Number Placeholder 3"/>
+          <p:cNvSpPr>
+            <a:spLocks noGrp="1"/>
+          </p:cNvSpPr>
+          <p:nvPr>
+            <p:ph type="sldNum" sz="quarter" idx="10"/>
+          </p:nvPr>
+        </p:nvSpPr>
+        <p:spPr/>
+        <p:txBody>
+          <a:bodyPr/>
+          <a:lstStyle/>
+          <a:p>
+            <a:fld id="{DF37FEA7-B70E-8748-9806-F5171A8DA745}" type="slidenum">
+              <a:rPr lang="en-US" smtClean="0"/>
+              <a:t>15</a:t>
+            </a:fld>
+            <a:endParaRPr lang="en-US"/>
+          </a:p>
+        </p:txBody>
+      </p:sp>
+    </p:spTree>
+    <p:extLst>
+      <p:ext uri="{BB962C8B-B14F-4D97-AF65-F5344CB8AC3E}">
+        <p14:creationId xmlns:p14="http://schemas.microsoft.com/office/powerpoint/2010/main" val="1969197650"/>
+      </p:ext>
+    </p:extLst>
+  </p:cSld>
+  <p:clrMapOvr>
+    <a:masterClrMapping/>
+  </p:clrMapOvr>
+</p:notes>
+</file>
+
+<file path=ppt/notesSlides/notesSlide16.xml><?xml version="1.0" encoding="utf-8"?>
+<p:notes xmlns:a="http://schemas.openxmlformats.org/drawingml/2006/main" xmlns:r="http://schemas.openxmlformats.org/officeDocument/2006/relationships" xmlns:p="http://schemas.openxmlformats.org/presentationml/2006/main">
+  <p:cSld>
+    <p:spTree>
+      <p:nvGrpSpPr>
+        <p:cNvPr id="1" name=""/>
+        <p:cNvGrpSpPr/>
+        <p:nvPr/>
+      </p:nvGrpSpPr>
+      <p:grpSpPr>
+        <a:xfrm>
+          <a:off x="0" y="0"/>
+          <a:ext cx="0" cy="0"/>
+          <a:chOff x="0" y="0"/>
+          <a:chExt cx="0" cy="0"/>
+        </a:xfrm>
+      </p:grpSpPr>
+      <p:sp>
+        <p:nvSpPr>
+          <p:cNvPr id="2" name="Slide Image Placeholder 1"/>
+          <p:cNvSpPr>
+            <a:spLocks noGrp="1" noRot="1" noChangeAspect="1"/>
+          </p:cNvSpPr>
+          <p:nvPr>
+            <p:ph type="sldImg"/>
+          </p:nvPr>
+        </p:nvSpPr>
+        <p:spPr/>
+      </p:sp>
+      <p:sp>
+        <p:nvSpPr>
+          <p:cNvPr id="3" name="Notes Placeholder 2"/>
+          <p:cNvSpPr>
+            <a:spLocks noGrp="1"/>
+          </p:cNvSpPr>
+          <p:nvPr>
+            <p:ph type="body" idx="1"/>
+          </p:nvPr>
+        </p:nvSpPr>
+        <p:spPr/>
+        <p:txBody>
+          <a:bodyPr/>
+          <a:lstStyle/>
+          <a:p>
+            <a:r>
+              <a:rPr lang="en-US" smtClean="0"/>
+              <a:t>This is how we implement a Task in luigi, by subclassing the luigi.task class </a:t>
+            </a:r>
+            <a:endParaRPr lang="en-US"/>
+          </a:p>
+        </p:txBody>
+      </p:sp>
+      <p:sp>
+        <p:nvSpPr>
+          <p:cNvPr id="4" name="Slide Number Placeholder 3"/>
+          <p:cNvSpPr>
+            <a:spLocks noGrp="1"/>
+          </p:cNvSpPr>
+          <p:nvPr>
+            <p:ph type="sldNum" sz="quarter" idx="10"/>
+          </p:nvPr>
+        </p:nvSpPr>
+        <p:spPr/>
+        <p:txBody>
+          <a:bodyPr/>
+          <a:lstStyle/>
+          <a:p>
+            <a:fld id="{DF37FEA7-B70E-8748-9806-F5171A8DA745}" type="slidenum">
+              <a:rPr lang="en-US" smtClean="0"/>
+              <a:t>16</a:t>
+            </a:fld>
+            <a:endParaRPr lang="en-US"/>
+          </a:p>
+        </p:txBody>
+      </p:sp>
+    </p:spTree>
+    <p:extLst>
+      <p:ext uri="{BB962C8B-B14F-4D97-AF65-F5344CB8AC3E}">
+        <p14:creationId xmlns:p14="http://schemas.microsoft.com/office/powerpoint/2010/main" val="3281376"/>
+      </p:ext>
+    </p:extLst>
+  </p:cSld>
+  <p:clrMapOvr>
+    <a:masterClrMapping/>
+  </p:clrMapOvr>
+</p:notes>
+</file>
+
+<file path=ppt/notesSlides/notesSlide17.xml><?xml version="1.0" encoding="utf-8"?>
+<p:notes xmlns:a="http://schemas.openxmlformats.org/drawingml/2006/main" xmlns:r="http://schemas.openxmlformats.org/officeDocument/2006/relationships" xmlns:p="http://schemas.openxmlformats.org/presentationml/2006/main">
+  <p:cSld>
+    <p:spTree>
+      <p:nvGrpSpPr>
+        <p:cNvPr id="1" name=""/>
+        <p:cNvGrpSpPr/>
+        <p:nvPr/>
+      </p:nvGrpSpPr>
+      <p:grpSpPr>
+        <a:xfrm>
+          <a:off x="0" y="0"/>
+          <a:ext cx="0" cy="0"/>
+          <a:chOff x="0" y="0"/>
+          <a:chExt cx="0" cy="0"/>
+        </a:xfrm>
+      </p:grpSpPr>
+      <p:sp>
+        <p:nvSpPr>
+          <p:cNvPr id="2" name="Slide Image Placeholder 1"/>
+          <p:cNvSpPr>
+            <a:spLocks noGrp="1" noRot="1" noChangeAspect="1"/>
+          </p:cNvSpPr>
+          <p:nvPr>
+            <p:ph type="sldImg"/>
+          </p:nvPr>
+        </p:nvSpPr>
+        <p:spPr/>
+      </p:sp>
+      <p:sp>
+        <p:nvSpPr>
+          <p:cNvPr id="3" name="Notes Placeholder 2"/>
+          <p:cNvSpPr>
+            <a:spLocks noGrp="1"/>
+          </p:cNvSpPr>
+          <p:nvPr>
+            <p:ph type="body" idx="1"/>
+          </p:nvPr>
+        </p:nvSpPr>
+        <p:spPr/>
+        <p:txBody>
+          <a:bodyPr/>
+          <a:lstStyle/>
+          <a:p>
+            <a:r>
+              <a:rPr lang="en-US" smtClean="0"/>
+              <a:t>Here is an example of how we could implement the ReportTask which is the final step in our data pipeline.</a:t>
+            </a:r>
+          </a:p>
+          <a:p>
+            <a:endParaRPr lang="en-US"/>
+          </a:p>
+        </p:txBody>
+      </p:sp>
+      <p:sp>
+        <p:nvSpPr>
+          <p:cNvPr id="4" name="Slide Number Placeholder 3"/>
+          <p:cNvSpPr>
+            <a:spLocks noGrp="1"/>
+          </p:cNvSpPr>
+          <p:nvPr>
+            <p:ph type="sldNum" sz="quarter" idx="10"/>
+          </p:nvPr>
+        </p:nvSpPr>
+        <p:spPr/>
+        <p:txBody>
+          <a:bodyPr/>
+          <a:lstStyle/>
+          <a:p>
+            <a:fld id="{DF37FEA7-B70E-8748-9806-F5171A8DA745}" type="slidenum">
+              <a:rPr lang="en-US" smtClean="0"/>
+              <a:t>17</a:t>
+            </a:fld>
+            <a:endParaRPr lang="en-US"/>
+          </a:p>
+        </p:txBody>
+      </p:sp>
+    </p:spTree>
+    <p:extLst>
+      <p:ext uri="{BB962C8B-B14F-4D97-AF65-F5344CB8AC3E}">
+        <p14:creationId xmlns:p14="http://schemas.microsoft.com/office/powerpoint/2010/main" val="1958508835"/>
+      </p:ext>
+    </p:extLst>
+  </p:cSld>
+  <p:clrMapOvr>
+    <a:masterClrMapping/>
+  </p:clrMapOvr>
+</p:notes>
+</file>
+
+<file path=ppt/notesSlides/notesSlide18.xml><?xml version="1.0" encoding="utf-8"?>
+<p:notes xmlns:a="http://schemas.openxmlformats.org/drawingml/2006/main" xmlns:r="http://schemas.openxmlformats.org/officeDocument/2006/relationships" xmlns:p="http://schemas.openxmlformats.org/presentationml/2006/main">
+  <p:cSld>
+    <p:spTree>
+      <p:nvGrpSpPr>
+        <p:cNvPr id="1" name=""/>
+        <p:cNvGrpSpPr/>
+        <p:nvPr/>
+      </p:nvGrpSpPr>
+      <p:grpSpPr>
+        <a:xfrm>
+          <a:off x="0" y="0"/>
+          <a:ext cx="0" cy="0"/>
+          <a:chOff x="0" y="0"/>
+          <a:chExt cx="0" cy="0"/>
+        </a:xfrm>
+      </p:grpSpPr>
+      <p:sp>
+        <p:nvSpPr>
+          <p:cNvPr id="2" name="Slide Image Placeholder 1"/>
+          <p:cNvSpPr>
+            <a:spLocks noGrp="1" noRot="1" noChangeAspect="1"/>
+          </p:cNvSpPr>
+          <p:nvPr>
+            <p:ph type="sldImg"/>
+          </p:nvPr>
+        </p:nvSpPr>
+        <p:spPr/>
+      </p:sp>
+      <p:sp>
+        <p:nvSpPr>
+          <p:cNvPr id="3" name="Notes Placeholder 2"/>
+          <p:cNvSpPr>
+            <a:spLocks noGrp="1"/>
+          </p:cNvSpPr>
+          <p:nvPr>
+            <p:ph type="body" idx="1"/>
+          </p:nvPr>
+        </p:nvSpPr>
+        <p:spPr/>
+        <p:txBody>
+          <a:bodyPr/>
+          <a:lstStyle/>
+          <a:p>
+            <a:r>
+              <a:rPr lang="en-US" smtClean="0"/>
+              <a:t>You can create your own target by inheriting from luigi.Target.</a:t>
+            </a:r>
+            <a:br>
+              <a:rPr lang="en-US" smtClean="0"/>
+            </a:br>
+            <a:r>
+              <a:rPr lang="en-US" smtClean="0"/>
+              <a:t>Many other targets are specified in the documentation.</a:t>
+            </a:r>
+          </a:p>
+          <a:p>
+            <a:endParaRPr lang="en-US"/>
+          </a:p>
+        </p:txBody>
+      </p:sp>
+      <p:sp>
+        <p:nvSpPr>
+          <p:cNvPr id="4" name="Slide Number Placeholder 3"/>
+          <p:cNvSpPr>
+            <a:spLocks noGrp="1"/>
+          </p:cNvSpPr>
+          <p:nvPr>
+            <p:ph type="sldNum" sz="quarter" idx="10"/>
+          </p:nvPr>
+        </p:nvSpPr>
+        <p:spPr/>
+        <p:txBody>
+          <a:bodyPr/>
+          <a:lstStyle/>
+          <a:p>
+            <a:fld id="{DF37FEA7-B70E-8748-9806-F5171A8DA745}" type="slidenum">
+              <a:rPr lang="en-US" smtClean="0"/>
+              <a:t>18</a:t>
+            </a:fld>
+            <a:endParaRPr lang="en-US"/>
+          </a:p>
+        </p:txBody>
+      </p:sp>
+    </p:spTree>
+    <p:extLst>
+      <p:ext uri="{BB962C8B-B14F-4D97-AF65-F5344CB8AC3E}">
+        <p14:creationId xmlns:p14="http://schemas.microsoft.com/office/powerpoint/2010/main" val="1967378436"/>
+      </p:ext>
+    </p:extLst>
+  </p:cSld>
+  <p:clrMapOvr>
+    <a:masterClrMapping/>
+  </p:clrMapOvr>
+</p:notes>
+</file>
+
+<file path=ppt/notesSlides/notesSlide19.xml><?xml version="1.0" encoding="utf-8"?>
+<p:notes xmlns:a="http://schemas.openxmlformats.org/drawingml/2006/main" xmlns:r="http://schemas.openxmlformats.org/officeDocument/2006/relationships" xmlns:p="http://schemas.openxmlformats.org/presentationml/2006/main">
+  <p:cSld>
+    <p:spTree>
+      <p:nvGrpSpPr>
+        <p:cNvPr id="1" name=""/>
+        <p:cNvGrpSpPr/>
+        <p:nvPr/>
+      </p:nvGrpSpPr>
+      <p:grpSpPr>
+        <a:xfrm>
+          <a:off x="0" y="0"/>
+          <a:ext cx="0" cy="0"/>
+          <a:chOff x="0" y="0"/>
+          <a:chExt cx="0" cy="0"/>
+        </a:xfrm>
+      </p:grpSpPr>
+      <p:sp>
+        <p:nvSpPr>
+          <p:cNvPr id="2" name="Slide Image Placeholder 1"/>
+          <p:cNvSpPr>
+            <a:spLocks noGrp="1" noRot="1" noChangeAspect="1"/>
+          </p:cNvSpPr>
+          <p:nvPr>
+            <p:ph type="sldImg"/>
+          </p:nvPr>
+        </p:nvSpPr>
+        <p:spPr/>
+      </p:sp>
+      <p:sp>
+        <p:nvSpPr>
+          <p:cNvPr id="3" name="Notes Placeholder 2"/>
+          <p:cNvSpPr>
+            <a:spLocks noGrp="1"/>
+          </p:cNvSpPr>
+          <p:nvPr>
+            <p:ph type="body" idx="1"/>
+          </p:nvPr>
+        </p:nvSpPr>
+        <p:spPr/>
+        <p:txBody>
+          <a:bodyPr/>
+          <a:lstStyle/>
+          <a:p>
+            <a:endParaRPr lang="en-US"/>
+          </a:p>
+        </p:txBody>
+      </p:sp>
+      <p:sp>
+        <p:nvSpPr>
+          <p:cNvPr id="4" name="Slide Number Placeholder 3"/>
+          <p:cNvSpPr>
+            <a:spLocks noGrp="1"/>
+          </p:cNvSpPr>
+          <p:nvPr>
+            <p:ph type="sldNum" sz="quarter" idx="10"/>
+          </p:nvPr>
+        </p:nvSpPr>
+        <p:spPr/>
+        <p:txBody>
+          <a:bodyPr/>
+          <a:lstStyle/>
+          <a:p>
+            <a:fld id="{DF37FEA7-B70E-8748-9806-F5171A8DA745}" type="slidenum">
+              <a:rPr lang="en-US" smtClean="0"/>
+              <a:t>19</a:t>
+            </a:fld>
+            <a:endParaRPr lang="en-US"/>
+          </a:p>
+        </p:txBody>
+      </p:sp>
+    </p:spTree>
+    <p:extLst>
+      <p:ext uri="{BB962C8B-B14F-4D97-AF65-F5344CB8AC3E}">
+        <p14:creationId xmlns:p14="http://schemas.microsoft.com/office/powerpoint/2010/main" val="1434419633"/>
+      </p:ext>
+    </p:extLst>
+  </p:cSld>
+  <p:clrMapOvr>
+    <a:masterClrMapping/>
+  </p:clrMapOvr>
+</p:notes>
+</file>
+
+<file path=ppt/notesSlides/notesSlide2.xml><?xml version="1.0" encoding="utf-8"?>
+<p:notes xmlns:a="http://schemas.openxmlformats.org/drawingml/2006/main" xmlns:r="http://schemas.openxmlformats.org/officeDocument/2006/relationships" xmlns:p="http://schemas.openxmlformats.org/presentationml/2006/main">
+  <p:cSld>
+    <p:spTree>
+      <p:nvGrpSpPr>
+        <p:cNvPr id="1" name=""/>
+        <p:cNvGrpSpPr/>
+        <p:nvPr/>
+      </p:nvGrpSpPr>
+      <p:grpSpPr>
+        <a:xfrm>
+          <a:off x="0" y="0"/>
+          <a:ext cx="0" cy="0"/>
+          <a:chOff x="0" y="0"/>
+          <a:chExt cx="0" cy="0"/>
+        </a:xfrm>
+      </p:grpSpPr>
+      <p:sp>
+        <p:nvSpPr>
+          <p:cNvPr id="2" name="Slide Image Placeholder 1"/>
+          <p:cNvSpPr>
+            <a:spLocks noGrp="1" noRot="1" noChangeAspect="1"/>
+          </p:cNvSpPr>
+          <p:nvPr>
+            <p:ph type="sldImg"/>
+          </p:nvPr>
+        </p:nvSpPr>
+        <p:spPr/>
+      </p:sp>
+      <p:sp>
+        <p:nvSpPr>
+          <p:cNvPr id="3" name="Notes Placeholder 2"/>
+          <p:cNvSpPr>
+            <a:spLocks noGrp="1"/>
+          </p:cNvSpPr>
+          <p:nvPr>
+            <p:ph type="body" idx="1"/>
+          </p:nvPr>
+        </p:nvSpPr>
+        <p:spPr/>
+        <p:txBody>
+          <a:bodyPr/>
+          <a:lstStyle/>
+          <a:p>
+            <a:r>
+              <a:rPr lang="en-US" smtClean="0"/>
+              <a:t>Jean Valjean - just kidding (Femi Anthony). Les Miserables reference.</a:t>
+            </a:r>
+            <a:endParaRPr lang="en-US"/>
+          </a:p>
+        </p:txBody>
+      </p:sp>
+      <p:sp>
+        <p:nvSpPr>
+          <p:cNvPr id="4" name="Slide Number Placeholder 3"/>
+          <p:cNvSpPr>
+            <a:spLocks noGrp="1"/>
+          </p:cNvSpPr>
+          <p:nvPr>
+            <p:ph type="sldNum" sz="quarter" idx="10"/>
+          </p:nvPr>
+        </p:nvSpPr>
+        <p:spPr/>
+        <p:txBody>
+          <a:bodyPr/>
+          <a:lstStyle/>
+          <a:p>
+            <a:fld id="{DF37FEA7-B70E-8748-9806-F5171A8DA745}" type="slidenum">
+              <a:rPr lang="en-US" smtClean="0"/>
+              <a:t>2</a:t>
+            </a:fld>
+            <a:endParaRPr lang="en-US"/>
+          </a:p>
+        </p:txBody>
+      </p:sp>
+    </p:spTree>
+    <p:extLst>
+      <p:ext uri="{BB962C8B-B14F-4D97-AF65-F5344CB8AC3E}">
+        <p14:creationId xmlns:p14="http://schemas.microsoft.com/office/powerpoint/2010/main" val="19469654"/>
+      </p:ext>
+    </p:extLst>
+  </p:cSld>
+  <p:clrMapOvr>
+    <a:masterClrMapping/>
+  </p:clrMapOvr>
+</p:notes>
+</file>
+
+<file path=ppt/notesSlides/notesSlide20.xml><?xml version="1.0" encoding="utf-8"?>
+<p:notes xmlns:a="http://schemas.openxmlformats.org/drawingml/2006/main" xmlns:r="http://schemas.openxmlformats.org/officeDocument/2006/relationships" xmlns:p="http://schemas.openxmlformats.org/presentationml/2006/main">
+  <p:cSld>
+    <p:spTree>
+      <p:nvGrpSpPr>
+        <p:cNvPr id="1" name=""/>
+        <p:cNvGrpSpPr/>
+        <p:nvPr/>
+      </p:nvGrpSpPr>
+      <p:grpSpPr>
+        <a:xfrm>
+          <a:off x="0" y="0"/>
+          <a:ext cx="0" cy="0"/>
+          <a:chOff x="0" y="0"/>
+          <a:chExt cx="0" cy="0"/>
+        </a:xfrm>
+      </p:grpSpPr>
+      <p:sp>
+        <p:nvSpPr>
+          <p:cNvPr id="2" name="Slide Image Placeholder 1"/>
+          <p:cNvSpPr>
+            <a:spLocks noGrp="1" noRot="1" noChangeAspect="1"/>
+          </p:cNvSpPr>
+          <p:nvPr>
+            <p:ph type="sldImg"/>
+          </p:nvPr>
+        </p:nvSpPr>
+        <p:spPr/>
+      </p:sp>
+      <p:sp>
+        <p:nvSpPr>
+          <p:cNvPr id="3" name="Notes Placeholder 2"/>
+          <p:cNvSpPr>
+            <a:spLocks noGrp="1"/>
+          </p:cNvSpPr>
+          <p:nvPr>
+            <p:ph type="body" idx="1"/>
+          </p:nvPr>
+        </p:nvSpPr>
+        <p:spPr/>
+        <p:txBody>
+          <a:bodyPr/>
+          <a:lstStyle/>
+          <a:p>
+            <a:r>
+              <a:rPr lang="en-US" smtClean="0"/>
+              <a:t>These limitations may also be in the eye of the beholder.</a:t>
+            </a:r>
+          </a:p>
+          <a:p>
+            <a:endParaRPr lang="en-US"/>
+          </a:p>
+        </p:txBody>
+      </p:sp>
+      <p:sp>
+        <p:nvSpPr>
+          <p:cNvPr id="4" name="Slide Number Placeholder 3"/>
+          <p:cNvSpPr>
+            <a:spLocks noGrp="1"/>
+          </p:cNvSpPr>
+          <p:nvPr>
+            <p:ph type="sldNum" sz="quarter" idx="10"/>
+          </p:nvPr>
+        </p:nvSpPr>
+        <p:spPr/>
+        <p:txBody>
+          <a:bodyPr/>
+          <a:lstStyle/>
+          <a:p>
+            <a:fld id="{DF37FEA7-B70E-8748-9806-F5171A8DA745}" type="slidenum">
+              <a:rPr lang="en-US" smtClean="0"/>
+              <a:t>20</a:t>
+            </a:fld>
+            <a:endParaRPr lang="en-US"/>
+          </a:p>
+        </p:txBody>
+      </p:sp>
+    </p:spTree>
+    <p:extLst>
+      <p:ext uri="{BB962C8B-B14F-4D97-AF65-F5344CB8AC3E}">
+        <p14:creationId xmlns:p14="http://schemas.microsoft.com/office/powerpoint/2010/main" val="523719872"/>
+      </p:ext>
+    </p:extLst>
+  </p:cSld>
+  <p:clrMapOvr>
+    <a:masterClrMapping/>
+  </p:clrMapOvr>
+</p:notes>
+</file>
+
+<file path=ppt/notesSlides/notesSlide21.xml><?xml version="1.0" encoding="utf-8"?>
+<p:notes xmlns:a="http://schemas.openxmlformats.org/drawingml/2006/main" xmlns:r="http://schemas.openxmlformats.org/officeDocument/2006/relationships" xmlns:p="http://schemas.openxmlformats.org/presentationml/2006/main">
+  <p:cSld>
+    <p:spTree>
+      <p:nvGrpSpPr>
+        <p:cNvPr id="1" name=""/>
+        <p:cNvGrpSpPr/>
+        <p:nvPr/>
+      </p:nvGrpSpPr>
+      <p:grpSpPr>
+        <a:xfrm>
+          <a:off x="0" y="0"/>
+          <a:ext cx="0" cy="0"/>
+          <a:chOff x="0" y="0"/>
+          <a:chExt cx="0" cy="0"/>
+        </a:xfrm>
+      </p:grpSpPr>
+      <p:sp>
+        <p:nvSpPr>
+          <p:cNvPr id="2" name="Slide Image Placeholder 1"/>
+          <p:cNvSpPr>
+            <a:spLocks noGrp="1" noRot="1" noChangeAspect="1"/>
+          </p:cNvSpPr>
+          <p:nvPr>
+            <p:ph type="sldImg"/>
+          </p:nvPr>
+        </p:nvSpPr>
+        <p:spPr/>
+      </p:sp>
+      <p:sp>
+        <p:nvSpPr>
+          <p:cNvPr id="3" name="Notes Placeholder 2"/>
+          <p:cNvSpPr>
+            <a:spLocks noGrp="1"/>
+          </p:cNvSpPr>
+          <p:nvPr>
+            <p:ph type="body" idx="1"/>
+          </p:nvPr>
+        </p:nvSpPr>
+        <p:spPr/>
+        <p:txBody>
+          <a:bodyPr/>
+          <a:lstStyle/>
+          <a:p>
+            <a:r>
+              <a:rPr lang="en-US" smtClean="0"/>
+              <a:t>We now move on to Airflow.</a:t>
+            </a:r>
+          </a:p>
+          <a:p>
+            <a:endParaRPr lang="en-US"/>
+          </a:p>
+        </p:txBody>
+      </p:sp>
+      <p:sp>
+        <p:nvSpPr>
+          <p:cNvPr id="4" name="Slide Number Placeholder 3"/>
+          <p:cNvSpPr>
+            <a:spLocks noGrp="1"/>
+          </p:cNvSpPr>
+          <p:nvPr>
+            <p:ph type="sldNum" sz="quarter" idx="10"/>
+          </p:nvPr>
+        </p:nvSpPr>
+        <p:spPr/>
+        <p:txBody>
+          <a:bodyPr/>
+          <a:lstStyle/>
+          <a:p>
+            <a:fld id="{DF37FEA7-B70E-8748-9806-F5171A8DA745}" type="slidenum">
+              <a:rPr lang="en-US" smtClean="0"/>
+              <a:t>21</a:t>
+            </a:fld>
+            <a:endParaRPr lang="en-US"/>
+          </a:p>
+        </p:txBody>
+      </p:sp>
+    </p:spTree>
+    <p:extLst>
+      <p:ext uri="{BB962C8B-B14F-4D97-AF65-F5344CB8AC3E}">
+        <p14:creationId xmlns:p14="http://schemas.microsoft.com/office/powerpoint/2010/main" val="823119477"/>
+      </p:ext>
+    </p:extLst>
+  </p:cSld>
+  <p:clrMapOvr>
+    <a:masterClrMapping/>
+  </p:clrMapOvr>
+</p:notes>
+</file>
+
+<file path=ppt/notesSlides/notesSlide22.xml><?xml version="1.0" encoding="utf-8"?>
+<p:notes xmlns:a="http://schemas.openxmlformats.org/drawingml/2006/main" xmlns:r="http://schemas.openxmlformats.org/officeDocument/2006/relationships" xmlns:p="http://schemas.openxmlformats.org/presentationml/2006/main">
+  <p:cSld>
+    <p:spTree>
+      <p:nvGrpSpPr>
+        <p:cNvPr id="1" name=""/>
+        <p:cNvGrpSpPr/>
+        <p:nvPr/>
+      </p:nvGrpSpPr>
+      <p:grpSpPr>
+        <a:xfrm>
+          <a:off x="0" y="0"/>
+          <a:ext cx="0" cy="0"/>
+          <a:chOff x="0" y="0"/>
+          <a:chExt cx="0" cy="0"/>
+        </a:xfrm>
+      </p:grpSpPr>
+      <p:sp>
+        <p:nvSpPr>
+          <p:cNvPr id="2" name="Slide Image Placeholder 1"/>
+          <p:cNvSpPr>
+            <a:spLocks noGrp="1" noRot="1" noChangeAspect="1"/>
+          </p:cNvSpPr>
+          <p:nvPr>
+            <p:ph type="sldImg"/>
+          </p:nvPr>
+        </p:nvSpPr>
+        <p:spPr/>
+      </p:sp>
+      <p:sp>
+        <p:nvSpPr>
+          <p:cNvPr id="3" name="Notes Placeholder 2"/>
+          <p:cNvSpPr>
+            <a:spLocks noGrp="1"/>
+          </p:cNvSpPr>
+          <p:nvPr>
+            <p:ph type="body" idx="1"/>
+          </p:nvPr>
+        </p:nvSpPr>
+        <p:spPr/>
+        <p:txBody>
+          <a:bodyPr/>
+          <a:lstStyle/>
+          <a:p>
+            <a:r>
+              <a:rPr lang="en-US" smtClean="0"/>
+              <a:t>Cycles- Airflow will raise exceptions when it finds cycles in your DAG or when a dependency is referenced more than once.</a:t>
+            </a:r>
+            <a:endParaRPr lang="en-US"/>
+          </a:p>
+        </p:txBody>
+      </p:sp>
+      <p:sp>
+        <p:nvSpPr>
+          <p:cNvPr id="4" name="Slide Number Placeholder 3"/>
+          <p:cNvSpPr>
+            <a:spLocks noGrp="1"/>
+          </p:cNvSpPr>
+          <p:nvPr>
+            <p:ph type="sldNum" sz="quarter" idx="10"/>
+          </p:nvPr>
+        </p:nvSpPr>
+        <p:spPr/>
+        <p:txBody>
+          <a:bodyPr/>
+          <a:lstStyle/>
+          <a:p>
+            <a:fld id="{DF37FEA7-B70E-8748-9806-F5171A8DA745}" type="slidenum">
+              <a:rPr lang="en-US" smtClean="0"/>
+              <a:t>22</a:t>
+            </a:fld>
+            <a:endParaRPr lang="en-US"/>
+          </a:p>
+        </p:txBody>
+      </p:sp>
+    </p:spTree>
+    <p:extLst>
+      <p:ext uri="{BB962C8B-B14F-4D97-AF65-F5344CB8AC3E}">
+        <p14:creationId xmlns:p14="http://schemas.microsoft.com/office/powerpoint/2010/main" val="824058140"/>
+      </p:ext>
+    </p:extLst>
+  </p:cSld>
+  <p:clrMapOvr>
+    <a:masterClrMapping/>
+  </p:clrMapOvr>
+</p:notes>
+</file>
+
+<file path=ppt/notesSlides/notesSlide23.xml><?xml version="1.0" encoding="utf-8"?>
+<p:notes xmlns:a="http://schemas.openxmlformats.org/drawingml/2006/main" xmlns:r="http://schemas.openxmlformats.org/officeDocument/2006/relationships" xmlns:p="http://schemas.openxmlformats.org/presentationml/2006/main">
+  <p:cSld>
+    <p:spTree>
+      <p:nvGrpSpPr>
+        <p:cNvPr id="1" name=""/>
+        <p:cNvGrpSpPr/>
+        <p:nvPr/>
+      </p:nvGrpSpPr>
+      <p:grpSpPr>
+        <a:xfrm>
+          <a:off x="0" y="0"/>
+          <a:ext cx="0" cy="0"/>
+          <a:chOff x="0" y="0"/>
+          <a:chExt cx="0" cy="0"/>
+        </a:xfrm>
+      </p:grpSpPr>
+      <p:sp>
+        <p:nvSpPr>
+          <p:cNvPr id="2" name="Slide Image Placeholder 1"/>
+          <p:cNvSpPr>
+            <a:spLocks noGrp="1" noRot="1" noChangeAspect="1"/>
+          </p:cNvSpPr>
+          <p:nvPr>
+            <p:ph type="sldImg"/>
+          </p:nvPr>
+        </p:nvSpPr>
+        <p:spPr/>
+      </p:sp>
+      <p:sp>
+        <p:nvSpPr>
+          <p:cNvPr id="3" name="Notes Placeholder 2"/>
+          <p:cNvSpPr>
+            <a:spLocks noGrp="1"/>
+          </p:cNvSpPr>
+          <p:nvPr>
+            <p:ph type="body" idx="1"/>
+          </p:nvPr>
+        </p:nvSpPr>
+        <p:spPr/>
+        <p:txBody>
+          <a:bodyPr/>
+          <a:lstStyle/>
+          <a:p>
+            <a:r>
+              <a:rPr lang="en-US" smtClean="0"/>
+              <a:t>Here is an outline of the architectural components of Airflow.</a:t>
+            </a:r>
+          </a:p>
+          <a:p>
+            <a:endParaRPr lang="en-US"/>
+          </a:p>
+        </p:txBody>
+      </p:sp>
+      <p:sp>
+        <p:nvSpPr>
+          <p:cNvPr id="4" name="Slide Number Placeholder 3"/>
+          <p:cNvSpPr>
+            <a:spLocks noGrp="1"/>
+          </p:cNvSpPr>
+          <p:nvPr>
+            <p:ph type="sldNum" sz="quarter" idx="10"/>
+          </p:nvPr>
+        </p:nvSpPr>
+        <p:spPr/>
+        <p:txBody>
+          <a:bodyPr/>
+          <a:lstStyle/>
+          <a:p>
+            <a:fld id="{DF37FEA7-B70E-8748-9806-F5171A8DA745}" type="slidenum">
+              <a:rPr lang="en-US" smtClean="0"/>
+              <a:t>23</a:t>
+            </a:fld>
+            <a:endParaRPr lang="en-US"/>
+          </a:p>
+        </p:txBody>
+      </p:sp>
+    </p:spTree>
+    <p:extLst>
+      <p:ext uri="{BB962C8B-B14F-4D97-AF65-F5344CB8AC3E}">
+        <p14:creationId xmlns:p14="http://schemas.microsoft.com/office/powerpoint/2010/main" val="1339154142"/>
+      </p:ext>
+    </p:extLst>
+  </p:cSld>
+  <p:clrMapOvr>
+    <a:masterClrMapping/>
+  </p:clrMapOvr>
+</p:notes>
+</file>
+
+<file path=ppt/notesSlides/notesSlide24.xml><?xml version="1.0" encoding="utf-8"?>
+<p:notes xmlns:a="http://schemas.openxmlformats.org/drawingml/2006/main" xmlns:r="http://schemas.openxmlformats.org/officeDocument/2006/relationships" xmlns:p="http://schemas.openxmlformats.org/presentationml/2006/main">
+  <p:cSld>
+    <p:spTree>
+      <p:nvGrpSpPr>
+        <p:cNvPr id="1" name=""/>
+        <p:cNvGrpSpPr/>
+        <p:nvPr/>
+      </p:nvGrpSpPr>
+      <p:grpSpPr>
+        <a:xfrm>
+          <a:off x="0" y="0"/>
+          <a:ext cx="0" cy="0"/>
+          <a:chOff x="0" y="0"/>
+          <a:chExt cx="0" cy="0"/>
+        </a:xfrm>
+      </p:grpSpPr>
+      <p:sp>
+        <p:nvSpPr>
+          <p:cNvPr id="2" name="Slide Image Placeholder 1"/>
+          <p:cNvSpPr>
+            <a:spLocks noGrp="1" noRot="1" noChangeAspect="1"/>
+          </p:cNvSpPr>
+          <p:nvPr>
+            <p:ph type="sldImg"/>
+          </p:nvPr>
+        </p:nvSpPr>
+        <p:spPr/>
+      </p:sp>
+      <p:sp>
+        <p:nvSpPr>
+          <p:cNvPr id="3" name="Notes Placeholder 2"/>
+          <p:cNvSpPr>
+            <a:spLocks noGrp="1"/>
+          </p:cNvSpPr>
+          <p:nvPr>
+            <p:ph type="body" idx="1"/>
+          </p:nvPr>
+        </p:nvSpPr>
+        <p:spPr/>
+        <p:txBody>
+          <a:bodyPr/>
+          <a:lstStyle/>
+          <a:p>
+            <a:r>
+              <a:rPr lang="en-US" smtClean="0"/>
+              <a:t>Screenshot of Airflow UI</a:t>
+            </a:r>
+          </a:p>
+          <a:p>
+            <a:endParaRPr lang="en-US"/>
+          </a:p>
+        </p:txBody>
+      </p:sp>
+      <p:sp>
+        <p:nvSpPr>
+          <p:cNvPr id="4" name="Slide Number Placeholder 3"/>
+          <p:cNvSpPr>
+            <a:spLocks noGrp="1"/>
+          </p:cNvSpPr>
+          <p:nvPr>
+            <p:ph type="sldNum" sz="quarter" idx="10"/>
+          </p:nvPr>
+        </p:nvSpPr>
+        <p:spPr/>
+        <p:txBody>
+          <a:bodyPr/>
+          <a:lstStyle/>
+          <a:p>
+            <a:fld id="{DF37FEA7-B70E-8748-9806-F5171A8DA745}" type="slidenum">
+              <a:rPr lang="en-US" smtClean="0"/>
+              <a:t>24</a:t>
+            </a:fld>
+            <a:endParaRPr lang="en-US"/>
+          </a:p>
+        </p:txBody>
+      </p:sp>
+    </p:spTree>
+    <p:extLst>
+      <p:ext uri="{BB962C8B-B14F-4D97-AF65-F5344CB8AC3E}">
+        <p14:creationId xmlns:p14="http://schemas.microsoft.com/office/powerpoint/2010/main" val="208594317"/>
+      </p:ext>
+    </p:extLst>
+  </p:cSld>
+  <p:clrMapOvr>
+    <a:masterClrMapping/>
+  </p:clrMapOvr>
+</p:notes>
+</file>
+
+<file path=ppt/notesSlides/notesSlide25.xml><?xml version="1.0" encoding="utf-8"?>
+<p:notes xmlns:a="http://schemas.openxmlformats.org/drawingml/2006/main" xmlns:r="http://schemas.openxmlformats.org/officeDocument/2006/relationships" xmlns:p="http://schemas.openxmlformats.org/presentationml/2006/main">
+  <p:cSld>
+    <p:spTree>
+      <p:nvGrpSpPr>
+        <p:cNvPr id="1" name=""/>
+        <p:cNvGrpSpPr/>
+        <p:nvPr/>
+      </p:nvGrpSpPr>
+      <p:grpSpPr>
+        <a:xfrm>
+          <a:off x="0" y="0"/>
+          <a:ext cx="0" cy="0"/>
+          <a:chOff x="0" y="0"/>
+          <a:chExt cx="0" cy="0"/>
+        </a:xfrm>
+      </p:grpSpPr>
+      <p:sp>
+        <p:nvSpPr>
+          <p:cNvPr id="2" name="Slide Image Placeholder 1"/>
+          <p:cNvSpPr>
+            <a:spLocks noGrp="1" noRot="1" noChangeAspect="1"/>
+          </p:cNvSpPr>
+          <p:nvPr>
+            <p:ph type="sldImg"/>
+          </p:nvPr>
+        </p:nvSpPr>
+        <p:spPr/>
+      </p:sp>
+      <p:sp>
+        <p:nvSpPr>
+          <p:cNvPr id="3" name="Notes Placeholder 2"/>
+          <p:cNvSpPr>
+            <a:spLocks noGrp="1"/>
+          </p:cNvSpPr>
+          <p:nvPr>
+            <p:ph type="body" idx="1"/>
+          </p:nvPr>
+        </p:nvSpPr>
+        <p:spPr/>
+        <p:txBody>
+          <a:bodyPr/>
+          <a:lstStyle/>
+          <a:p>
+            <a:r>
+              <a:rPr lang="en-US" smtClean="0"/>
+              <a:t>BashOperator - bash tasks, </a:t>
+            </a:r>
+          </a:p>
+          <a:p>
+            <a:r>
+              <a:rPr lang="en-US" smtClean="0"/>
+              <a:t>Python Operator - Python tasks, </a:t>
+            </a:r>
+          </a:p>
+          <a:p>
+            <a:r>
+              <a:rPr lang="en-US" smtClean="0"/>
+              <a:t>EmailOperator,</a:t>
+            </a:r>
+          </a:p>
+          <a:p>
+            <a:endParaRPr lang="en-US" smtClean="0"/>
+          </a:p>
+          <a:p>
+            <a:pPr marL="171450" indent="-171450">
+              <a:buFontTx/>
+              <a:buChar char="-"/>
+            </a:pPr>
+            <a:r>
+              <a:rPr lang="en-US" smtClean="0"/>
+              <a:t>CeleryExecutor - uses Celery task queue </a:t>
+            </a:r>
+          </a:p>
+          <a:p>
+            <a:pPr marL="171450" indent="-171450">
+              <a:buFontTx/>
+              <a:buChar char="-"/>
+            </a:pPr>
+            <a:r>
+              <a:rPr lang="en-US" smtClean="0"/>
+              <a:t>- SequentialExecutor</a:t>
+            </a:r>
+          </a:p>
+          <a:p>
+            <a:pPr marL="171450" indent="-171450">
+              <a:buFontTx/>
+              <a:buChar char="-"/>
+            </a:pPr>
+            <a:r>
+              <a:rPr lang="en-US" smtClean="0"/>
+              <a:t>- LocalExecutor - does tasks in parallel using Python multi-processing. Downside  if is you want to restart the scheduler </a:t>
+            </a:r>
+          </a:p>
+          <a:p>
+            <a:pPr marL="171450" indent="-171450">
+              <a:buFontTx/>
+              <a:buChar char="-"/>
+            </a:pPr>
+            <a:r>
+              <a:rPr lang="en-US" smtClean="0"/>
+              <a:t>- MesosExecutor</a:t>
+            </a:r>
+            <a:endParaRPr lang="en-US"/>
+          </a:p>
+        </p:txBody>
+      </p:sp>
+      <p:sp>
+        <p:nvSpPr>
+          <p:cNvPr id="4" name="Slide Number Placeholder 3"/>
+          <p:cNvSpPr>
+            <a:spLocks noGrp="1"/>
+          </p:cNvSpPr>
+          <p:nvPr>
+            <p:ph type="sldNum" sz="quarter" idx="10"/>
+          </p:nvPr>
+        </p:nvSpPr>
+        <p:spPr/>
+        <p:txBody>
+          <a:bodyPr/>
+          <a:lstStyle/>
+          <a:p>
+            <a:fld id="{DF37FEA7-B70E-8748-9806-F5171A8DA745}" type="slidenum">
+              <a:rPr lang="en-US" smtClean="0"/>
+              <a:t>25</a:t>
+            </a:fld>
+            <a:endParaRPr lang="en-US"/>
+          </a:p>
+        </p:txBody>
+      </p:sp>
+    </p:spTree>
+    <p:extLst>
+      <p:ext uri="{BB962C8B-B14F-4D97-AF65-F5344CB8AC3E}">
+        <p14:creationId xmlns:p14="http://schemas.microsoft.com/office/powerpoint/2010/main" val="638423756"/>
+      </p:ext>
+    </p:extLst>
+  </p:cSld>
+  <p:clrMapOvr>
+    <a:masterClrMapping/>
+  </p:clrMapOvr>
+</p:notes>
+</file>
+
+<file path=ppt/notesSlides/notesSlide26.xml><?xml version="1.0" encoding="utf-8"?>
+<p:notes xmlns:a="http://schemas.openxmlformats.org/drawingml/2006/main" xmlns:r="http://schemas.openxmlformats.org/officeDocument/2006/relationships" xmlns:p="http://schemas.openxmlformats.org/presentationml/2006/main">
+  <p:cSld>
+    <p:spTree>
+      <p:nvGrpSpPr>
+        <p:cNvPr id="1" name=""/>
+        <p:cNvGrpSpPr/>
+        <p:nvPr/>
+      </p:nvGrpSpPr>
+      <p:grpSpPr>
+        <a:xfrm>
+          <a:off x="0" y="0"/>
+          <a:ext cx="0" cy="0"/>
+          <a:chOff x="0" y="0"/>
+          <a:chExt cx="0" cy="0"/>
+        </a:xfrm>
+      </p:grpSpPr>
+      <p:sp>
+        <p:nvSpPr>
+          <p:cNvPr id="2" name="Slide Image Placeholder 1"/>
+          <p:cNvSpPr>
+            <a:spLocks noGrp="1" noRot="1" noChangeAspect="1"/>
+          </p:cNvSpPr>
+          <p:nvPr>
+            <p:ph type="sldImg"/>
+          </p:nvPr>
+        </p:nvSpPr>
+        <p:spPr/>
+      </p:sp>
+      <p:sp>
+        <p:nvSpPr>
+          <p:cNvPr id="3" name="Notes Placeholder 2"/>
+          <p:cNvSpPr>
+            <a:spLocks noGrp="1"/>
+          </p:cNvSpPr>
+          <p:nvPr>
+            <p:ph type="body" idx="1"/>
+          </p:nvPr>
+        </p:nvSpPr>
+        <p:spPr/>
+        <p:txBody>
+          <a:bodyPr/>
+          <a:lstStyle/>
+          <a:p>
+            <a:r>
+              <a:rPr lang="en-US" smtClean="0"/>
+              <a:t>An example of creating a simple DAG in Airflow. DAG defintion file</a:t>
+            </a:r>
+          </a:p>
+          <a:p>
+            <a:endParaRPr lang="en-US"/>
+          </a:p>
+          <a:p>
+            <a:r>
+              <a:rPr lang="en-US"/>
+              <a:t>People sometimes think of the DAG definition file as a place where they can do some actual data processing - that is not the case at all! The script’s purpose is to define a </a:t>
+            </a:r>
+            <a:r>
+              <a:rPr lang="en-US"/>
+              <a:t>DAG </a:t>
+            </a:r>
+            <a:r>
+              <a:rPr lang="en-US" smtClean="0"/>
+              <a:t>object</a:t>
+            </a:r>
+          </a:p>
+          <a:p>
+            <a:endParaRPr lang="en-US"/>
+          </a:p>
+          <a:p>
+            <a:r>
+              <a:rPr lang="en-US" smtClean="0"/>
+              <a:t>To call Airflow:</a:t>
+            </a:r>
+          </a:p>
+          <a:p>
+            <a:endParaRPr lang="en-US"/>
+          </a:p>
+          <a:p>
+            <a:r>
+              <a:rPr lang="en-US"/>
+              <a:t>python </a:t>
+            </a:r>
+            <a:r>
+              <a:rPr lang="en-US"/>
+              <a:t>~/</a:t>
+            </a:r>
+            <a:r>
+              <a:rPr lang="en-US" smtClean="0"/>
+              <a:t>airflow/dags/run_tasks.py – parse DAG</a:t>
+            </a:r>
+            <a:br>
+              <a:rPr lang="en-US" smtClean="0"/>
+            </a:br>
+            <a:r>
+              <a:rPr lang="en-US" smtClean="0"/>
+              <a:t>airflow test Task_B param</a:t>
+            </a:r>
+          </a:p>
+          <a:p>
+            <a:endParaRPr lang="en-US"/>
+          </a:p>
+        </p:txBody>
+      </p:sp>
+      <p:sp>
+        <p:nvSpPr>
+          <p:cNvPr id="4" name="Slide Number Placeholder 3"/>
+          <p:cNvSpPr>
+            <a:spLocks noGrp="1"/>
+          </p:cNvSpPr>
+          <p:nvPr>
+            <p:ph type="sldNum" sz="quarter" idx="10"/>
+          </p:nvPr>
+        </p:nvSpPr>
+        <p:spPr/>
+        <p:txBody>
+          <a:bodyPr/>
+          <a:lstStyle/>
+          <a:p>
+            <a:fld id="{DF37FEA7-B70E-8748-9806-F5171A8DA745}" type="slidenum">
+              <a:rPr lang="en-US" smtClean="0"/>
+              <a:t>26</a:t>
+            </a:fld>
+            <a:endParaRPr lang="en-US"/>
+          </a:p>
+        </p:txBody>
+      </p:sp>
+    </p:spTree>
+    <p:extLst>
+      <p:ext uri="{BB962C8B-B14F-4D97-AF65-F5344CB8AC3E}">
+        <p14:creationId xmlns:p14="http://schemas.microsoft.com/office/powerpoint/2010/main" val="1430114759"/>
+      </p:ext>
+    </p:extLst>
+  </p:cSld>
+  <p:clrMapOvr>
+    <a:masterClrMapping/>
+  </p:clrMapOvr>
+</p:notes>
+</file>
+
+<file path=ppt/notesSlides/notesSlide27.xml><?xml version="1.0" encoding="utf-8"?>
+<p:notes xmlns:a="http://schemas.openxmlformats.org/drawingml/2006/main" xmlns:r="http://schemas.openxmlformats.org/officeDocument/2006/relationships" xmlns:p="http://schemas.openxmlformats.org/presentationml/2006/main">
+  <p:cSld>
+    <p:spTree>
+      <p:nvGrpSpPr>
+        <p:cNvPr id="1" name=""/>
+        <p:cNvGrpSpPr/>
+        <p:nvPr/>
+      </p:nvGrpSpPr>
+      <p:grpSpPr>
+        <a:xfrm>
+          <a:off x="0" y="0"/>
+          <a:ext cx="0" cy="0"/>
+          <a:chOff x="0" y="0"/>
+          <a:chExt cx="0" cy="0"/>
+        </a:xfrm>
+      </p:grpSpPr>
+      <p:sp>
+        <p:nvSpPr>
+          <p:cNvPr id="2" name="Slide Image Placeholder 1"/>
+          <p:cNvSpPr>
+            <a:spLocks noGrp="1" noRot="1" noChangeAspect="1"/>
+          </p:cNvSpPr>
+          <p:nvPr>
+            <p:ph type="sldImg"/>
+          </p:nvPr>
+        </p:nvSpPr>
+        <p:spPr/>
+      </p:sp>
+      <p:sp>
+        <p:nvSpPr>
+          <p:cNvPr id="3" name="Notes Placeholder 2"/>
+          <p:cNvSpPr>
+            <a:spLocks noGrp="1"/>
+          </p:cNvSpPr>
+          <p:nvPr>
+            <p:ph type="body" idx="1"/>
+          </p:nvPr>
+        </p:nvSpPr>
+        <p:spPr/>
+        <p:txBody>
+          <a:bodyPr/>
+          <a:lstStyle/>
+          <a:p>
+            <a:r>
+              <a:rPr lang="en-US" smtClean="0"/>
+              <a:t>Another DAG definition file showing how we can dynamically create Tasks based on a parameter.</a:t>
+            </a:r>
+          </a:p>
+          <a:p>
+            <a:endParaRPr lang="en-US" smtClean="0"/>
+          </a:p>
+          <a:p>
+            <a:r>
+              <a:rPr lang="en-US" smtClean="0"/>
+              <a:t>Airflow leverages the power of Jinja Templating and provides the pipeline author with a set of built-in parameters and macros. Airflow also provides hooks for the pipeline author to define their own parameters, macros and templates.</a:t>
+            </a:r>
+            <a:endParaRPr lang="en-US"/>
+          </a:p>
+        </p:txBody>
+      </p:sp>
+      <p:sp>
+        <p:nvSpPr>
+          <p:cNvPr id="4" name="Slide Number Placeholder 3"/>
+          <p:cNvSpPr>
+            <a:spLocks noGrp="1"/>
+          </p:cNvSpPr>
+          <p:nvPr>
+            <p:ph type="sldNum" sz="quarter" idx="10"/>
+          </p:nvPr>
+        </p:nvSpPr>
+        <p:spPr/>
+        <p:txBody>
+          <a:bodyPr/>
+          <a:lstStyle/>
+          <a:p>
+            <a:fld id="{DF37FEA7-B70E-8748-9806-F5171A8DA745}" type="slidenum">
+              <a:rPr lang="en-US" smtClean="0"/>
+              <a:t>27</a:t>
+            </a:fld>
+            <a:endParaRPr lang="en-US"/>
+          </a:p>
+        </p:txBody>
+      </p:sp>
+    </p:spTree>
+    <p:extLst>
+      <p:ext uri="{BB962C8B-B14F-4D97-AF65-F5344CB8AC3E}">
+        <p14:creationId xmlns:p14="http://schemas.microsoft.com/office/powerpoint/2010/main" val="1301777289"/>
+      </p:ext>
+    </p:extLst>
+  </p:cSld>
+  <p:clrMapOvr>
+    <a:masterClrMapping/>
+  </p:clrMapOvr>
+</p:notes>
+</file>
+
+<file path=ppt/notesSlides/notesSlide28.xml><?xml version="1.0" encoding="utf-8"?>
+<p:notes xmlns:a="http://schemas.openxmlformats.org/drawingml/2006/main" xmlns:r="http://schemas.openxmlformats.org/officeDocument/2006/relationships" xmlns:p="http://schemas.openxmlformats.org/presentationml/2006/main">
+  <p:cSld>
+    <p:spTree>
+      <p:nvGrpSpPr>
+        <p:cNvPr id="1" name=""/>
+        <p:cNvGrpSpPr/>
+        <p:nvPr/>
+      </p:nvGrpSpPr>
+      <p:grpSpPr>
+        <a:xfrm>
+          <a:off x="0" y="0"/>
+          <a:ext cx="0" cy="0"/>
+          <a:chOff x="0" y="0"/>
+          <a:chExt cx="0" cy="0"/>
+        </a:xfrm>
+      </p:grpSpPr>
+      <p:sp>
+        <p:nvSpPr>
+          <p:cNvPr id="2" name="Slide Image Placeholder 1"/>
+          <p:cNvSpPr>
+            <a:spLocks noGrp="1" noRot="1" noChangeAspect="1"/>
+          </p:cNvSpPr>
+          <p:nvPr>
+            <p:ph type="sldImg"/>
+          </p:nvPr>
+        </p:nvSpPr>
+        <p:spPr/>
+      </p:sp>
+      <p:sp>
+        <p:nvSpPr>
+          <p:cNvPr id="3" name="Notes Placeholder 2"/>
+          <p:cNvSpPr>
+            <a:spLocks noGrp="1"/>
+          </p:cNvSpPr>
+          <p:nvPr>
+            <p:ph type="body" idx="1"/>
+          </p:nvPr>
+        </p:nvSpPr>
+        <p:spPr/>
+        <p:txBody>
+          <a:bodyPr/>
+          <a:lstStyle/>
+          <a:p>
+            <a:endParaRPr lang="en-US"/>
+          </a:p>
+        </p:txBody>
+      </p:sp>
+      <p:sp>
+        <p:nvSpPr>
+          <p:cNvPr id="4" name="Slide Number Placeholder 3"/>
+          <p:cNvSpPr>
+            <a:spLocks noGrp="1"/>
+          </p:cNvSpPr>
+          <p:nvPr>
+            <p:ph type="sldNum" sz="quarter" idx="10"/>
+          </p:nvPr>
+        </p:nvSpPr>
+        <p:spPr/>
+        <p:txBody>
+          <a:bodyPr/>
+          <a:lstStyle/>
+          <a:p>
+            <a:fld id="{DF37FEA7-B70E-8748-9806-F5171A8DA745}" type="slidenum">
+              <a:rPr lang="en-US" smtClean="0"/>
+              <a:t>28</a:t>
+            </a:fld>
+            <a:endParaRPr lang="en-US"/>
+          </a:p>
+        </p:txBody>
+      </p:sp>
+    </p:spTree>
+    <p:extLst>
+      <p:ext uri="{BB962C8B-B14F-4D97-AF65-F5344CB8AC3E}">
+        <p14:creationId xmlns:p14="http://schemas.microsoft.com/office/powerpoint/2010/main" val="542611685"/>
+      </p:ext>
+    </p:extLst>
+  </p:cSld>
+  <p:clrMapOvr>
+    <a:masterClrMapping/>
+  </p:clrMapOvr>
+</p:notes>
+</file>
+
+<file path=ppt/notesSlides/notesSlide29.xml><?xml version="1.0" encoding="utf-8"?>
+<p:notes xmlns:a="http://schemas.openxmlformats.org/drawingml/2006/main" xmlns:r="http://schemas.openxmlformats.org/officeDocument/2006/relationships" xmlns:p="http://schemas.openxmlformats.org/presentationml/2006/main">
+  <p:cSld>
+    <p:spTree>
+      <p:nvGrpSpPr>
+        <p:cNvPr id="1" name=""/>
+        <p:cNvGrpSpPr/>
+        <p:nvPr/>
+      </p:nvGrpSpPr>
+      <p:grpSpPr>
+        <a:xfrm>
+          <a:off x="0" y="0"/>
+          <a:ext cx="0" cy="0"/>
+          <a:chOff x="0" y="0"/>
+          <a:chExt cx="0" cy="0"/>
+        </a:xfrm>
+      </p:grpSpPr>
+      <p:sp>
+        <p:nvSpPr>
+          <p:cNvPr id="2" name="Slide Image Placeholder 1"/>
+          <p:cNvSpPr>
+            <a:spLocks noGrp="1" noRot="1" noChangeAspect="1"/>
+          </p:cNvSpPr>
+          <p:nvPr>
+            <p:ph type="sldImg"/>
+          </p:nvPr>
+        </p:nvSpPr>
+        <p:spPr/>
+      </p:sp>
+      <p:sp>
+        <p:nvSpPr>
+          <p:cNvPr id="3" name="Notes Placeholder 2"/>
+          <p:cNvSpPr>
+            <a:spLocks noGrp="1"/>
+          </p:cNvSpPr>
+          <p:nvPr>
+            <p:ph type="body" idx="1"/>
+          </p:nvPr>
+        </p:nvSpPr>
+        <p:spPr/>
+        <p:txBody>
+          <a:bodyPr/>
+          <a:lstStyle/>
+          <a:p>
+            <a:endParaRPr lang="en-US"/>
+          </a:p>
+        </p:txBody>
+      </p:sp>
+      <p:sp>
+        <p:nvSpPr>
+          <p:cNvPr id="4" name="Slide Number Placeholder 3"/>
+          <p:cNvSpPr>
+            <a:spLocks noGrp="1"/>
+          </p:cNvSpPr>
+          <p:nvPr>
+            <p:ph type="sldNum" sz="quarter" idx="10"/>
+          </p:nvPr>
+        </p:nvSpPr>
+        <p:spPr/>
+        <p:txBody>
+          <a:bodyPr/>
+          <a:lstStyle/>
+          <a:p>
+            <a:fld id="{DF37FEA7-B70E-8748-9806-F5171A8DA745}" type="slidenum">
+              <a:rPr lang="en-US" smtClean="0"/>
+              <a:t>30</a:t>
+            </a:fld>
+            <a:endParaRPr lang="en-US"/>
+          </a:p>
+        </p:txBody>
+      </p:sp>
+    </p:spTree>
+    <p:extLst>
+      <p:ext uri="{BB962C8B-B14F-4D97-AF65-F5344CB8AC3E}">
+        <p14:creationId xmlns:p14="http://schemas.microsoft.com/office/powerpoint/2010/main" val="1489166614"/>
+      </p:ext>
+    </p:extLst>
+  </p:cSld>
+  <p:clrMapOvr>
+    <a:masterClrMapping/>
+  </p:clrMapOvr>
+</p:notes>
+</file>
+
+<file path=ppt/notesSlides/notesSlide3.xml><?xml version="1.0" encoding="utf-8"?>
+<p:notes xmlns:a="http://schemas.openxmlformats.org/drawingml/2006/main" xmlns:r="http://schemas.openxmlformats.org/officeDocument/2006/relationships" xmlns:p="http://schemas.openxmlformats.org/presentationml/2006/main">
+  <p:cSld>
+    <p:spTree>
+      <p:nvGrpSpPr>
+        <p:cNvPr id="1" name=""/>
+        <p:cNvGrpSpPr/>
+        <p:nvPr/>
+      </p:nvGrpSpPr>
+      <p:grpSpPr>
+        <a:xfrm>
+          <a:off x="0" y="0"/>
+          <a:ext cx="0" cy="0"/>
+          <a:chOff x="0" y="0"/>
+          <a:chExt cx="0" cy="0"/>
+        </a:xfrm>
+      </p:grpSpPr>
+      <p:sp>
+        <p:nvSpPr>
+          <p:cNvPr id="2" name="Slide Image Placeholder 1"/>
+          <p:cNvSpPr>
+            <a:spLocks noGrp="1" noRot="1" noChangeAspect="1"/>
+          </p:cNvSpPr>
+          <p:nvPr>
+            <p:ph type="sldImg"/>
+          </p:nvPr>
+        </p:nvSpPr>
+        <p:spPr/>
+      </p:sp>
+      <p:sp>
+        <p:nvSpPr>
+          <p:cNvPr id="3" name="Notes Placeholder 2"/>
+          <p:cNvSpPr>
+            <a:spLocks noGrp="1"/>
+          </p:cNvSpPr>
+          <p:nvPr>
+            <p:ph type="body" idx="1"/>
+          </p:nvPr>
+        </p:nvSpPr>
+        <p:spPr/>
+        <p:txBody>
+          <a:bodyPr/>
+          <a:lstStyle/>
+          <a:p>
+            <a:r>
+              <a:rPr lang="en-US" smtClean="0"/>
+              <a:t>This is a brief overview as to how I intend to proceed today.</a:t>
+            </a:r>
+            <a:endParaRPr lang="en-US"/>
+          </a:p>
+        </p:txBody>
+      </p:sp>
+      <p:sp>
+        <p:nvSpPr>
+          <p:cNvPr id="4" name="Slide Number Placeholder 3"/>
+          <p:cNvSpPr>
+            <a:spLocks noGrp="1"/>
+          </p:cNvSpPr>
+          <p:nvPr>
+            <p:ph type="sldNum" sz="quarter" idx="10"/>
+          </p:nvPr>
+        </p:nvSpPr>
+        <p:spPr/>
+        <p:txBody>
+          <a:bodyPr/>
+          <a:lstStyle/>
+          <a:p>
+            <a:fld id="{DF37FEA7-B70E-8748-9806-F5171A8DA745}" type="slidenum">
+              <a:rPr lang="en-US" smtClean="0"/>
+              <a:t>3</a:t>
+            </a:fld>
+            <a:endParaRPr lang="en-US"/>
+          </a:p>
+        </p:txBody>
+      </p:sp>
+    </p:spTree>
+    <p:extLst>
+      <p:ext uri="{BB962C8B-B14F-4D97-AF65-F5344CB8AC3E}">
+        <p14:creationId xmlns:p14="http://schemas.microsoft.com/office/powerpoint/2010/main" val="806603259"/>
+      </p:ext>
+    </p:extLst>
+  </p:cSld>
+  <p:clrMapOvr>
+    <a:masterClrMapping/>
+  </p:clrMapOvr>
+</p:notes>
+</file>
+
+<file path=ppt/notesSlides/notesSlide30.xml><?xml version="1.0" encoding="utf-8"?>
+<p:notes xmlns:a="http://schemas.openxmlformats.org/drawingml/2006/main" xmlns:r="http://schemas.openxmlformats.org/officeDocument/2006/relationships" xmlns:p="http://schemas.openxmlformats.org/presentationml/2006/main">
+  <p:cSld>
+    <p:spTree>
+      <p:nvGrpSpPr>
+        <p:cNvPr id="1" name=""/>
+        <p:cNvGrpSpPr/>
+        <p:nvPr/>
+      </p:nvGrpSpPr>
+      <p:grpSpPr>
+        <a:xfrm>
+          <a:off x="0" y="0"/>
+          <a:ext cx="0" cy="0"/>
+          <a:chOff x="0" y="0"/>
+          <a:chExt cx="0" cy="0"/>
+        </a:xfrm>
+      </p:grpSpPr>
+      <p:sp>
+        <p:nvSpPr>
+          <p:cNvPr id="2" name="Slide Image Placeholder 1"/>
+          <p:cNvSpPr>
+            <a:spLocks noGrp="1" noRot="1" noChangeAspect="1"/>
+          </p:cNvSpPr>
+          <p:nvPr>
+            <p:ph type="sldImg"/>
+          </p:nvPr>
+        </p:nvSpPr>
+        <p:spPr/>
+      </p:sp>
+      <p:sp>
+        <p:nvSpPr>
+          <p:cNvPr id="3" name="Notes Placeholder 2"/>
+          <p:cNvSpPr>
+            <a:spLocks noGrp="1"/>
+          </p:cNvSpPr>
+          <p:nvPr>
+            <p:ph type="body" idx="1"/>
+          </p:nvPr>
+        </p:nvSpPr>
+        <p:spPr/>
+        <p:txBody>
+          <a:bodyPr/>
+          <a:lstStyle/>
+          <a:p>
+            <a:endParaRPr lang="en-US"/>
+          </a:p>
+        </p:txBody>
+      </p:sp>
+      <p:sp>
+        <p:nvSpPr>
+          <p:cNvPr id="4" name="Slide Number Placeholder 3"/>
+          <p:cNvSpPr>
+            <a:spLocks noGrp="1"/>
+          </p:cNvSpPr>
+          <p:nvPr>
+            <p:ph type="sldNum" sz="quarter" idx="10"/>
+          </p:nvPr>
+        </p:nvSpPr>
+        <p:spPr/>
+        <p:txBody>
+          <a:bodyPr/>
+          <a:lstStyle/>
+          <a:p>
+            <a:fld id="{DF37FEA7-B70E-8748-9806-F5171A8DA745}" type="slidenum">
+              <a:rPr lang="en-US" smtClean="0"/>
+              <a:t>32</a:t>
+            </a:fld>
+            <a:endParaRPr lang="en-US"/>
+          </a:p>
+        </p:txBody>
+      </p:sp>
+    </p:spTree>
+    <p:extLst>
+      <p:ext uri="{BB962C8B-B14F-4D97-AF65-F5344CB8AC3E}">
+        <p14:creationId xmlns:p14="http://schemas.microsoft.com/office/powerpoint/2010/main" val="1947695661"/>
+      </p:ext>
+    </p:extLst>
+  </p:cSld>
+  <p:clrMapOvr>
+    <a:masterClrMapping/>
+  </p:clrMapOvr>
+</p:notes>
+</file>
+
+<file path=ppt/notesSlides/notesSlide31.xml><?xml version="1.0" encoding="utf-8"?>
+<p:notes xmlns:a="http://schemas.openxmlformats.org/drawingml/2006/main" xmlns:r="http://schemas.openxmlformats.org/officeDocument/2006/relationships" xmlns:p="http://schemas.openxmlformats.org/presentationml/2006/main">
+  <p:cSld>
+    <p:spTree>
+      <p:nvGrpSpPr>
+        <p:cNvPr id="1" name=""/>
+        <p:cNvGrpSpPr/>
+        <p:nvPr/>
+      </p:nvGrpSpPr>
+      <p:grpSpPr>
+        <a:xfrm>
+          <a:off x="0" y="0"/>
+          <a:ext cx="0" cy="0"/>
+          <a:chOff x="0" y="0"/>
+          <a:chExt cx="0" cy="0"/>
+        </a:xfrm>
+      </p:grpSpPr>
+      <p:sp>
+        <p:nvSpPr>
+          <p:cNvPr id="2" name="Slide Image Placeholder 1"/>
+          <p:cNvSpPr>
+            <a:spLocks noGrp="1" noRot="1" noChangeAspect="1"/>
+          </p:cNvSpPr>
+          <p:nvPr>
+            <p:ph type="sldImg"/>
+          </p:nvPr>
+        </p:nvSpPr>
+        <p:spPr/>
+      </p:sp>
+      <p:sp>
+        <p:nvSpPr>
+          <p:cNvPr id="3" name="Notes Placeholder 2"/>
+          <p:cNvSpPr>
+            <a:spLocks noGrp="1"/>
+          </p:cNvSpPr>
+          <p:nvPr>
+            <p:ph type="body" idx="1"/>
+          </p:nvPr>
+        </p:nvSpPr>
+        <p:spPr/>
+        <p:txBody>
+          <a:bodyPr/>
+          <a:lstStyle/>
+          <a:p>
+            <a:r>
+              <a:rPr lang="en-US" smtClean="0"/>
+              <a:t> Can use Simple Workflow as an alternative if you want more fine-grained programmatic customization over the control flow and patterns of your workflow logic. </a:t>
+            </a:r>
+            <a:endParaRPr lang="en-US"/>
+          </a:p>
+        </p:txBody>
+      </p:sp>
+      <p:sp>
+        <p:nvSpPr>
+          <p:cNvPr id="4" name="Slide Number Placeholder 3"/>
+          <p:cNvSpPr>
+            <a:spLocks noGrp="1"/>
+          </p:cNvSpPr>
+          <p:nvPr>
+            <p:ph type="sldNum" sz="quarter" idx="10"/>
+          </p:nvPr>
+        </p:nvSpPr>
+        <p:spPr/>
+        <p:txBody>
+          <a:bodyPr/>
+          <a:lstStyle/>
+          <a:p>
+            <a:fld id="{DF37FEA7-B70E-8748-9806-F5171A8DA745}" type="slidenum">
+              <a:rPr lang="en-US" smtClean="0"/>
+              <a:t>35</a:t>
+            </a:fld>
+            <a:endParaRPr lang="en-US"/>
+          </a:p>
+        </p:txBody>
+      </p:sp>
+    </p:spTree>
+    <p:extLst>
+      <p:ext uri="{BB962C8B-B14F-4D97-AF65-F5344CB8AC3E}">
+        <p14:creationId xmlns:p14="http://schemas.microsoft.com/office/powerpoint/2010/main" val="494387134"/>
+      </p:ext>
+    </p:extLst>
+  </p:cSld>
+  <p:clrMapOvr>
+    <a:masterClrMapping/>
+  </p:clrMapOvr>
+</p:notes>
+</file>
+
+<file path=ppt/notesSlides/notesSlide4.xml><?xml version="1.0" encoding="utf-8"?>
+<p:notes xmlns:a="http://schemas.openxmlformats.org/drawingml/2006/main" xmlns:r="http://schemas.openxmlformats.org/officeDocument/2006/relationships" xmlns:p="http://schemas.openxmlformats.org/presentationml/2006/main">
+  <p:cSld>
+    <p:spTree>
+      <p:nvGrpSpPr>
+        <p:cNvPr id="1" name=""/>
+        <p:cNvGrpSpPr/>
+        <p:nvPr/>
+      </p:nvGrpSpPr>
+      <p:grpSpPr>
+        <a:xfrm>
+          <a:off x="0" y="0"/>
+          <a:ext cx="0" cy="0"/>
+          <a:chOff x="0" y="0"/>
+          <a:chExt cx="0" cy="0"/>
+        </a:xfrm>
+      </p:grpSpPr>
+      <p:sp>
+        <p:nvSpPr>
+          <p:cNvPr id="2" name="Slide Image Placeholder 1"/>
+          <p:cNvSpPr>
+            <a:spLocks noGrp="1" noRot="1" noChangeAspect="1"/>
+          </p:cNvSpPr>
+          <p:nvPr>
+            <p:ph type="sldImg"/>
+          </p:nvPr>
+        </p:nvSpPr>
+        <p:spPr/>
+      </p:sp>
+      <p:sp>
+        <p:nvSpPr>
+          <p:cNvPr id="3" name="Notes Placeholder 2"/>
+          <p:cNvSpPr>
+            <a:spLocks noGrp="1"/>
+          </p:cNvSpPr>
+          <p:nvPr>
+            <p:ph type="body" idx="1"/>
+          </p:nvPr>
+        </p:nvSpPr>
+        <p:spPr/>
+        <p:txBody>
+          <a:bodyPr/>
+          <a:lstStyle/>
+          <a:p>
+            <a:r>
+              <a:rPr lang="en-US" smtClean="0"/>
+              <a:t>- We're now living in the era of Big data. From social media to smart devices and phones,  sensors everywhere there are hundreds of thousands of data sources, many of which we wish  to process, analyze and extract information from. For the data scientist, this represents  a gold mine, that will keep them busy and employed from the cradle to the grave (hyperbole). The question is, with the deluge of data, how can we get a handle on  all this ?</a:t>
+            </a:r>
+            <a:endParaRPr lang="en-US"/>
+          </a:p>
+        </p:txBody>
+      </p:sp>
+      <p:sp>
+        <p:nvSpPr>
+          <p:cNvPr id="4" name="Slide Number Placeholder 3"/>
+          <p:cNvSpPr>
+            <a:spLocks noGrp="1"/>
+          </p:cNvSpPr>
+          <p:nvPr>
+            <p:ph type="sldNum" sz="quarter" idx="10"/>
+          </p:nvPr>
+        </p:nvSpPr>
+        <p:spPr/>
+        <p:txBody>
+          <a:bodyPr/>
+          <a:lstStyle/>
+          <a:p>
+            <a:fld id="{DF37FEA7-B70E-8748-9806-F5171A8DA745}" type="slidenum">
+              <a:rPr lang="en-US" smtClean="0"/>
+              <a:t>4</a:t>
+            </a:fld>
+            <a:endParaRPr lang="en-US"/>
+          </a:p>
+        </p:txBody>
+      </p:sp>
+    </p:spTree>
+    <p:extLst>
+      <p:ext uri="{BB962C8B-B14F-4D97-AF65-F5344CB8AC3E}">
+        <p14:creationId xmlns:p14="http://schemas.microsoft.com/office/powerpoint/2010/main" val="890254779"/>
+      </p:ext>
+    </p:extLst>
+  </p:cSld>
+  <p:clrMapOvr>
+    <a:masterClrMapping/>
+  </p:clrMapOvr>
+</p:notes>
+</file>
+
+<file path=ppt/notesSlides/notesSlide5.xml><?xml version="1.0" encoding="utf-8"?>
+<p:notes xmlns:a="http://schemas.openxmlformats.org/drawingml/2006/main" xmlns:r="http://schemas.openxmlformats.org/officeDocument/2006/relationships" xmlns:p="http://schemas.openxmlformats.org/presentationml/2006/main">
+  <p:cSld>
+    <p:spTree>
+      <p:nvGrpSpPr>
+        <p:cNvPr id="1" name=""/>
+        <p:cNvGrpSpPr/>
+        <p:nvPr/>
+      </p:nvGrpSpPr>
+      <p:grpSpPr>
+        <a:xfrm>
+          <a:off x="0" y="0"/>
+          <a:ext cx="0" cy="0"/>
+          <a:chOff x="0" y="0"/>
+          <a:chExt cx="0" cy="0"/>
+        </a:xfrm>
+      </p:grpSpPr>
+      <p:sp>
+        <p:nvSpPr>
+          <p:cNvPr id="2" name="Slide Image Placeholder 1"/>
+          <p:cNvSpPr>
+            <a:spLocks noGrp="1" noRot="1" noChangeAspect="1"/>
+          </p:cNvSpPr>
+          <p:nvPr>
+            <p:ph type="sldImg"/>
+          </p:nvPr>
+        </p:nvSpPr>
+        <p:spPr/>
+      </p:sp>
+      <p:sp>
+        <p:nvSpPr>
+          <p:cNvPr id="3" name="Notes Placeholder 2"/>
+          <p:cNvSpPr>
+            <a:spLocks noGrp="1"/>
+          </p:cNvSpPr>
+          <p:nvPr>
+            <p:ph type="body" idx="1"/>
+          </p:nvPr>
+        </p:nvSpPr>
+        <p:spPr/>
+        <p:txBody>
+          <a:bodyPr/>
+          <a:lstStyle/>
+          <a:p>
+            <a:r>
+              <a:rPr lang="en-US" smtClean="0"/>
+              <a:t>Scenario – suppose we’re a web analytics company focusing on a particular demographic, say people who like cycling.  I fit that demographic perfectly.</a:t>
+            </a:r>
+            <a:br>
+              <a:rPr lang="en-US" smtClean="0"/>
+            </a:br>
+            <a:r>
+              <a:rPr lang="en-US" smtClean="0"/>
+              <a:t>(MAMIL – middle aged men in lycra.)</a:t>
+            </a:r>
+          </a:p>
+          <a:p>
+            <a:endParaRPr lang="en-US" smtClean="0"/>
+          </a:p>
+          <a:p>
+            <a:r>
+              <a:rPr lang="en-US" smtClean="0"/>
+              <a:t>Step 1 – here we retrieve our daily segment data from 3 separate data sources e.g. Strava, MapMyRide, Endomondo</a:t>
+            </a:r>
+          </a:p>
+          <a:p>
+            <a:endParaRPr lang="en-US"/>
+          </a:p>
+        </p:txBody>
+      </p:sp>
+      <p:sp>
+        <p:nvSpPr>
+          <p:cNvPr id="4" name="Slide Number Placeholder 3"/>
+          <p:cNvSpPr>
+            <a:spLocks noGrp="1"/>
+          </p:cNvSpPr>
+          <p:nvPr>
+            <p:ph type="sldNum" sz="quarter" idx="10"/>
+          </p:nvPr>
+        </p:nvSpPr>
+        <p:spPr/>
+        <p:txBody>
+          <a:bodyPr/>
+          <a:lstStyle/>
+          <a:p>
+            <a:fld id="{DF37FEA7-B70E-8748-9806-F5171A8DA745}" type="slidenum">
+              <a:rPr lang="en-US" smtClean="0"/>
+              <a:t>5</a:t>
+            </a:fld>
+            <a:endParaRPr lang="en-US"/>
+          </a:p>
+        </p:txBody>
+      </p:sp>
+    </p:spTree>
+    <p:extLst>
+      <p:ext uri="{BB962C8B-B14F-4D97-AF65-F5344CB8AC3E}">
+        <p14:creationId xmlns:p14="http://schemas.microsoft.com/office/powerpoint/2010/main" val="993502004"/>
+      </p:ext>
+    </p:extLst>
+  </p:cSld>
+  <p:clrMapOvr>
+    <a:masterClrMapping/>
+  </p:clrMapOvr>
+</p:notes>
+</file>
+
+<file path=ppt/notesSlides/notesSlide6.xml><?xml version="1.0" encoding="utf-8"?>
+<p:notes xmlns:a="http://schemas.openxmlformats.org/drawingml/2006/main" xmlns:r="http://schemas.openxmlformats.org/officeDocument/2006/relationships" xmlns:p="http://schemas.openxmlformats.org/presentationml/2006/main">
+  <p:cSld>
+    <p:spTree>
+      <p:nvGrpSpPr>
+        <p:cNvPr id="1" name=""/>
+        <p:cNvGrpSpPr/>
+        <p:nvPr/>
+      </p:nvGrpSpPr>
+      <p:grpSpPr>
+        <a:xfrm>
+          <a:off x="0" y="0"/>
+          <a:ext cx="0" cy="0"/>
+          <a:chOff x="0" y="0"/>
+          <a:chExt cx="0" cy="0"/>
+        </a:xfrm>
+      </p:grpSpPr>
+      <p:sp>
+        <p:nvSpPr>
+          <p:cNvPr id="2" name="Slide Image Placeholder 1"/>
+          <p:cNvSpPr>
+            <a:spLocks noGrp="1" noRot="1" noChangeAspect="1"/>
+          </p:cNvSpPr>
+          <p:nvPr>
+            <p:ph type="sldImg"/>
+          </p:nvPr>
+        </p:nvSpPr>
+        <p:spPr/>
+      </p:sp>
+      <p:sp>
+        <p:nvSpPr>
+          <p:cNvPr id="3" name="Notes Placeholder 2"/>
+          <p:cNvSpPr>
+            <a:spLocks noGrp="1"/>
+          </p:cNvSpPr>
+          <p:nvPr>
+            <p:ph type="body" idx="1"/>
+          </p:nvPr>
+        </p:nvSpPr>
+        <p:spPr/>
+        <p:txBody>
+          <a:bodyPr/>
+          <a:lstStyle/>
+          <a:p>
+            <a:r>
+              <a:rPr lang="en-US" smtClean="0"/>
+              <a:t>Having collected daily segment data and asaved in S3, we now have an ETL process that processes each of the site daily data sets in turn and persists them to a cloud location say Amazon s3 bucket.</a:t>
+            </a:r>
+          </a:p>
+          <a:p>
+            <a:endParaRPr lang="en-US" smtClean="0"/>
+          </a:p>
+        </p:txBody>
+      </p:sp>
+      <p:sp>
+        <p:nvSpPr>
+          <p:cNvPr id="4" name="Slide Number Placeholder 3"/>
+          <p:cNvSpPr>
+            <a:spLocks noGrp="1"/>
+          </p:cNvSpPr>
+          <p:nvPr>
+            <p:ph type="sldNum" sz="quarter" idx="10"/>
+          </p:nvPr>
+        </p:nvSpPr>
+        <p:spPr/>
+        <p:txBody>
+          <a:bodyPr/>
+          <a:lstStyle/>
+          <a:p>
+            <a:fld id="{DF37FEA7-B70E-8748-9806-F5171A8DA745}" type="slidenum">
+              <a:rPr lang="en-US" smtClean="0"/>
+              <a:t>6</a:t>
+            </a:fld>
+            <a:endParaRPr lang="en-US"/>
+          </a:p>
+        </p:txBody>
+      </p:sp>
+    </p:spTree>
+    <p:extLst>
+      <p:ext uri="{BB962C8B-B14F-4D97-AF65-F5344CB8AC3E}">
+        <p14:creationId xmlns:p14="http://schemas.microsoft.com/office/powerpoint/2010/main" val="1949472700"/>
+      </p:ext>
+    </p:extLst>
+  </p:cSld>
+  <p:clrMapOvr>
+    <a:masterClrMapping/>
+  </p:clrMapOvr>
+</p:notes>
+</file>
+
+<file path=ppt/notesSlides/notesSlide7.xml><?xml version="1.0" encoding="utf-8"?>
+<p:notes xmlns:a="http://schemas.openxmlformats.org/drawingml/2006/main" xmlns:r="http://schemas.openxmlformats.org/officeDocument/2006/relationships" xmlns:p="http://schemas.openxmlformats.org/presentationml/2006/main">
+  <p:cSld>
+    <p:spTree>
+      <p:nvGrpSpPr>
+        <p:cNvPr id="1" name=""/>
+        <p:cNvGrpSpPr/>
+        <p:nvPr/>
+      </p:nvGrpSpPr>
+      <p:grpSpPr>
+        <a:xfrm>
+          <a:off x="0" y="0"/>
+          <a:ext cx="0" cy="0"/>
+          <a:chOff x="0" y="0"/>
+          <a:chExt cx="0" cy="0"/>
+        </a:xfrm>
+      </p:grpSpPr>
+      <p:sp>
+        <p:nvSpPr>
+          <p:cNvPr id="2" name="Slide Image Placeholder 1"/>
+          <p:cNvSpPr>
+            <a:spLocks noGrp="1" noRot="1" noChangeAspect="1"/>
+          </p:cNvSpPr>
+          <p:nvPr>
+            <p:ph type="sldImg"/>
+          </p:nvPr>
+        </p:nvSpPr>
+        <p:spPr/>
+      </p:sp>
+      <p:sp>
+        <p:nvSpPr>
+          <p:cNvPr id="3" name="Notes Placeholder 2"/>
+          <p:cNvSpPr>
+            <a:spLocks noGrp="1"/>
+          </p:cNvSpPr>
+          <p:nvPr>
+            <p:ph type="body" idx="1"/>
+          </p:nvPr>
+        </p:nvSpPr>
+        <p:spPr/>
+        <p:txBody>
+          <a:bodyPr/>
+          <a:lstStyle/>
+          <a:p>
+            <a:r>
+              <a:rPr lang="en-US" smtClean="0"/>
+              <a:t>Here we can now perform some aggregations, calculations to find say top 10 most popular segments/routes in each state and write the results to a summary table in Redshift/RDS.</a:t>
+            </a:r>
+            <a:endParaRPr lang="en-US"/>
+          </a:p>
+        </p:txBody>
+      </p:sp>
+      <p:sp>
+        <p:nvSpPr>
+          <p:cNvPr id="4" name="Slide Number Placeholder 3"/>
+          <p:cNvSpPr>
+            <a:spLocks noGrp="1"/>
+          </p:cNvSpPr>
+          <p:nvPr>
+            <p:ph type="sldNum" sz="quarter" idx="10"/>
+          </p:nvPr>
+        </p:nvSpPr>
+        <p:spPr/>
+        <p:txBody>
+          <a:bodyPr/>
+          <a:lstStyle/>
+          <a:p>
+            <a:fld id="{DF37FEA7-B70E-8748-9806-F5171A8DA745}" type="slidenum">
+              <a:rPr lang="en-US" smtClean="0"/>
+              <a:t>7</a:t>
+            </a:fld>
+            <a:endParaRPr lang="en-US"/>
+          </a:p>
+        </p:txBody>
+      </p:sp>
+    </p:spTree>
+    <p:extLst>
+      <p:ext uri="{BB962C8B-B14F-4D97-AF65-F5344CB8AC3E}">
+        <p14:creationId xmlns:p14="http://schemas.microsoft.com/office/powerpoint/2010/main" val="467207339"/>
+      </p:ext>
+    </p:extLst>
+  </p:cSld>
+  <p:clrMapOvr>
+    <a:masterClrMapping/>
+  </p:clrMapOvr>
+</p:notes>
+</file>
+
+<file path=ppt/notesSlides/notesSlide8.xml><?xml version="1.0" encoding="utf-8"?>
+<p:notes xmlns:a="http://schemas.openxmlformats.org/drawingml/2006/main" xmlns:r="http://schemas.openxmlformats.org/officeDocument/2006/relationships" xmlns:p="http://schemas.openxmlformats.org/presentationml/2006/main">
+  <p:cSld>
+    <p:spTree>
+      <p:nvGrpSpPr>
+        <p:cNvPr id="1" name=""/>
+        <p:cNvGrpSpPr/>
+        <p:nvPr/>
+      </p:nvGrpSpPr>
+      <p:grpSpPr>
+        <a:xfrm>
+          <a:off x="0" y="0"/>
+          <a:ext cx="0" cy="0"/>
+          <a:chOff x="0" y="0"/>
+          <a:chExt cx="0" cy="0"/>
+        </a:xfrm>
+      </p:grpSpPr>
+      <p:sp>
+        <p:nvSpPr>
+          <p:cNvPr id="2" name="Slide Image Placeholder 1"/>
+          <p:cNvSpPr>
+            <a:spLocks noGrp="1" noRot="1" noChangeAspect="1"/>
+          </p:cNvSpPr>
+          <p:nvPr>
+            <p:ph type="sldImg"/>
+          </p:nvPr>
+        </p:nvSpPr>
+        <p:spPr/>
+      </p:sp>
+      <p:sp>
+        <p:nvSpPr>
+          <p:cNvPr id="3" name="Notes Placeholder 2"/>
+          <p:cNvSpPr>
+            <a:spLocks noGrp="1"/>
+          </p:cNvSpPr>
+          <p:nvPr>
+            <p:ph type="body" idx="1"/>
+          </p:nvPr>
+        </p:nvSpPr>
+        <p:spPr/>
+        <p:txBody>
+          <a:bodyPr/>
+          <a:lstStyle/>
+          <a:p>
+            <a:r>
+              <a:rPr lang="en-US" smtClean="0"/>
+              <a:t>Finally we have a process that creates a report or pre-canned reports for our web analytics site.</a:t>
+            </a:r>
+            <a:endParaRPr lang="en-US"/>
+          </a:p>
+        </p:txBody>
+      </p:sp>
+      <p:sp>
+        <p:nvSpPr>
+          <p:cNvPr id="4" name="Slide Number Placeholder 3"/>
+          <p:cNvSpPr>
+            <a:spLocks noGrp="1"/>
+          </p:cNvSpPr>
+          <p:nvPr>
+            <p:ph type="sldNum" sz="quarter" idx="10"/>
+          </p:nvPr>
+        </p:nvSpPr>
+        <p:spPr/>
+        <p:txBody>
+          <a:bodyPr/>
+          <a:lstStyle/>
+          <a:p>
+            <a:fld id="{DF37FEA7-B70E-8748-9806-F5171A8DA745}" type="slidenum">
+              <a:rPr lang="en-US" smtClean="0"/>
+              <a:t>8</a:t>
+            </a:fld>
+            <a:endParaRPr lang="en-US"/>
+          </a:p>
+        </p:txBody>
+      </p:sp>
+    </p:spTree>
+    <p:extLst>
+      <p:ext uri="{BB962C8B-B14F-4D97-AF65-F5344CB8AC3E}">
+        <p14:creationId xmlns:p14="http://schemas.microsoft.com/office/powerpoint/2010/main" val="1475016649"/>
+      </p:ext>
+    </p:extLst>
+  </p:cSld>
+  <p:clrMapOvr>
+    <a:masterClrMapping/>
+  </p:clrMapOvr>
+</p:notes>
+</file>
+
+<file path=ppt/notesSlides/notesSlide9.xml><?xml version="1.0" encoding="utf-8"?>
+<p:notes xmlns:a="http://schemas.openxmlformats.org/drawingml/2006/main" xmlns:r="http://schemas.openxmlformats.org/officeDocument/2006/relationships" xmlns:p="http://schemas.openxmlformats.org/presentationml/2006/main">
+  <p:cSld>
+    <p:spTree>
+      <p:nvGrpSpPr>
+        <p:cNvPr id="1" name=""/>
+        <p:cNvGrpSpPr/>
+        <p:nvPr/>
+      </p:nvGrpSpPr>
+      <p:grpSpPr>
+        <a:xfrm>
+          <a:off x="0" y="0"/>
+          <a:ext cx="0" cy="0"/>
+          <a:chOff x="0" y="0"/>
+          <a:chExt cx="0" cy="0"/>
+        </a:xfrm>
+      </p:grpSpPr>
+      <p:sp>
+        <p:nvSpPr>
+          <p:cNvPr id="2" name="Slide Image Placeholder 1"/>
+          <p:cNvSpPr>
+            <a:spLocks noGrp="1" noRot="1" noChangeAspect="1"/>
+          </p:cNvSpPr>
+          <p:nvPr>
+            <p:ph type="sldImg"/>
+          </p:nvPr>
+        </p:nvSpPr>
+        <p:spPr/>
+      </p:sp>
+      <p:sp>
+        <p:nvSpPr>
+          <p:cNvPr id="3" name="Notes Placeholder 2"/>
+          <p:cNvSpPr>
+            <a:spLocks noGrp="1"/>
+          </p:cNvSpPr>
+          <p:nvPr>
+            <p:ph type="body" idx="1"/>
+          </p:nvPr>
+        </p:nvSpPr>
+        <p:spPr/>
+        <p:txBody>
+          <a:bodyPr/>
+          <a:lstStyle/>
+          <a:p>
+            <a:r>
+              <a:rPr lang="en-US" smtClean="0"/>
+              <a:t>How do we implement the data pipeline outlined in the previous slide. </a:t>
+            </a:r>
+            <a:br>
+              <a:rPr lang="en-US" smtClean="0"/>
+            </a:br>
+            <a:r>
+              <a:rPr lang="en-US" smtClean="0"/>
+              <a:t/>
+            </a:r>
+            <a:br>
+              <a:rPr lang="en-US" smtClean="0"/>
+            </a:br>
+            <a:r>
+              <a:rPr lang="en-US" smtClean="0"/>
+              <a:t>So we start with the naïve approach and create separate cron tasks for each step in the pipeline:</a:t>
+            </a:r>
+          </a:p>
+          <a:p>
+            <a:endParaRPr lang="en-US"/>
+          </a:p>
+          <a:p>
+            <a:r>
+              <a:rPr lang="en-US" smtClean="0"/>
+              <a:t>Extremely problematic - any of the fetch data job could take much longer than expected to run and the etl job could start running on what is incomplete data. This brings us to the next less naïve approach - calling all tasks from generic wrapper script...</a:t>
+            </a:r>
+            <a:endParaRPr lang="en-US"/>
+          </a:p>
+        </p:txBody>
+      </p:sp>
+      <p:sp>
+        <p:nvSpPr>
+          <p:cNvPr id="4" name="Slide Number Placeholder 3"/>
+          <p:cNvSpPr>
+            <a:spLocks noGrp="1"/>
+          </p:cNvSpPr>
+          <p:nvPr>
+            <p:ph type="sldNum" sz="quarter" idx="10"/>
+          </p:nvPr>
+        </p:nvSpPr>
+        <p:spPr/>
+        <p:txBody>
+          <a:bodyPr/>
+          <a:lstStyle/>
+          <a:p>
+            <a:fld id="{DF37FEA7-B70E-8748-9806-F5171A8DA745}" type="slidenum">
+              <a:rPr lang="en-US" smtClean="0"/>
+              <a:t>9</a:t>
+            </a:fld>
+            <a:endParaRPr lang="en-US"/>
+          </a:p>
+        </p:txBody>
+      </p:sp>
+    </p:spTree>
+    <p:extLst>
+      <p:ext uri="{BB962C8B-B14F-4D97-AF65-F5344CB8AC3E}">
+        <p14:creationId xmlns:p14="http://schemas.microsoft.com/office/powerpoint/2010/main" val="1779286177"/>
+      </p:ext>
+    </p:extLst>
+  </p:cSld>
+  <p:clrMapOvr>
+    <a:masterClrMapping/>
+  </p:clrMapOvr>
+</p:notes>
 </file>
 
 <file path=ppt/slideLayouts/slideLayout1.xml><?xml version="1.0" encoding="utf-8"?>
@@ -4732,7 +8097,7 @@
           <p:nvPr/>
         </p:nvPicPr>
         <p:blipFill>
-          <a:blip r:embed="rId2">
+          <a:blip r:embed="rId3">
             <a:extLst>
               <a:ext uri="{28A0092B-C50C-407E-A947-70E740481C1C}">
                 <a14:useLocalDpi xmlns:a14="http://schemas.microsoft.com/office/drawing/2010/main" val="0"/>
@@ -4762,7 +8127,7 @@
           <p:nvPr/>
         </p:nvPicPr>
         <p:blipFill>
-          <a:blip r:embed="rId3">
+          <a:blip r:embed="rId4">
             <a:extLst>
               <a:ext uri="{28A0092B-C50C-407E-A947-70E740481C1C}">
                 <a14:useLocalDpi xmlns:a14="http://schemas.microsoft.com/office/drawing/2010/main" val="0"/>
@@ -4792,7 +8157,7 @@
           <p:nvPr/>
         </p:nvPicPr>
         <p:blipFill>
-          <a:blip r:embed="rId4">
+          <a:blip r:embed="rId5">
             <a:extLst>
               <a:ext uri="{28A0092B-C50C-407E-A947-70E740481C1C}">
                 <a14:useLocalDpi xmlns:a14="http://schemas.microsoft.com/office/drawing/2010/main" val="0"/>
@@ -4922,8 +8287,27 @@
           <a:p>
             <a:r>
               <a:rPr lang="en-US" dirty="0" smtClean="0"/>
-              <a:t>First open-source Python based workflow manager. </a:t>
-            </a:r>
+              <a:t>First open-source Python based workflow manager</a:t>
+            </a:r>
+            <a:r>
+              <a:rPr lang="en-US" smtClean="0"/>
+              <a:t>. </a:t>
+            </a:r>
+          </a:p>
+          <a:p>
+            <a:r>
+              <a:rPr lang="en-US" smtClean="0"/>
+              <a:t>Named after the world’s 2</a:t>
+            </a:r>
+            <a:r>
+              <a:rPr lang="en-US" baseline="30000" smtClean="0"/>
+              <a:t>nd</a:t>
+            </a:r>
+            <a:r>
+              <a:rPr lang="en-US" smtClean="0"/>
+              <a:t> most famous plumber </a:t>
+            </a:r>
+            <a:endParaRPr lang="en-US" dirty="0" smtClean="0"/>
           </a:p>
         </p:txBody>
       </p:sp>
@@ -4936,7 +8320,7 @@
           <p:nvPr/>
         </p:nvPicPr>
         <p:blipFill>
-          <a:blip r:embed="rId2">
+          <a:blip r:embed="rId3">
             <a:extLst>
               <a:ext uri="{28A0092B-C50C-407E-A947-70E740481C1C}">
                 <a14:useLocalDpi xmlns:a14="http://schemas.microsoft.com/office/drawing/2010/main" val="0"/>
@@ -4951,6 +8335,36 @@
           <a:xfrm>
             <a:off x="4622800" y="365125"/>
             <a:ext cx="2463801" cy="1316068"/>
+          </a:xfrm>
+          <a:prstGeom prst="rect">
+            <a:avLst/>
+          </a:prstGeom>
+        </p:spPr>
+      </p:pic>
+      <p:pic>
+        <p:nvPicPr>
+          <p:cNvPr id="7" name="Picture 6"/>
+          <p:cNvPicPr>
+            <a:picLocks noChangeAspect="1"/>
+          </p:cNvPicPr>
+          <p:nvPr/>
+        </p:nvPicPr>
+        <p:blipFill>
+          <a:blip r:embed="rId4">
+            <a:extLst>
+              <a:ext uri="{28A0092B-C50C-407E-A947-70E740481C1C}">
+                <a14:useLocalDpi xmlns:a14="http://schemas.microsoft.com/office/drawing/2010/main" val="0"/>
+              </a:ext>
+            </a:extLst>
+          </a:blip>
+          <a:stretch>
+            <a:fillRect/>
+          </a:stretch>
+        </p:blipFill>
+        <p:spPr>
+          <a:xfrm>
+            <a:off x="9177617" y="4982696"/>
+            <a:ext cx="1477351" cy="1371600"/>
           </a:xfrm>
           <a:prstGeom prst="rect">
             <a:avLst/>
@@ -5040,8 +8454,19 @@
           <a:p>
             <a:r>
               <a:rPr lang="en-US" dirty="0" smtClean="0"/>
-              <a:t>Dependency graph is specified in Python code.</a:t>
-            </a:r>
+              <a:t>Dependency graph is specified in Python </a:t>
+            </a:r>
+            <a:r>
+              <a:rPr lang="en-US" smtClean="0"/>
+              <a:t>code.</a:t>
+            </a:r>
+          </a:p>
+          <a:p>
+            <a:r>
+              <a:rPr lang="en-US" smtClean="0"/>
+              <a:t>Provides UI, can be run in server mode or with local-scheduler mode</a:t>
+            </a:r>
+            <a:endParaRPr lang="en-US" dirty="0" smtClean="0"/>
           </a:p>
           <a:p>
             <a:r>
@@ -5119,7 +8544,7 @@
           <p:nvPr/>
         </p:nvPicPr>
         <p:blipFill>
-          <a:blip r:embed="rId2">
+          <a:blip r:embed="rId3">
             <a:extLst>
               <a:ext uri="{28A0092B-C50C-407E-A947-70E740481C1C}">
                 <a14:useLocalDpi xmlns:a14="http://schemas.microsoft.com/office/drawing/2010/main" val="0"/>
@@ -5193,138 +8618,42 @@
           <a:lstStyle/>
           <a:p>
             <a:r>
-              <a:rPr lang="en-US" b="1" dirty="0" smtClean="0"/>
-              <a:t>Task class Implementation </a:t>
-            </a:r>
-            <a:endParaRPr lang="en-US" b="1" dirty="0"/>
-          </a:p>
-        </p:txBody>
-      </p:sp>
-      <p:sp>
-        <p:nvSpPr>
-          <p:cNvPr id="3" name="Content Placeholder 2"/>
-          <p:cNvSpPr>
-            <a:spLocks noGrp="1"/>
-          </p:cNvSpPr>
+              <a:rPr lang="en-US" smtClean="0"/>
+              <a:t> Luigi UI      </a:t>
+            </a:r>
+            <a:endParaRPr lang="en-US"/>
+          </a:p>
+        </p:txBody>
+      </p:sp>
+      <p:pic>
+        <p:nvPicPr>
+          <p:cNvPr id="5" name="Content Placeholder 4"/>
+          <p:cNvPicPr>
+            <a:picLocks noGrp="1" noChangeAspect="1"/>
+          </p:cNvPicPr>
           <p:nvPr>
             <p:ph idx="1"/>
           </p:nvPr>
-        </p:nvSpPr>
-        <p:spPr/>
-        <p:txBody>
-          <a:bodyPr/>
-          <a:lstStyle/>
-          <a:p>
-            <a:r>
-              <a:rPr lang="en-US" dirty="0"/>
-              <a:t>I</a:t>
-            </a:r>
-            <a:r>
-              <a:rPr lang="en-US" dirty="0" smtClean="0"/>
-              <a:t>mplement a Task, subclass </a:t>
-            </a:r>
-            <a:r>
-              <a:rPr lang="en-US" i="1" dirty="0" err="1" smtClean="0"/>
-              <a:t>luigi.class</a:t>
-            </a:r>
-            <a:r>
-              <a:rPr lang="en-US" dirty="0" smtClean="0"/>
-              <a:t> and implement the following 3 methods:</a:t>
-            </a:r>
-          </a:p>
-          <a:p>
-            <a:pPr lvl="1"/>
-            <a:r>
-              <a:rPr lang="en-US" dirty="0" smtClean="0">
-                <a:solidFill>
-                  <a:srgbClr val="00B050"/>
-                </a:solidFill>
-                <a:latin typeface="Courier" charset="0"/>
-                <a:ea typeface="Courier" charset="0"/>
-                <a:cs typeface="Courier" charset="0"/>
-              </a:rPr>
-              <a:t>run()</a:t>
-            </a:r>
-            <a:r>
-              <a:rPr lang="en-US" dirty="0" smtClean="0"/>
-              <a:t/>
-            </a:r>
-            <a:br>
-              <a:rPr lang="en-US" dirty="0" smtClean="0"/>
-            </a:br>
-            <a:r>
-              <a:rPr lang="en-US" dirty="0" smtClean="0"/>
-              <a:t>- contains the logic needed to achieve purpose of Task</a:t>
-            </a:r>
-          </a:p>
-          <a:p>
-            <a:pPr lvl="1"/>
-            <a:r>
-              <a:rPr lang="en-US" dirty="0">
-                <a:solidFill>
-                  <a:srgbClr val="00B050"/>
-                </a:solidFill>
-                <a:latin typeface="Courier" charset="0"/>
-                <a:ea typeface="Courier" charset="0"/>
-                <a:cs typeface="Courier" charset="0"/>
-              </a:rPr>
-              <a:t>o</a:t>
-            </a:r>
-            <a:r>
-              <a:rPr lang="en-US" dirty="0" smtClean="0">
-                <a:solidFill>
-                  <a:srgbClr val="00B050"/>
-                </a:solidFill>
-                <a:latin typeface="Courier" charset="0"/>
-                <a:ea typeface="Courier" charset="0"/>
-                <a:cs typeface="Courier" charset="0"/>
-              </a:rPr>
-              <a:t>utput()</a:t>
-            </a:r>
-            <a:r>
-              <a:rPr lang="en-US" dirty="0" smtClean="0"/>
-              <a:t/>
-            </a:r>
-            <a:br>
-              <a:rPr lang="en-US" dirty="0" smtClean="0"/>
-            </a:br>
-            <a:r>
-              <a:rPr lang="en-US" dirty="0" smtClean="0"/>
-              <a:t>- returns one or more Target objects.</a:t>
-            </a:r>
-          </a:p>
-          <a:p>
-            <a:pPr lvl="1"/>
-            <a:r>
-              <a:rPr lang="en-US" dirty="0">
-                <a:solidFill>
-                  <a:srgbClr val="00B050"/>
-                </a:solidFill>
-              </a:rPr>
-              <a:t>r</a:t>
-            </a:r>
-            <a:r>
-              <a:rPr lang="en-US" dirty="0" smtClean="0">
-                <a:solidFill>
-                  <a:srgbClr val="00B050"/>
-                </a:solidFill>
-              </a:rPr>
-              <a:t>equires()</a:t>
-            </a:r>
-            <a:r>
-              <a:rPr lang="en-US" dirty="0" smtClean="0"/>
-              <a:t/>
-            </a:r>
-            <a:br>
-              <a:rPr lang="en-US" dirty="0" smtClean="0"/>
-            </a:br>
-            <a:r>
-              <a:rPr lang="en-US" dirty="0" smtClean="0"/>
-              <a:t>- specifies dependencies on a preceding Task object.</a:t>
-            </a:r>
-          </a:p>
-        </p:txBody>
-      </p:sp>
+        </p:nvPicPr>
+        <p:blipFill>
+          <a:blip r:embed="rId3">
+            <a:extLst>
+              <a:ext uri="{28A0092B-C50C-407E-A947-70E740481C1C}">
+                <a14:useLocalDpi xmlns:a14="http://schemas.microsoft.com/office/drawing/2010/main" val="0"/>
+              </a:ext>
+            </a:extLst>
+          </a:blip>
+          <a:stretch>
+            <a:fillRect/>
+          </a:stretch>
+        </p:blipFill>
+        <p:spPr>
+          <a:xfrm>
+            <a:off x="2291504" y="1825625"/>
+            <a:ext cx="7608992" cy="4351338"/>
+          </a:xfrm>
+        </p:spPr>
+      </p:pic>
       <p:pic>
         <p:nvPicPr>
           <p:cNvPr id="4" name="Picture 3"/>
@@ -5334,7 +8663,230 @@
           <p:nvPr/>
         </p:nvPicPr>
         <p:blipFill>
-          <a:blip r:embed="rId2">
+          <a:blip r:embed="rId4">
+            <a:extLst>
+              <a:ext uri="{28A0092B-C50C-407E-A947-70E740481C1C}">
+                <a14:useLocalDpi xmlns:a14="http://schemas.microsoft.com/office/drawing/2010/main" val="0"/>
+              </a:ext>
+            </a:extLst>
+          </a:blip>
+          <a:stretch>
+            <a:fillRect/>
+          </a:stretch>
+        </p:blipFill>
+        <p:spPr>
+          <a:xfrm>
+            <a:off x="5570724" y="230188"/>
+            <a:ext cx="2463801" cy="1316068"/>
+          </a:xfrm>
+          <a:prstGeom prst="rect">
+            <a:avLst/>
+          </a:prstGeom>
+        </p:spPr>
+      </p:pic>
+    </p:spTree>
+    <p:extLst>
+      <p:ext uri="{BB962C8B-B14F-4D97-AF65-F5344CB8AC3E}">
+        <p14:creationId xmlns:p14="http://schemas.microsoft.com/office/powerpoint/2010/main" val="2000501531"/>
+      </p:ext>
+    </p:extLst>
+  </p:cSld>
+  <p:clrMapOvr>
+    <a:masterClrMapping/>
+  </p:clrMapOvr>
+  <p:timing>
+    <p:tnLst>
+      <p:par>
+        <p:cTn id="1" dur="indefinite" restart="never" nodeType="tmRoot"/>
+      </p:par>
+    </p:tnLst>
+  </p:timing>
+</p:sld>
+</file>
+
+<file path=ppt/slides/slide16.xml><?xml version="1.0" encoding="utf-8"?>
+<p:sld xmlns:a="http://schemas.openxmlformats.org/drawingml/2006/main" xmlns:r="http://schemas.openxmlformats.org/officeDocument/2006/relationships" xmlns:p="http://schemas.openxmlformats.org/presentationml/2006/main">
+  <p:cSld>
+    <p:spTree>
+      <p:nvGrpSpPr>
+        <p:cNvPr id="1" name=""/>
+        <p:cNvGrpSpPr/>
+        <p:nvPr/>
+      </p:nvGrpSpPr>
+      <p:grpSpPr>
+        <a:xfrm>
+          <a:off x="0" y="0"/>
+          <a:ext cx="0" cy="0"/>
+          <a:chOff x="0" y="0"/>
+          <a:chExt cx="0" cy="0"/>
+        </a:xfrm>
+      </p:grpSpPr>
+      <p:sp>
+        <p:nvSpPr>
+          <p:cNvPr id="2" name="Title 1"/>
+          <p:cNvSpPr>
+            <a:spLocks noGrp="1"/>
+          </p:cNvSpPr>
+          <p:nvPr>
+            <p:ph type="title"/>
+          </p:nvPr>
+        </p:nvSpPr>
+        <p:spPr/>
+        <p:txBody>
+          <a:bodyPr/>
+          <a:lstStyle/>
+          <a:p>
+            <a:r>
+              <a:rPr lang="en-US" b="1" dirty="0" smtClean="0"/>
+              <a:t>Task class Implementation </a:t>
+            </a:r>
+            <a:endParaRPr lang="en-US" b="1" dirty="0"/>
+          </a:p>
+        </p:txBody>
+      </p:sp>
+      <p:sp>
+        <p:nvSpPr>
+          <p:cNvPr id="3" name="Content Placeholder 2"/>
+          <p:cNvSpPr>
+            <a:spLocks noGrp="1"/>
+          </p:cNvSpPr>
+          <p:nvPr>
+            <p:ph idx="1"/>
+          </p:nvPr>
+        </p:nvSpPr>
+        <p:spPr/>
+        <p:txBody>
+          <a:bodyPr/>
+          <a:lstStyle/>
+          <a:p>
+            <a:r>
+              <a:rPr lang="en-US" dirty="0"/>
+              <a:t>I</a:t>
+            </a:r>
+            <a:r>
+              <a:rPr lang="en-US" dirty="0" smtClean="0"/>
+              <a:t>mplement a Task, </a:t>
+            </a:r>
+            <a:r>
+              <a:rPr lang="en-US" smtClean="0"/>
+              <a:t>subclass </a:t>
+            </a:r>
+            <a:r>
+              <a:rPr lang="en-US" i="1" smtClean="0"/>
+              <a:t>luigi.Task</a:t>
+            </a:r>
+            <a:r>
+              <a:rPr lang="en-US" smtClean="0"/>
+              <a:t> </a:t>
+            </a:r>
+            <a:r>
+              <a:rPr lang="en-US" dirty="0" smtClean="0"/>
+              <a:t>and implement the following 3 methods:</a:t>
+            </a:r>
+          </a:p>
+          <a:p>
+            <a:pPr lvl="1"/>
+            <a:r>
+              <a:rPr lang="en-US" dirty="0" smtClean="0">
+                <a:solidFill>
+                  <a:srgbClr val="00B050"/>
+                </a:solidFill>
+                <a:latin typeface="Courier" charset="0"/>
+                <a:ea typeface="Courier" charset="0"/>
+                <a:cs typeface="Courier" charset="0"/>
+              </a:rPr>
+              <a:t>run()</a:t>
+            </a:r>
+            <a:r>
+              <a:rPr lang="en-US" dirty="0" smtClean="0"/>
+              <a:t/>
+            </a:r>
+            <a:br>
+              <a:rPr lang="en-US" dirty="0" smtClean="0"/>
+            </a:br>
+            <a:r>
+              <a:rPr lang="en-US" dirty="0" smtClean="0"/>
+              <a:t>- contains the logic needed to achieve purpose of Task</a:t>
+            </a:r>
+          </a:p>
+          <a:p>
+            <a:pPr lvl="1"/>
+            <a:r>
+              <a:rPr lang="en-US" dirty="0">
+                <a:solidFill>
+                  <a:srgbClr val="00B050"/>
+                </a:solidFill>
+                <a:latin typeface="Courier" charset="0"/>
+                <a:ea typeface="Courier" charset="0"/>
+                <a:cs typeface="Courier" charset="0"/>
+              </a:rPr>
+              <a:t>o</a:t>
+            </a:r>
+            <a:r>
+              <a:rPr lang="en-US" dirty="0" smtClean="0">
+                <a:solidFill>
+                  <a:srgbClr val="00B050"/>
+                </a:solidFill>
+                <a:latin typeface="Courier" charset="0"/>
+                <a:ea typeface="Courier" charset="0"/>
+                <a:cs typeface="Courier" charset="0"/>
+              </a:rPr>
+              <a:t>utput()</a:t>
+            </a:r>
+            <a:r>
+              <a:rPr lang="en-US" dirty="0" smtClean="0"/>
+              <a:t/>
+            </a:r>
+            <a:br>
+              <a:rPr lang="en-US" dirty="0" smtClean="0"/>
+            </a:br>
+            <a:r>
+              <a:rPr lang="en-US" dirty="0" smtClean="0"/>
+              <a:t>- returns one or more Target objects.</a:t>
+            </a:r>
+          </a:p>
+          <a:p>
+            <a:pPr lvl="1"/>
+            <a:r>
+              <a:rPr lang="en-US" dirty="0">
+                <a:solidFill>
+                  <a:srgbClr val="00B050"/>
+                </a:solidFill>
+              </a:rPr>
+              <a:t>r</a:t>
+            </a:r>
+            <a:r>
+              <a:rPr lang="en-US" dirty="0" smtClean="0">
+                <a:solidFill>
+                  <a:srgbClr val="00B050"/>
+                </a:solidFill>
+              </a:rPr>
+              <a:t>equires()</a:t>
+            </a:r>
+            <a:r>
+              <a:rPr lang="en-US" dirty="0" smtClean="0"/>
+              <a:t/>
+            </a:r>
+            <a:br>
+              <a:rPr lang="en-US" dirty="0" smtClean="0"/>
+            </a:br>
+            <a:r>
+              <a:rPr lang="en-US" dirty="0" smtClean="0"/>
+              <a:t>- specifies dependencies on a preceding Task object.</a:t>
+            </a:r>
+          </a:p>
+        </p:txBody>
+      </p:sp>
+      <p:pic>
+        <p:nvPicPr>
+          <p:cNvPr id="4" name="Picture 3"/>
+          <p:cNvPicPr>
+            <a:picLocks noChangeAspect="1"/>
+          </p:cNvPicPr>
+          <p:nvPr/>
+        </p:nvPicPr>
+        <p:blipFill>
+          <a:blip r:embed="rId3">
             <a:extLst>
               <a:ext uri="{28A0092B-C50C-407E-A947-70E740481C1C}">
                 <a14:useLocalDpi xmlns:a14="http://schemas.microsoft.com/office/drawing/2010/main" val="0"/>
@@ -5375,7 +8927,7 @@
 </p:sld>
 </file>
 
-<file path=ppt/slides/slide16.xml><?xml version="1.0" encoding="utf-8"?>
+<file path=ppt/slides/slide17.xml><?xml version="1.0" encoding="utf-8"?>
 <p:sld xmlns:a="http://schemas.openxmlformats.org/drawingml/2006/main" xmlns:r="http://schemas.openxmlformats.org/officeDocument/2006/relationships" xmlns:p="http://schemas.openxmlformats.org/presentationml/2006/main">
   <p:cSld>
     <p:spTree>
@@ -5786,18 +9338,18 @@
                 <a:ea typeface="Courier" charset="0"/>
                 <a:cs typeface="Courier" charset="0"/>
               </a:rPr>
-              <a:t>        return </a:t>
-            </a:r>
-            <a:r>
-              <a:rPr lang="en-US" sz="2200" dirty="0" err="1" smtClean="0">
-                <a:solidFill>
-                  <a:srgbClr val="00B050"/>
-                </a:solidFill>
-                <a:latin typeface="Courier" charset="0"/>
-                <a:ea typeface="Courier" charset="0"/>
-                <a:cs typeface="Courier" charset="0"/>
-              </a:rPr>
-              <a:t>ETLTask</a:t>
+              <a:t>        </a:t>
+            </a:r>
+            <a:r>
+              <a:rPr lang="en-US" sz="2200" smtClean="0">
+                <a:solidFill>
+                  <a:srgbClr val="00B050"/>
+                </a:solidFill>
+                <a:latin typeface="Courier" charset="0"/>
+                <a:ea typeface="Courier" charset="0"/>
+                <a:cs typeface="Courier" charset="0"/>
+              </a:rPr>
+              <a:t>return AggregateTask</a:t>
             </a:r>
             <a:r>
               <a:rPr lang="en-US" sz="2200" dirty="0" smtClean="0">
@@ -5991,10 +9543,21 @@
                 <a:ea typeface="Courier" charset="0"/>
                 <a:cs typeface="Courier" charset="0"/>
               </a:rPr>
-              <a:t>       return luigi.s3.s3Target(</a:t>
-            </a:r>
-            <a:r>
-              <a:rPr lang="en-US" sz="2200" dirty="0" err="1" smtClean="0">
+              <a:t>       return </a:t>
+            </a:r>
+            <a:r>
+              <a:rPr lang="en-US" sz="2200" smtClean="0">
+                <a:solidFill>
+                  <a:srgbClr val="00B050"/>
+                </a:solidFill>
+                <a:latin typeface="Courier" charset="0"/>
+                <a:ea typeface="Courier" charset="0"/>
+                <a:cs typeface="Courier" charset="0"/>
+              </a:rPr>
+              <a:t>luigi.s3.s3Target(</a:t>
+            </a:r>
+            <a:r>
+              <a:rPr lang="en-US" sz="2200" err="1" smtClean="0">
                 <a:solidFill>
                   <a:srgbClr val="00B050"/>
                 </a:solidFill>
@@ -6005,7 +9568,7 @@
               <a:t>report_path</a:t>
             </a:r>
             <a:r>
-              <a:rPr lang="en-US" sz="2200" dirty="0" smtClean="0">
+              <a:rPr lang="en-US" sz="2200" smtClean="0">
                 <a:solidFill>
                   <a:srgbClr val="00B050"/>
                 </a:solidFill>
@@ -6015,14 +9578,59 @@
               </a:rPr>
               <a:t>)</a:t>
             </a:r>
-            <a:endParaRPr lang="en-US" sz="2200" dirty="0">
-              <a:solidFill>
-                <a:srgbClr val="00B050"/>
-              </a:solidFill>
-              <a:latin typeface="Courier" charset="0"/>
-              <a:ea typeface="Courier" charset="0"/>
-              <a:cs typeface="Courier" charset="0"/>
-            </a:endParaRPr>
+            <a:br>
+              <a:rPr lang="en-US" sz="2200" smtClean="0">
+                <a:solidFill>
+                  <a:srgbClr val="00B050"/>
+                </a:solidFill>
+                <a:latin typeface="Courier" charset="0"/>
+                <a:ea typeface="Courier" charset="0"/>
+                <a:cs typeface="Courier" charset="0"/>
+              </a:rPr>
+            </a:br>
+            <a:r>
+              <a:rPr lang="en-US" sz="2200" smtClean="0">
+                <a:solidFill>
+                  <a:srgbClr val="00B050"/>
+                </a:solidFill>
+                <a:latin typeface="Courier" charset="0"/>
+                <a:ea typeface="Courier" charset="0"/>
+                <a:cs typeface="Courier" charset="0"/>
+              </a:rPr>
+              <a:t>if __name==“__main__”:</a:t>
+            </a:r>
+            <a:r>
+              <a:rPr lang="en-US" sz="2200" smtClean="0">
+                <a:solidFill>
+                  <a:srgbClr val="00B050"/>
+                </a:solidFill>
+                <a:latin typeface="Courier" charset="0"/>
+                <a:ea typeface="Courier" charset="0"/>
+                <a:cs typeface="Courier" charset="0"/>
+              </a:rPr>
+              <a:t/>
+            </a:r>
+            <a:br>
+              <a:rPr lang="en-US" sz="2200" smtClean="0">
+                <a:solidFill>
+                  <a:srgbClr val="00B050"/>
+                </a:solidFill>
+                <a:latin typeface="Courier" charset="0"/>
+                <a:ea typeface="Courier" charset="0"/>
+                <a:cs typeface="Courier" charset="0"/>
+              </a:rPr>
+            </a:br>
+            <a:r>
+              <a:rPr lang="en-US" sz="2200" smtClean="0">
+                <a:solidFill>
+                  <a:srgbClr val="00B050"/>
+                </a:solidFill>
+                <a:latin typeface="Courier" charset="0"/>
+                <a:ea typeface="Courier" charset="0"/>
+                <a:cs typeface="Courier" charset="0"/>
+              </a:rPr>
+              <a:t>    luigi.run()</a:t>
+            </a:r>
           </a:p>
         </p:txBody>
       </p:sp>
@@ -6035,7 +9643,7 @@
           <p:nvPr/>
         </p:nvPicPr>
         <p:blipFill>
-          <a:blip r:embed="rId2">
+          <a:blip r:embed="rId3">
             <a:extLst>
               <a:ext uri="{28A0092B-C50C-407E-A947-70E740481C1C}">
                 <a14:useLocalDpi xmlns:a14="http://schemas.microsoft.com/office/drawing/2010/main" val="0"/>
@@ -6076,7 +9684,7 @@
 </p:sld>
 </file>
 
-<file path=ppt/slides/slide17.xml><?xml version="1.0" encoding="utf-8"?>
+<file path=ppt/slides/slide18.xml><?xml version="1.0" encoding="utf-8"?>
 <p:sld xmlns:a="http://schemas.openxmlformats.org/drawingml/2006/main" xmlns:r="http://schemas.openxmlformats.org/officeDocument/2006/relationships" xmlns:p="http://schemas.openxmlformats.org/presentationml/2006/main">
   <p:cSld>
     <p:spTree>
@@ -6234,7 +9842,7 @@
           <p:nvPr/>
         </p:nvPicPr>
         <p:blipFill>
-          <a:blip r:embed="rId2">
+          <a:blip r:embed="rId3">
             <a:extLst>
               <a:ext uri="{28A0092B-C50C-407E-A947-70E740481C1C}">
                 <a14:useLocalDpi xmlns:a14="http://schemas.microsoft.com/office/drawing/2010/main" val="0"/>
@@ -6275,7 +9883,7 @@
 </p:sld>
 </file>
 
-<file path=ppt/slides/slide18.xml><?xml version="1.0" encoding="utf-8"?>
+<file path=ppt/slides/slide19.xml><?xml version="1.0" encoding="utf-8"?>
 <p:sld xmlns:a="http://schemas.openxmlformats.org/drawingml/2006/main" xmlns:r="http://schemas.openxmlformats.org/officeDocument/2006/relationships" xmlns:p="http://schemas.openxmlformats.org/presentationml/2006/main">
   <p:cSld>
     <p:spTree>
@@ -6393,8 +10001,12 @@
           </a:p>
           <a:p>
             <a:r>
-              <a:rPr lang="en-US" dirty="0" smtClean="0"/>
-              <a:t>Great visualization tools to track progress of job.</a:t>
+              <a:rPr lang="en-US" smtClean="0"/>
+              <a:t>Decent visualization tool (UI) </a:t>
+            </a:r>
+            <a:r>
+              <a:rPr lang="en-US" dirty="0" smtClean="0"/>
+              <a:t>to track progress of job.</a:t>
             </a:r>
           </a:p>
           <a:p>
@@ -6415,7 +10027,7 @@
           <p:nvPr/>
         </p:nvPicPr>
         <p:blipFill>
-          <a:blip r:embed="rId2">
+          <a:blip r:embed="rId3">
             <a:extLst>
               <a:ext uri="{28A0092B-C50C-407E-A947-70E740481C1C}">
                 <a14:useLocalDpi xmlns:a14="http://schemas.microsoft.com/office/drawing/2010/main" val="0"/>
@@ -6456,138 +10068,6 @@
 </p:sld>
 </file>
 
-<file path=ppt/slides/slide19.xml><?xml version="1.0" encoding="utf-8"?>
-<p:sld xmlns:a="http://schemas.openxmlformats.org/drawingml/2006/main" xmlns:r="http://schemas.openxmlformats.org/officeDocument/2006/relationships" xmlns:p="http://schemas.openxmlformats.org/presentationml/2006/main">
-  <p:cSld>
-    <p:spTree>
-      <p:nvGrpSpPr>
-        <p:cNvPr id="1" name=""/>
-        <p:cNvGrpSpPr/>
-        <p:nvPr/>
-      </p:nvGrpSpPr>
-      <p:grpSpPr>
-        <a:xfrm>
-          <a:off x="0" y="0"/>
-          <a:ext cx="0" cy="0"/>
-          <a:chOff x="0" y="0"/>
-          <a:chExt cx="0" cy="0"/>
-        </a:xfrm>
-      </p:grpSpPr>
-      <p:sp>
-        <p:nvSpPr>
-          <p:cNvPr id="2" name="Title 1"/>
-          <p:cNvSpPr>
-            <a:spLocks noGrp="1"/>
-          </p:cNvSpPr>
-          <p:nvPr>
-            <p:ph type="title"/>
-          </p:nvPr>
-        </p:nvSpPr>
-        <p:spPr/>
-        <p:txBody>
-          <a:bodyPr/>
-          <a:lstStyle/>
-          <a:p>
-            <a:r>
-              <a:rPr lang="en-US" b="1" dirty="0" smtClean="0"/>
-              <a:t>Limitations      </a:t>
-            </a:r>
-            <a:endParaRPr lang="en-US" b="1" dirty="0"/>
-          </a:p>
-        </p:txBody>
-      </p:sp>
-      <p:sp>
-        <p:nvSpPr>
-          <p:cNvPr id="3" name="Content Placeholder 2"/>
-          <p:cNvSpPr>
-            <a:spLocks noGrp="1"/>
-          </p:cNvSpPr>
-          <p:nvPr>
-            <p:ph idx="1"/>
-          </p:nvPr>
-        </p:nvSpPr>
-        <p:spPr/>
-        <p:txBody>
-          <a:bodyPr/>
-          <a:lstStyle/>
-          <a:p>
-            <a:r>
-              <a:rPr lang="en-US" dirty="0" smtClean="0"/>
-              <a:t>No built-in task triggering/scheduling. Reliant on </a:t>
-            </a:r>
-            <a:r>
-              <a:rPr lang="en-US" dirty="0" err="1" smtClean="0"/>
-              <a:t>cron</a:t>
-            </a:r>
-            <a:r>
-              <a:rPr lang="en-US" dirty="0" smtClean="0"/>
-              <a:t> or similar mechanism to trigger pipeline runs.</a:t>
-            </a:r>
-          </a:p>
-          <a:p>
-            <a:r>
-              <a:rPr lang="en-US" dirty="0" smtClean="0"/>
-              <a:t>Focus is on batch processing so not as useful for real-time pipelines or stream processing.</a:t>
-            </a:r>
-          </a:p>
-          <a:p>
-            <a:r>
-              <a:rPr lang="en-US" dirty="0" smtClean="0"/>
-              <a:t>Requires writing to file at every stage - cannot write output from 1 stage to another   via in-memory buffer.</a:t>
-            </a:r>
-          </a:p>
-        </p:txBody>
-      </p:sp>
-      <p:pic>
-        <p:nvPicPr>
-          <p:cNvPr id="4" name="Picture 3"/>
-          <p:cNvPicPr>
-            <a:picLocks noChangeAspect="1"/>
-          </p:cNvPicPr>
-          <p:nvPr/>
-        </p:nvPicPr>
-        <p:blipFill>
-          <a:blip r:embed="rId2">
-            <a:extLst>
-              <a:ext uri="{28A0092B-C50C-407E-A947-70E740481C1C}">
-                <a14:useLocalDpi xmlns:a14="http://schemas.microsoft.com/office/drawing/2010/main" val="0"/>
-              </a:ext>
-            </a:extLst>
-          </a:blip>
-          <a:stretch>
-            <a:fillRect/>
-          </a:stretch>
-        </p:blipFill>
-        <p:spPr>
-          <a:xfrm>
-            <a:off x="4522694" y="365125"/>
-            <a:ext cx="2463801" cy="1316068"/>
-          </a:xfrm>
-          <a:prstGeom prst="rect">
-            <a:avLst/>
-          </a:prstGeom>
-        </p:spPr>
-      </p:pic>
-    </p:spTree>
-    <p:extLst>
-      <p:ext uri="{BB962C8B-B14F-4D97-AF65-F5344CB8AC3E}">
-        <p14:creationId xmlns:p14="http://schemas.microsoft.com/office/powerpoint/2010/main" val="450858624"/>
-      </p:ext>
-    </p:extLst>
-  </p:cSld>
-  <p:clrMapOvr>
-    <a:masterClrMapping/>
-  </p:clrMapOvr>
-  <p:timing>
-    <p:tnLst>
-      <p:par>
-        <p:cTn id="1" dur="indefinite" restart="never" nodeType="tmRoot"/>
-      </p:par>
-    </p:tnLst>
-  </p:timing>
-</p:sld>
-</file>
-
 <file path=ppt/slides/slide2.xml><?xml version="1.0" encoding="utf-8"?>
 <p:sld xmlns:a="http://schemas.openxmlformats.org/drawingml/2006/main" xmlns:r="http://schemas.openxmlformats.org/officeDocument/2006/relationships" xmlns:p="http://schemas.openxmlformats.org/presentationml/2006/main">
   <p:cSld>
@@ -6622,8 +10102,8 @@
           <a:p>
             <a:pPr algn="ctr"/>
             <a:r>
-              <a:rPr lang="en-US" dirty="0" smtClean="0"/>
-              <a:t>Nice to meet you</a:t>
+              <a:rPr lang="en-US" smtClean="0"/>
+              <a:t>Who am I</a:t>
             </a:r>
             <a:endParaRPr lang="en-US" dirty="0"/>
           </a:p>
@@ -6651,12 +10131,34 @@
           </a:p>
           <a:p>
             <a:r>
-              <a:rPr lang="en-US" dirty="0" smtClean="0"/>
-              <a:t>@</a:t>
-            </a:r>
-            <a:r>
-              <a:rPr lang="en-US" dirty="0" err="1" smtClean="0"/>
-              <a:t>dataphanatik</a:t>
+              <a:rPr lang="en-US" smtClean="0"/>
+              <a:t>Twitter : </a:t>
+            </a:r>
+            <a:r>
+              <a:rPr lang="en-US" smtClean="0">
+                <a:solidFill>
+                  <a:schemeClr val="accent2">
+                    <a:lumMod val="75000"/>
+                  </a:schemeClr>
+                </a:solidFill>
+              </a:rPr>
+              <a:t>@dataphanatik</a:t>
+            </a:r>
+          </a:p>
+          <a:p>
+            <a:r>
+              <a:rPr lang="en-US" altLang="en-US" smtClean="0"/>
+              <a:t>Email</a:t>
+            </a:r>
+            <a:r>
+              <a:rPr lang="en-US" altLang="en-US"/>
+              <a:t>: </a:t>
+            </a:r>
+            <a:r>
+              <a:rPr lang="en-US" altLang="en-US" smtClean="0">
+                <a:hlinkClick r:id="rId3"/>
+              </a:rPr>
+              <a:t>femibyte@gmail.com</a:t>
             </a:r>
             <a:endParaRPr lang="en-US" dirty="0" smtClean="0"/>
           </a:p>
@@ -6692,7 +10194,7 @@
           <p:nvPr/>
         </p:nvPicPr>
         <p:blipFill>
-          <a:blip r:embed="rId2">
+          <a:blip r:embed="rId4">
             <a:extLst>
               <a:ext uri="{28A0092B-C50C-407E-A947-70E740481C1C}">
                 <a14:useLocalDpi xmlns:a14="http://schemas.microsoft.com/office/drawing/2010/main" val="0"/>
@@ -6767,7 +10269,7 @@
           <a:p>
             <a:r>
               <a:rPr lang="en-US" b="1" dirty="0" smtClean="0"/>
-              <a:t>Introduction to Airflow    </a:t>
+              <a:t>Limitations      </a:t>
             </a:r>
             <a:endParaRPr lang="en-US" b="1" dirty="0"/>
           </a:p>
@@ -6789,47 +10291,48 @@
           <a:lstStyle/>
           <a:p>
             <a:r>
-              <a:rPr lang="en-US" dirty="0"/>
-              <a:t>W</a:t>
-            </a:r>
-            <a:r>
-              <a:rPr lang="en-US" dirty="0" smtClean="0"/>
-              <a:t>orkflow management and orchestration tool </a:t>
-            </a:r>
-          </a:p>
-          <a:p>
-            <a:r>
-              <a:rPr lang="en-US" dirty="0" smtClean="0"/>
-              <a:t>W</a:t>
-            </a:r>
-            <a:r>
-              <a:rPr lang="en-US" dirty="0" smtClean="0"/>
-              <a:t>ritten in Python.</a:t>
-            </a:r>
-          </a:p>
-          <a:p>
-            <a:r>
-              <a:rPr lang="en-US" dirty="0" smtClean="0"/>
-              <a:t>Created by folks at Airbnb</a:t>
-            </a:r>
-          </a:p>
-          <a:p>
-            <a:r>
-              <a:rPr lang="en-US" dirty="0" smtClean="0"/>
-              <a:t>Maintained as an Apache Foundation project</a:t>
-            </a:r>
-          </a:p>
-          <a:p>
-            <a:r>
-              <a:rPr lang="en-US" dirty="0" smtClean="0"/>
-              <a:t>Large set of features including UI, scheduler, command line interface</a:t>
-            </a:r>
-          </a:p>
-          <a:p>
+              <a:rPr lang="en-US" dirty="0" smtClean="0"/>
+              <a:t>No built-in task triggering/scheduling. Reliant on </a:t>
+            </a:r>
+            <a:r>
+              <a:rPr lang="en-US" dirty="0" err="1" smtClean="0"/>
+              <a:t>cron</a:t>
+            </a:r>
+            <a:r>
+              <a:rPr lang="en-US" dirty="0" smtClean="0"/>
+              <a:t> or similar mechanism to trigger pipeline runs.</a:t>
+            </a:r>
+          </a:p>
+          <a:p>
+            <a:r>
+              <a:rPr lang="en-US" dirty="0" smtClean="0"/>
+              <a:t>Focus is on batch processing so not as useful for real-time pipelines or stream </a:t>
+            </a:r>
+            <a:r>
+              <a:rPr lang="en-US" smtClean="0"/>
+              <a:t>processing.</a:t>
+            </a:r>
+          </a:p>
+          <a:p>
+            <a:r>
+              <a:rPr lang="en-US"/>
+              <a:t>Relatively small number of Tasks, because requires writing subclasses for unique tasks.</a:t>
+            </a:r>
             <a:endParaRPr lang="en-US" dirty="0" smtClean="0"/>
           </a:p>
           <a:p>
-            <a:endParaRPr lang="en-US" dirty="0"/>
+            <a:r>
+              <a:rPr lang="en-US" dirty="0" smtClean="0"/>
+              <a:t>Requires writing to file at every stage - cannot write output from 1 stage to </a:t>
+            </a:r>
+            <a:r>
+              <a:rPr lang="en-US" smtClean="0"/>
+              <a:t>another  via </a:t>
+            </a:r>
+            <a:r>
+              <a:rPr lang="en-US" dirty="0" smtClean="0"/>
+              <a:t>in-memory buffer.</a:t>
+            </a:r>
           </a:p>
         </p:txBody>
       </p:sp>
@@ -6842,7 +10345,157 @@
           <p:nvPr/>
         </p:nvPicPr>
         <p:blipFill>
-          <a:blip r:embed="rId2">
+          <a:blip r:embed="rId3">
+            <a:extLst>
+              <a:ext uri="{28A0092B-C50C-407E-A947-70E740481C1C}">
+                <a14:useLocalDpi xmlns:a14="http://schemas.microsoft.com/office/drawing/2010/main" val="0"/>
+              </a:ext>
+            </a:extLst>
+          </a:blip>
+          <a:stretch>
+            <a:fillRect/>
+          </a:stretch>
+        </p:blipFill>
+        <p:spPr>
+          <a:xfrm>
+            <a:off x="4522694" y="365125"/>
+            <a:ext cx="2463801" cy="1316068"/>
+          </a:xfrm>
+          <a:prstGeom prst="rect">
+            <a:avLst/>
+          </a:prstGeom>
+        </p:spPr>
+      </p:pic>
+    </p:spTree>
+    <p:extLst>
+      <p:ext uri="{BB962C8B-B14F-4D97-AF65-F5344CB8AC3E}">
+        <p14:creationId xmlns:p14="http://schemas.microsoft.com/office/powerpoint/2010/main" val="450858624"/>
+      </p:ext>
+    </p:extLst>
+  </p:cSld>
+  <p:clrMapOvr>
+    <a:masterClrMapping/>
+  </p:clrMapOvr>
+  <p:timing>
+    <p:tnLst>
+      <p:par>
+        <p:cTn id="1" dur="indefinite" restart="never" nodeType="tmRoot"/>
+      </p:par>
+    </p:tnLst>
+  </p:timing>
+</p:sld>
+</file>
+
+<file path=ppt/slides/slide21.xml><?xml version="1.0" encoding="utf-8"?>
+<p:sld xmlns:a="http://schemas.openxmlformats.org/drawingml/2006/main" xmlns:r="http://schemas.openxmlformats.org/officeDocument/2006/relationships" xmlns:p="http://schemas.openxmlformats.org/presentationml/2006/main">
+  <p:cSld>
+    <p:spTree>
+      <p:nvGrpSpPr>
+        <p:cNvPr id="1" name=""/>
+        <p:cNvGrpSpPr/>
+        <p:nvPr/>
+      </p:nvGrpSpPr>
+      <p:grpSpPr>
+        <a:xfrm>
+          <a:off x="0" y="0"/>
+          <a:ext cx="0" cy="0"/>
+          <a:chOff x="0" y="0"/>
+          <a:chExt cx="0" cy="0"/>
+        </a:xfrm>
+      </p:grpSpPr>
+      <p:sp>
+        <p:nvSpPr>
+          <p:cNvPr id="2" name="Title 1"/>
+          <p:cNvSpPr>
+            <a:spLocks noGrp="1"/>
+          </p:cNvSpPr>
+          <p:nvPr>
+            <p:ph type="title"/>
+          </p:nvPr>
+        </p:nvSpPr>
+        <p:spPr/>
+        <p:txBody>
+          <a:bodyPr/>
+          <a:lstStyle/>
+          <a:p>
+            <a:r>
+              <a:rPr lang="en-US" b="1" dirty="0" smtClean="0"/>
+              <a:t>Introduction to Airflow    </a:t>
+            </a:r>
+            <a:endParaRPr lang="en-US" b="1" dirty="0"/>
+          </a:p>
+        </p:txBody>
+      </p:sp>
+      <p:sp>
+        <p:nvSpPr>
+          <p:cNvPr id="3" name="Content Placeholder 2"/>
+          <p:cNvSpPr>
+            <a:spLocks noGrp="1"/>
+          </p:cNvSpPr>
+          <p:nvPr>
+            <p:ph idx="1"/>
+          </p:nvPr>
+        </p:nvSpPr>
+        <p:spPr/>
+        <p:txBody>
+          <a:bodyPr/>
+          <a:lstStyle/>
+          <a:p>
+            <a:r>
+              <a:rPr lang="en-US" dirty="0"/>
+              <a:t>W</a:t>
+            </a:r>
+            <a:r>
+              <a:rPr lang="en-US" dirty="0" smtClean="0"/>
+              <a:t>orkflow management and orchestration tool </a:t>
+            </a:r>
+          </a:p>
+          <a:p>
+            <a:r>
+              <a:rPr lang="en-US" dirty="0" smtClean="0"/>
+              <a:t>W</a:t>
+            </a:r>
+            <a:r>
+              <a:rPr lang="en-US" dirty="0" smtClean="0"/>
+              <a:t>ritten in Python.</a:t>
+            </a:r>
+          </a:p>
+          <a:p>
+            <a:r>
+              <a:rPr lang="en-US" dirty="0" smtClean="0"/>
+              <a:t>Created by folks at Airbnb</a:t>
+            </a:r>
+          </a:p>
+          <a:p>
+            <a:r>
+              <a:rPr lang="en-US" dirty="0" smtClean="0"/>
+              <a:t>Maintained as an Apache Foundation project</a:t>
+            </a:r>
+          </a:p>
+          <a:p>
+            <a:r>
+              <a:rPr lang="en-US" dirty="0" smtClean="0"/>
+              <a:t>Large set of features including UI, scheduler, command line interface</a:t>
+            </a:r>
+          </a:p>
+          <a:p>
+            <a:endParaRPr lang="en-US" dirty="0" smtClean="0"/>
+          </a:p>
+          <a:p>
+            <a:endParaRPr lang="en-US" dirty="0"/>
+          </a:p>
+        </p:txBody>
+      </p:sp>
+      <p:pic>
+        <p:nvPicPr>
+          <p:cNvPr id="4" name="Picture 3"/>
+          <p:cNvPicPr>
+            <a:picLocks noChangeAspect="1"/>
+          </p:cNvPicPr>
+          <p:nvPr/>
+        </p:nvPicPr>
+        <p:blipFill>
+          <a:blip r:embed="rId3">
             <a:extLst>
               <a:ext uri="{28A0092B-C50C-407E-A947-70E740481C1C}">
                 <a14:useLocalDpi xmlns:a14="http://schemas.microsoft.com/office/drawing/2010/main" val="0"/>
@@ -6883,7 +10536,7 @@
 </p:sld>
 </file>
 
-<file path=ppt/slides/slide21.xml><?xml version="1.0" encoding="utf-8"?>
+<file path=ppt/slides/slide22.xml><?xml version="1.0" encoding="utf-8"?>
 <p:sld xmlns:a="http://schemas.openxmlformats.org/drawingml/2006/main" xmlns:r="http://schemas.openxmlformats.org/officeDocument/2006/relationships" xmlns:p="http://schemas.openxmlformats.org/presentationml/2006/main">
   <p:cSld>
     <p:spTree>
@@ -6993,7 +10646,7 @@
           <p:nvPr/>
         </p:nvPicPr>
         <p:blipFill>
-          <a:blip r:embed="rId2">
+          <a:blip r:embed="rId3">
             <a:extLst>
               <a:ext uri="{28A0092B-C50C-407E-A947-70E740481C1C}">
                 <a14:useLocalDpi xmlns:a14="http://schemas.microsoft.com/office/drawing/2010/main" val="0"/>
@@ -7034,7 +10687,7 @@
 </p:sld>
 </file>
 
-<file path=ppt/slides/slide22.xml><?xml version="1.0" encoding="utf-8"?>
+<file path=ppt/slides/slide23.xml><?xml version="1.0" encoding="utf-8"?>
 <p:sld xmlns:a="http://schemas.openxmlformats.org/drawingml/2006/main" xmlns:r="http://schemas.openxmlformats.org/officeDocument/2006/relationships" xmlns:p="http://schemas.openxmlformats.org/presentationml/2006/main">
   <p:cSld>
     <p:spTree>
@@ -7194,7 +10847,7 @@
           <p:nvPr/>
         </p:nvPicPr>
         <p:blipFill>
-          <a:blip r:embed="rId2">
+          <a:blip r:embed="rId3">
             <a:extLst>
               <a:ext uri="{28A0092B-C50C-407E-A947-70E740481C1C}">
                 <a14:useLocalDpi xmlns:a14="http://schemas.microsoft.com/office/drawing/2010/main" val="0"/>
@@ -7235,7 +10888,7 @@
 </p:sld>
 </file>
 
-<file path=ppt/slides/slide23.xml><?xml version="1.0" encoding="utf-8"?>
+<file path=ppt/slides/slide24.xml><?xml version="1.0" encoding="utf-8"?>
 <p:sld xmlns:a="http://schemas.openxmlformats.org/drawingml/2006/main" xmlns:r="http://schemas.openxmlformats.org/officeDocument/2006/relationships" xmlns:p="http://schemas.openxmlformats.org/presentationml/2006/main">
   <p:cSld>
     <p:spTree>
@@ -7268,6 +10921,125 @@
           <a:lstStyle/>
           <a:p>
             <a:r>
+              <a:rPr lang="en-US" smtClean="0"/>
+              <a:t>Airflow UI   </a:t>
+            </a:r>
+            <a:endParaRPr lang="en-US"/>
+          </a:p>
+        </p:txBody>
+      </p:sp>
+      <p:pic>
+        <p:nvPicPr>
+          <p:cNvPr id="4" name="Content Placeholder 3"/>
+          <p:cNvPicPr>
+            <a:picLocks noGrp="1" noChangeAspect="1"/>
+          </p:cNvPicPr>
+          <p:nvPr>
+            <p:ph idx="1"/>
+          </p:nvPr>
+        </p:nvPicPr>
+        <p:blipFill>
+          <a:blip r:embed="rId3">
+            <a:extLst>
+              <a:ext uri="{28A0092B-C50C-407E-A947-70E740481C1C}">
+                <a14:useLocalDpi xmlns:a14="http://schemas.microsoft.com/office/drawing/2010/main" val="0"/>
+              </a:ext>
+            </a:extLst>
+          </a:blip>
+          <a:stretch>
+            <a:fillRect/>
+          </a:stretch>
+        </p:blipFill>
+        <p:spPr>
+          <a:xfrm>
+            <a:off x="1947050" y="1825625"/>
+            <a:ext cx="8297900" cy="4351338"/>
+          </a:xfrm>
+        </p:spPr>
+      </p:pic>
+      <p:pic>
+        <p:nvPicPr>
+          <p:cNvPr id="5" name="Picture 4"/>
+          <p:cNvPicPr>
+            <a:picLocks noChangeAspect="1"/>
+          </p:cNvPicPr>
+          <p:nvPr/>
+        </p:nvPicPr>
+        <p:blipFill>
+          <a:blip r:embed="rId4">
+            <a:extLst>
+              <a:ext uri="{28A0092B-C50C-407E-A947-70E740481C1C}">
+                <a14:useLocalDpi xmlns:a14="http://schemas.microsoft.com/office/drawing/2010/main" val="0"/>
+              </a:ext>
+            </a:extLst>
+          </a:blip>
+          <a:stretch>
+            <a:fillRect/>
+          </a:stretch>
+        </p:blipFill>
+        <p:spPr>
+          <a:xfrm>
+            <a:off x="4522694" y="365125"/>
+            <a:ext cx="1270000" cy="1270000"/>
+          </a:xfrm>
+          <a:prstGeom prst="rect">
+            <a:avLst/>
+          </a:prstGeom>
+        </p:spPr>
+      </p:pic>
+    </p:spTree>
+    <p:extLst>
+      <p:ext uri="{BB962C8B-B14F-4D97-AF65-F5344CB8AC3E}">
+        <p14:creationId xmlns:p14="http://schemas.microsoft.com/office/powerpoint/2010/main" val="1756477674"/>
+      </p:ext>
+    </p:extLst>
+  </p:cSld>
+  <p:clrMapOvr>
+    <a:masterClrMapping/>
+  </p:clrMapOvr>
+  <p:timing>
+    <p:tnLst>
+      <p:par>
+        <p:cTn id="1" dur="indefinite" restart="never" nodeType="tmRoot"/>
+      </p:par>
+    </p:tnLst>
+  </p:timing>
+</p:sld>
+</file>
+
+<file path=ppt/slides/slide25.xml><?xml version="1.0" encoding="utf-8"?>
+<p:sld xmlns:a="http://schemas.openxmlformats.org/drawingml/2006/main" xmlns:r="http://schemas.openxmlformats.org/officeDocument/2006/relationships" xmlns:p="http://schemas.openxmlformats.org/presentationml/2006/main">
+  <p:cSld>
+    <p:spTree>
+      <p:nvGrpSpPr>
+        <p:cNvPr id="1" name=""/>
+        <p:cNvGrpSpPr/>
+        <p:nvPr/>
+      </p:nvGrpSpPr>
+      <p:grpSpPr>
+        <a:xfrm>
+          <a:off x="0" y="0"/>
+          <a:ext cx="0" cy="0"/>
+          <a:chOff x="0" y="0"/>
+          <a:chExt cx="0" cy="0"/>
+        </a:xfrm>
+      </p:grpSpPr>
+      <p:sp>
+        <p:nvSpPr>
+          <p:cNvPr id="2" name="Title 1"/>
+          <p:cNvSpPr>
+            <a:spLocks noGrp="1"/>
+          </p:cNvSpPr>
+          <p:nvPr>
+            <p:ph type="title"/>
+          </p:nvPr>
+        </p:nvSpPr>
+        <p:spPr/>
+        <p:txBody>
+          <a:bodyPr/>
+          <a:lstStyle/>
+          <a:p>
+            <a:r>
               <a:rPr lang="en-US" b="1" dirty="0" smtClean="0"/>
               <a:t>Airflow Code – Concepts  </a:t>
             </a:r>
@@ -7378,7 +11150,7 @@
                 <a:solidFill>
                   <a:srgbClr val="0070C0"/>
                 </a:solidFill>
-                <a:hlinkClick r:id="rId2"/>
+                <a:hlinkClick r:id="rId3"/>
               </a:rPr>
               <a:t>https://pythonhosted.org/airflow/code.html#operators</a:t>
             </a:r>
@@ -7510,7 +11282,7 @@
           <p:nvPr/>
         </p:nvPicPr>
         <p:blipFill>
-          <a:blip r:embed="rId3">
+          <a:blip r:embed="rId4">
             <a:extLst>
               <a:ext uri="{28A0092B-C50C-407E-A947-70E740481C1C}">
                 <a14:useLocalDpi xmlns:a14="http://schemas.microsoft.com/office/drawing/2010/main" val="0"/>
@@ -7551,7 +11323,7 @@
 </p:sld>
 </file>
 
-<file path=ppt/slides/slide24.xml><?xml version="1.0" encoding="utf-8"?>
+<file path=ppt/slides/slide26.xml><?xml version="1.0" encoding="utf-8"?>
 <p:sld xmlns:a="http://schemas.openxmlformats.org/drawingml/2006/main" xmlns:r="http://schemas.openxmlformats.org/officeDocument/2006/relationships" xmlns:p="http://schemas.openxmlformats.org/presentationml/2006/main">
   <p:cSld>
     <p:spTree>
@@ -7772,95 +11544,18 @@
               <a:buNone/>
             </a:pPr>
             <a:r>
-              <a:rPr lang="de-DE" sz="2000" dirty="0" err="1" smtClean="0">
-                <a:solidFill>
-                  <a:srgbClr val="00B050"/>
-                </a:solidFill>
-                <a:latin typeface="Courier" charset="0"/>
-                <a:ea typeface="Courier" charset="0"/>
-                <a:cs typeface="Courier" charset="0"/>
-              </a:rPr>
-              <a:t>import</a:t>
-            </a:r>
-            <a:r>
-              <a:rPr lang="de-DE" sz="2000" dirty="0" smtClean="0">
-                <a:solidFill>
-                  <a:srgbClr val="00B050"/>
-                </a:solidFill>
-                <a:latin typeface="Courier" charset="0"/>
-                <a:ea typeface="Courier" charset="0"/>
-                <a:cs typeface="Courier" charset="0"/>
-              </a:rPr>
-              <a:t> </a:t>
-            </a:r>
-            <a:r>
-              <a:rPr lang="de-DE" sz="2000" dirty="0" err="1" smtClean="0">
-                <a:solidFill>
-                  <a:srgbClr val="00B050"/>
-                </a:solidFill>
-                <a:latin typeface="Courier" charset="0"/>
-                <a:ea typeface="Courier" charset="0"/>
-                <a:cs typeface="Courier" charset="0"/>
-              </a:rPr>
-              <a:t>airflow.models</a:t>
-            </a:r>
-            <a:r>
-              <a:rPr lang="de-DE" sz="2000" dirty="0" smtClean="0">
-                <a:solidFill>
-                  <a:srgbClr val="00B050"/>
-                </a:solidFill>
-                <a:latin typeface="Courier" charset="0"/>
-                <a:ea typeface="Courier" charset="0"/>
-                <a:cs typeface="Courier" charset="0"/>
-              </a:rPr>
-              <a:t> </a:t>
-            </a:r>
-            <a:r>
-              <a:rPr lang="de-DE" sz="2000" dirty="0" err="1" smtClean="0">
-                <a:solidFill>
-                  <a:srgbClr val="00B050"/>
-                </a:solidFill>
-                <a:latin typeface="Courier" charset="0"/>
-                <a:ea typeface="Courier" charset="0"/>
-                <a:cs typeface="Courier" charset="0"/>
-              </a:rPr>
-              <a:t>as</a:t>
-            </a:r>
-            <a:r>
-              <a:rPr lang="de-DE" sz="2000" dirty="0" smtClean="0">
-                <a:solidFill>
-                  <a:srgbClr val="00B050"/>
-                </a:solidFill>
-                <a:latin typeface="Courier" charset="0"/>
-                <a:ea typeface="Courier" charset="0"/>
-                <a:cs typeface="Courier" charset="0"/>
-              </a:rPr>
-              <a:t> </a:t>
-            </a:r>
-            <a:r>
-              <a:rPr lang="de-DE" sz="2000" dirty="0" err="1" smtClean="0">
-                <a:solidFill>
-                  <a:srgbClr val="00B050"/>
-                </a:solidFill>
-                <a:latin typeface="Courier" charset="0"/>
-                <a:ea typeface="Courier" charset="0"/>
-                <a:cs typeface="Courier" charset="0"/>
-              </a:rPr>
-              <a:t>afm</a:t>
-            </a:r>
-            <a:r>
-              <a:rPr lang="de-DE" sz="2000" dirty="0" smtClean="0">
-                <a:solidFill>
-                  <a:srgbClr val="00B050"/>
-                </a:solidFill>
-                <a:latin typeface="Courier" charset="0"/>
-                <a:ea typeface="Courier" charset="0"/>
-                <a:cs typeface="Courier" charset="0"/>
-              </a:rPr>
-              <a:t/>
+              <a:rPr lang="de-DE" sz="2000" smtClean="0">
+                <a:solidFill>
+                  <a:srgbClr val="00B050"/>
+                </a:solidFill>
+                <a:latin typeface="Courier" charset="0"/>
+                <a:ea typeface="Courier" charset="0"/>
+                <a:cs typeface="Courier" charset="0"/>
+              </a:rPr>
+              <a:t>import airflow.models as afm</a:t>
             </a:r>
             <a:br>
-              <a:rPr lang="de-DE" sz="2000" dirty="0" smtClean="0">
+              <a:rPr lang="de-DE" sz="2000" smtClean="0">
                 <a:solidFill>
                   <a:srgbClr val="00B050"/>
                 </a:solidFill>
@@ -7870,73 +11565,18 @@
               </a:rPr>
             </a:br>
             <a:r>
-              <a:rPr lang="de-DE" sz="2000" dirty="0" err="1" smtClean="0">
-                <a:solidFill>
-                  <a:srgbClr val="00B050"/>
-                </a:solidFill>
-                <a:latin typeface="Courier" charset="0"/>
-                <a:ea typeface="Courier" charset="0"/>
-                <a:cs typeface="Courier" charset="0"/>
-              </a:rPr>
-              <a:t>from</a:t>
-            </a:r>
-            <a:r>
-              <a:rPr lang="de-DE" sz="2000" dirty="0" smtClean="0">
-                <a:solidFill>
-                  <a:srgbClr val="00B050"/>
-                </a:solidFill>
-                <a:latin typeface="Courier" charset="0"/>
-                <a:ea typeface="Courier" charset="0"/>
-                <a:cs typeface="Courier" charset="0"/>
-              </a:rPr>
-              <a:t> </a:t>
-            </a:r>
-            <a:r>
-              <a:rPr lang="de-DE" sz="2000" dirty="0" err="1" smtClean="0">
-                <a:solidFill>
-                  <a:srgbClr val="00B050"/>
-                </a:solidFill>
-                <a:latin typeface="Courier" charset="0"/>
-                <a:ea typeface="Courier" charset="0"/>
-                <a:cs typeface="Courier" charset="0"/>
-              </a:rPr>
-              <a:t>airflow</a:t>
-            </a:r>
-            <a:r>
-              <a:rPr lang="de-DE" sz="2000" dirty="0" smtClean="0">
-                <a:solidFill>
-                  <a:srgbClr val="00B050"/>
-                </a:solidFill>
-                <a:latin typeface="Courier" charset="0"/>
-                <a:ea typeface="Courier" charset="0"/>
-                <a:cs typeface="Courier" charset="0"/>
-              </a:rPr>
-              <a:t> </a:t>
-            </a:r>
-            <a:r>
-              <a:rPr lang="de-DE" sz="2000" dirty="0" err="1" smtClean="0">
-                <a:solidFill>
-                  <a:srgbClr val="00B050"/>
-                </a:solidFill>
-                <a:latin typeface="Courier" charset="0"/>
-                <a:ea typeface="Courier" charset="0"/>
-                <a:cs typeface="Courier" charset="0"/>
-              </a:rPr>
-              <a:t>import</a:t>
-            </a:r>
-            <a:r>
-              <a:rPr lang="de-DE" sz="2000" dirty="0" smtClean="0">
-                <a:solidFill>
-                  <a:srgbClr val="00B050"/>
-                </a:solidFill>
-                <a:latin typeface="Courier" charset="0"/>
-                <a:ea typeface="Courier" charset="0"/>
-                <a:cs typeface="Courier" charset="0"/>
-              </a:rPr>
-              <a:t> DAG</a:t>
+              <a:rPr lang="de-DE" sz="2000" smtClean="0">
+                <a:solidFill>
+                  <a:srgbClr val="00B050"/>
+                </a:solidFill>
+                <a:latin typeface="Courier" charset="0"/>
+                <a:ea typeface="Courier" charset="0"/>
+                <a:cs typeface="Courier" charset="0"/>
+              </a:rPr>
+              <a:t>from airflow import DAG</a:t>
             </a:r>
             <a:br>
-              <a:rPr lang="de-DE" sz="2000" dirty="0" smtClean="0">
+              <a:rPr lang="de-DE" sz="2000" smtClean="0">
                 <a:solidFill>
                   <a:srgbClr val="00B050"/>
                 </a:solidFill>
@@ -7946,18 +11586,18 @@
               </a:rPr>
             </a:br>
             <a:r>
-              <a:rPr lang="de-DE" sz="2000" dirty="0" smtClean="0">
-                <a:solidFill>
-                  <a:srgbClr val="00B050"/>
-                </a:solidFill>
-                <a:latin typeface="Courier" charset="0"/>
-                <a:ea typeface="Courier" charset="0"/>
-                <a:cs typeface="Courier" charset="0"/>
-              </a:rPr>
-              <a:t>        </a:t>
+              <a:rPr lang="de-DE" sz="2000" smtClean="0">
+                <a:solidFill>
+                  <a:srgbClr val="00B050"/>
+                </a:solidFill>
+                <a:latin typeface="Courier" charset="0"/>
+                <a:ea typeface="Courier" charset="0"/>
+                <a:cs typeface="Courier" charset="0"/>
+              </a:rPr>
+              <a:t>mydag = DAG(...)        </a:t>
             </a:r>
             <a:br>
-              <a:rPr lang="de-DE" sz="2000" dirty="0" smtClean="0">
+              <a:rPr lang="de-DE" sz="2000" smtClean="0">
                 <a:solidFill>
                   <a:srgbClr val="00B050"/>
                 </a:solidFill>
@@ -7967,73 +11607,18 @@
               </a:rPr>
             </a:br>
             <a:r>
-              <a:rPr lang="de-DE" sz="2000" dirty="0" err="1" smtClean="0">
-                <a:solidFill>
-                  <a:srgbClr val="00B050"/>
-                </a:solidFill>
-                <a:latin typeface="Courier" charset="0"/>
-                <a:ea typeface="Courier" charset="0"/>
-                <a:cs typeface="Courier" charset="0"/>
-              </a:rPr>
-              <a:t>task_a</a:t>
-            </a:r>
-            <a:r>
-              <a:rPr lang="de-DE" sz="2000" dirty="0" smtClean="0">
-                <a:solidFill>
-                  <a:srgbClr val="00B050"/>
-                </a:solidFill>
-                <a:latin typeface="Courier" charset="0"/>
-                <a:ea typeface="Courier" charset="0"/>
-                <a:cs typeface="Courier" charset="0"/>
-              </a:rPr>
-              <a:t> = </a:t>
-            </a:r>
-            <a:r>
-              <a:rPr lang="de-DE" sz="2000" dirty="0" err="1" smtClean="0">
-                <a:solidFill>
-                  <a:srgbClr val="00B050"/>
-                </a:solidFill>
-                <a:latin typeface="Courier" charset="0"/>
-                <a:ea typeface="Courier" charset="0"/>
-                <a:cs typeface="Courier" charset="0"/>
-              </a:rPr>
-              <a:t>afm.PythonOperator</a:t>
-            </a:r>
-            <a:r>
-              <a:rPr lang="de-DE" sz="2000" dirty="0" smtClean="0">
-                <a:solidFill>
-                  <a:srgbClr val="00B050"/>
-                </a:solidFill>
-                <a:latin typeface="Courier" charset="0"/>
-                <a:ea typeface="Courier" charset="0"/>
-                <a:cs typeface="Courier" charset="0"/>
-              </a:rPr>
-              <a:t>(</a:t>
-            </a:r>
-            <a:r>
-              <a:rPr lang="de-DE" sz="2000" dirty="0" err="1" smtClean="0">
-                <a:solidFill>
-                  <a:srgbClr val="00B050"/>
-                </a:solidFill>
-                <a:latin typeface="Courier" charset="0"/>
-                <a:ea typeface="Courier" charset="0"/>
-                <a:cs typeface="Courier" charset="0"/>
-              </a:rPr>
-              <a:t>task_id</a:t>
-            </a:r>
-            <a:r>
-              <a:rPr lang="de-DE" sz="2000" dirty="0" smtClean="0">
-                <a:solidFill>
-                  <a:srgbClr val="00B050"/>
-                </a:solidFill>
-                <a:latin typeface="Courier" charset="0"/>
-                <a:ea typeface="Courier" charset="0"/>
-                <a:cs typeface="Courier" charset="0"/>
-              </a:rPr>
-              <a:t> = </a:t>
-            </a:r>
-            <a:r>
-              <a:rPr lang="de-DE" sz="2000" dirty="0" smtClean="0">
+              <a:rPr lang="de-DE" sz="2000" smtClean="0">
+                <a:solidFill>
+                  <a:srgbClr val="00B050"/>
+                </a:solidFill>
+                <a:latin typeface="Courier" charset="0"/>
+                <a:ea typeface="Courier" charset="0"/>
+                <a:cs typeface="Courier" charset="0"/>
+              </a:rPr>
+              <a:t>task_a = afm.PythonOperator(task_id = </a:t>
+            </a:r>
+            <a:r>
+              <a:rPr lang="de-DE" sz="2000" smtClean="0">
                 <a:solidFill>
                   <a:srgbClr val="00B050"/>
                 </a:solidFill>
@@ -8044,29 +11629,18 @@
               <a:t>'</a:t>
             </a:r>
             <a:r>
-              <a:rPr lang="de-DE" sz="2000" dirty="0" err="1" smtClean="0">
-                <a:solidFill>
-                  <a:srgbClr val="00B050"/>
-                </a:solidFill>
-                <a:latin typeface="Courier" charset="0"/>
-                <a:ea typeface="Courier" charset="0"/>
-                <a:cs typeface="Courier" charset="0"/>
-              </a:rPr>
-              <a:t>Task_A</a:t>
-            </a:r>
-            <a:r>
-              <a:rPr lang="de-DE" sz="2000" dirty="0" smtClean="0">
-                <a:solidFill>
-                  <a:srgbClr val="00B050"/>
-                </a:solidFill>
-                <a:latin typeface="Courier" charset="0"/>
-                <a:ea typeface="Courier" charset="0"/>
-                <a:cs typeface="Courier" charset="0"/>
-              </a:rPr>
-              <a:t>',                                                   </a:t>
+              <a:rPr lang="de-DE" sz="2000" smtClean="0">
+                <a:solidFill>
+                  <a:srgbClr val="00B050"/>
+                </a:solidFill>
+                <a:latin typeface="Courier" charset="0"/>
+                <a:ea typeface="Courier" charset="0"/>
+                <a:cs typeface="Courier" charset="0"/>
+              </a:rPr>
+              <a:t>Task_A',                                                   </a:t>
             </a:r>
             <a:br>
-              <a:rPr lang="de-DE" sz="2000" dirty="0" smtClean="0">
+              <a:rPr lang="de-DE" sz="2000" smtClean="0">
                 <a:solidFill>
                   <a:srgbClr val="00B050"/>
                 </a:solidFill>
@@ -8076,62 +11650,18 @@
               </a:rPr>
             </a:br>
             <a:r>
-              <a:rPr lang="de-DE" sz="2000" dirty="0" smtClean="0">
-                <a:solidFill>
-                  <a:srgbClr val="00B050"/>
-                </a:solidFill>
-                <a:latin typeface="Courier" charset="0"/>
-                <a:ea typeface="Courier" charset="0"/>
-                <a:cs typeface="Courier" charset="0"/>
-              </a:rPr>
-              <a:t>                            </a:t>
-            </a:r>
-            <a:r>
-              <a:rPr lang="de-DE" sz="2000" dirty="0" err="1" smtClean="0">
-                <a:solidFill>
-                  <a:srgbClr val="00B050"/>
-                </a:solidFill>
-                <a:latin typeface="Courier" charset="0"/>
-                <a:ea typeface="Courier" charset="0"/>
-                <a:cs typeface="Courier" charset="0"/>
-              </a:rPr>
-              <a:t>python_callable</a:t>
-            </a:r>
-            <a:r>
-              <a:rPr lang="de-DE" sz="2000" dirty="0" smtClean="0">
-                <a:solidFill>
-                  <a:srgbClr val="00B050"/>
-                </a:solidFill>
-                <a:latin typeface="Courier" charset="0"/>
-                <a:ea typeface="Courier" charset="0"/>
-                <a:cs typeface="Courier" charset="0"/>
-              </a:rPr>
-              <a:t> = </a:t>
-            </a:r>
-            <a:r>
-              <a:rPr lang="de-DE" sz="2000" dirty="0" err="1" smtClean="0">
-                <a:solidFill>
-                  <a:srgbClr val="00B050"/>
-                </a:solidFill>
-                <a:latin typeface="Courier" charset="0"/>
-                <a:ea typeface="Courier" charset="0"/>
-                <a:cs typeface="Courier" charset="0"/>
-              </a:rPr>
-              <a:t>module.func_a</a:t>
-            </a:r>
-            <a:r>
-              <a:rPr lang="de-DE" sz="2000" dirty="0" smtClean="0">
-                <a:solidFill>
-                  <a:srgbClr val="00B050"/>
-                </a:solidFill>
-                <a:latin typeface="Courier" charset="0"/>
-                <a:ea typeface="Courier" charset="0"/>
-                <a:cs typeface="Courier" charset="0"/>
-              </a:rPr>
-              <a:t>,                                  </a:t>
+              <a:rPr lang="de-DE" sz="2000" smtClean="0">
+                <a:solidFill>
+                  <a:srgbClr val="00B050"/>
+                </a:solidFill>
+                <a:latin typeface="Courier" charset="0"/>
+                <a:ea typeface="Courier" charset="0"/>
+                <a:cs typeface="Courier" charset="0"/>
+              </a:rPr>
+              <a:t>                            python_callable = module.func_a,                                  </a:t>
             </a:r>
             <a:br>
-              <a:rPr lang="de-DE" sz="2000" dirty="0" smtClean="0">
+              <a:rPr lang="de-DE" sz="2000" smtClean="0">
                 <a:solidFill>
                   <a:srgbClr val="00B050"/>
                 </a:solidFill>
@@ -8141,37 +11671,15 @@
               </a:rPr>
             </a:br>
             <a:r>
-              <a:rPr lang="de-DE" sz="2000" dirty="0" smtClean="0">
-                <a:solidFill>
-                  <a:srgbClr val="00B050"/>
-                </a:solidFill>
-                <a:latin typeface="Courier" charset="0"/>
-                <a:ea typeface="Courier" charset="0"/>
-                <a:cs typeface="Courier" charset="0"/>
-              </a:rPr>
-              <a:t>                            </a:t>
-            </a:r>
-            <a:r>
-              <a:rPr lang="de-DE" sz="2000" dirty="0" err="1" smtClean="0">
-                <a:solidFill>
-                  <a:srgbClr val="00B050"/>
-                </a:solidFill>
-                <a:latin typeface="Courier" charset="0"/>
-                <a:ea typeface="Courier" charset="0"/>
-                <a:cs typeface="Courier" charset="0"/>
-              </a:rPr>
-              <a:t>dag</a:t>
-            </a:r>
-            <a:r>
-              <a:rPr lang="de-DE" sz="2000" dirty="0" smtClean="0">
-                <a:solidFill>
-                  <a:srgbClr val="00B050"/>
-                </a:solidFill>
-                <a:latin typeface="Courier" charset="0"/>
-                <a:ea typeface="Courier" charset="0"/>
-                <a:cs typeface="Courier" charset="0"/>
-              </a:rPr>
-              <a:t> = DAG)        </a:t>
+              <a:rPr lang="de-DE" sz="2000" smtClean="0">
+                <a:solidFill>
+                  <a:srgbClr val="00B050"/>
+                </a:solidFill>
+                <a:latin typeface="Courier" charset="0"/>
+                <a:ea typeface="Courier" charset="0"/>
+                <a:cs typeface="Courier" charset="0"/>
+              </a:rPr>
+              <a:t>                            dag = mydag)        </a:t>
             </a:r>
           </a:p>
           <a:p>
@@ -8179,15 +11687,15 @@
               <a:buNone/>
             </a:pPr>
             <a:r>
-              <a:rPr lang="de-DE" sz="2000" dirty="0" err="1" smtClean="0">
-                <a:solidFill>
-                  <a:srgbClr val="00B050"/>
-                </a:solidFill>
-                <a:latin typeface="Courier" charset="0"/>
-                <a:ea typeface="Courier" charset="0"/>
-                <a:cs typeface="Courier" charset="0"/>
-              </a:rPr>
-              <a:t>task_b</a:t>
+              <a:rPr lang="de-DE" sz="2000" smtClean="0">
+                <a:solidFill>
+                  <a:srgbClr val="00B050"/>
+                </a:solidFill>
+                <a:latin typeface="Courier" charset="0"/>
+                <a:ea typeface="Courier" charset="0"/>
+                <a:cs typeface="Courier" charset="0"/>
+              </a:rPr>
+              <a:t>task_b </a:t>
             </a:r>
             <a:r>
               <a:rPr lang="de-DE" sz="2000" dirty="0" smtClean="0">
@@ -8198,7 +11706,7 @@
                 <a:ea typeface="Courier" charset="0"/>
                 <a:cs typeface="Courier" charset="0"/>
               </a:rPr>
-              <a:t> = </a:t>
+              <a:t>= </a:t>
             </a:r>
             <a:r>
               <a:rPr lang="de-DE" sz="2000" dirty="0" err="1" smtClean="0">
@@ -8383,8 +11891,27 @@
                 <a:ea typeface="Courier" charset="0"/>
                 <a:cs typeface="Courier" charset="0"/>
               </a:rPr>
-              <a:t> = DAG)        </a:t>
-            </a:r>
+              <a:t> </a:t>
+            </a:r>
+            <a:r>
+              <a:rPr lang="de-DE" sz="2000" smtClean="0">
+                <a:solidFill>
+                  <a:srgbClr val="00B050"/>
+                </a:solidFill>
+                <a:latin typeface="Courier" charset="0"/>
+                <a:ea typeface="Courier" charset="0"/>
+                <a:cs typeface="Courier" charset="0"/>
+              </a:rPr>
+              <a:t>= mydag)        </a:t>
+            </a:r>
+            <a:endParaRPr lang="de-DE" sz="2000" dirty="0" smtClean="0">
+              <a:solidFill>
+                <a:srgbClr val="00B050"/>
+              </a:solidFill>
+              <a:latin typeface="Courier" charset="0"/>
+              <a:ea typeface="Courier" charset="0"/>
+              <a:cs typeface="Courier" charset="0"/>
+            </a:endParaRPr>
           </a:p>
           <a:p>
             <a:pPr marL="0" indent="0">
@@ -8454,7 +11981,7 @@
           <p:nvPr/>
         </p:nvPicPr>
         <p:blipFill>
-          <a:blip r:embed="rId2">
+          <a:blip r:embed="rId3">
             <a:extLst>
               <a:ext uri="{28A0092B-C50C-407E-A947-70E740481C1C}">
                 <a14:useLocalDpi xmlns:a14="http://schemas.microsoft.com/office/drawing/2010/main" val="0"/>
@@ -8495,7 +12022,7 @@
 </p:sld>
 </file>
 
-<file path=ppt/slides/slide25.xml><?xml version="1.0" encoding="utf-8"?>
+<file path=ppt/slides/slide27.xml><?xml version="1.0" encoding="utf-8"?>
 <p:sld xmlns:a="http://schemas.openxmlformats.org/drawingml/2006/main" xmlns:r="http://schemas.openxmlformats.org/officeDocument/2006/relationships" xmlns:p="http://schemas.openxmlformats.org/presentationml/2006/main">
   <p:cSld>
     <p:spTree>
@@ -9167,7 +12694,7 @@
           <p:nvPr/>
         </p:nvPicPr>
         <p:blipFill>
-          <a:blip r:embed="rId2">
+          <a:blip r:embed="rId3">
             <a:extLst>
               <a:ext uri="{28A0092B-C50C-407E-A947-70E740481C1C}">
                 <a14:useLocalDpi xmlns:a14="http://schemas.microsoft.com/office/drawing/2010/main" val="0"/>
@@ -9208,7 +12735,7 @@
 </p:sld>
 </file>
 
-<file path=ppt/slides/slide26.xml><?xml version="1.0" encoding="utf-8"?>
+<file path=ppt/slides/slide28.xml><?xml version="1.0" encoding="utf-8"?>
 <p:sld xmlns:a="http://schemas.openxmlformats.org/drawingml/2006/main" xmlns:r="http://schemas.openxmlformats.org/officeDocument/2006/relationships" xmlns:p="http://schemas.openxmlformats.org/presentationml/2006/main">
   <p:cSld>
     <p:spTree>
@@ -9270,8 +12797,12 @@
           </a:p>
           <a:p>
             <a:r>
-              <a:rPr lang="en-US" dirty="0" smtClean="0"/>
-              <a:t> Programmatic authoring of pipelines - all dependencies expressed in code rather than </a:t>
+              <a:rPr lang="en-US" smtClean="0"/>
+              <a:t>Programmatic </a:t>
+            </a:r>
+            <a:r>
+              <a:rPr lang="en-US" dirty="0" smtClean="0"/>
+              <a:t>authoring of pipelines - all dependencies expressed in code rather than </a:t>
             </a:r>
             <a:r>
               <a:rPr lang="en-US" dirty="0" err="1" smtClean="0"/>
@@ -9316,7 +12847,7 @@
           <p:nvPr/>
         </p:nvPicPr>
         <p:blipFill>
-          <a:blip r:embed="rId2">
+          <a:blip r:embed="rId3">
             <a:extLst>
               <a:ext uri="{28A0092B-C50C-407E-A947-70E740481C1C}">
                 <a14:useLocalDpi xmlns:a14="http://schemas.microsoft.com/office/drawing/2010/main" val="0"/>
@@ -9357,7 +12888,7 @@
 </p:sld>
 </file>
 
-<file path=ppt/slides/slide27.xml><?xml version="1.0" encoding="utf-8"?>
+<file path=ppt/slides/slide29.xml><?xml version="1.0" encoding="utf-8"?>
 <p:sld xmlns:a="http://schemas.openxmlformats.org/drawingml/2006/main" xmlns:r="http://schemas.openxmlformats.org/officeDocument/2006/relationships" xmlns:p="http://schemas.openxmlformats.org/presentationml/2006/main">
   <p:cSld>
     <p:spTree>
@@ -9478,7 +13009,7 @@
 </p:sld>
 </file>
 
-<file path=ppt/slides/slide28.xml><?xml version="1.0" encoding="utf-8"?>
+<file path=ppt/slides/slide3.xml><?xml version="1.0" encoding="utf-8"?>
 <p:sld xmlns:a="http://schemas.openxmlformats.org/drawingml/2006/main" xmlns:r="http://schemas.openxmlformats.org/officeDocument/2006/relationships" xmlns:p="http://schemas.openxmlformats.org/presentationml/2006/main">
   <p:cSld>
     <p:spTree>
@@ -9510,6 +13041,109 @@
           <a:bodyPr/>
           <a:lstStyle/>
           <a:p>
+            <a:pPr algn="ctr"/>
+            <a:r>
+              <a:rPr lang="en-US" dirty="0" smtClean="0"/>
+              <a:t>Overview</a:t>
+            </a:r>
+            <a:br>
+              <a:rPr lang="en-US" dirty="0" smtClean="0"/>
+            </a:br>
+            <a:endParaRPr lang="en-US" dirty="0"/>
+          </a:p>
+        </p:txBody>
+      </p:sp>
+      <p:sp>
+        <p:nvSpPr>
+          <p:cNvPr id="3" name="Content Placeholder 2"/>
+          <p:cNvSpPr>
+            <a:spLocks noGrp="1"/>
+          </p:cNvSpPr>
+          <p:nvPr>
+            <p:ph idx="1"/>
+          </p:nvPr>
+        </p:nvSpPr>
+        <p:spPr/>
+        <p:txBody>
+          <a:bodyPr/>
+          <a:lstStyle/>
+          <a:p>
+            <a:r>
+              <a:rPr lang="en-US" dirty="0" smtClean="0"/>
+              <a:t>Definition and Rationale for Data Pipelines	  </a:t>
+            </a:r>
+          </a:p>
+          <a:p>
+            <a:r>
+              <a:rPr lang="en-US" dirty="0" smtClean="0"/>
+              <a:t>Data Pipeline Tools - Luigi, Airflow, AWS Data Pipeline	  </a:t>
+            </a:r>
+          </a:p>
+          <a:p>
+            <a:r>
+              <a:rPr lang="en-US" dirty="0" smtClean="0"/>
+              <a:t>Usage in </a:t>
+            </a:r>
+            <a:r>
+              <a:rPr lang="en-US" smtClean="0"/>
+              <a:t>the cloud and comparative analysis</a:t>
+            </a:r>
+            <a:endParaRPr lang="en-US" dirty="0"/>
+          </a:p>
+        </p:txBody>
+      </p:sp>
+    </p:spTree>
+    <p:extLst>
+      <p:ext uri="{BB962C8B-B14F-4D97-AF65-F5344CB8AC3E}">
+        <p14:creationId xmlns:p14="http://schemas.microsoft.com/office/powerpoint/2010/main" val="1980440744"/>
+      </p:ext>
+    </p:extLst>
+  </p:cSld>
+  <p:clrMapOvr>
+    <a:masterClrMapping/>
+  </p:clrMapOvr>
+  <p:timing>
+    <p:tnLst>
+      <p:par>
+        <p:cTn id="1" dur="indefinite" restart="never" nodeType="tmRoot"/>
+      </p:par>
+    </p:tnLst>
+  </p:timing>
+</p:sld>
+</file>
+
+<file path=ppt/slides/slide30.xml><?xml version="1.0" encoding="utf-8"?>
+<p:sld xmlns:a="http://schemas.openxmlformats.org/drawingml/2006/main" xmlns:r="http://schemas.openxmlformats.org/officeDocument/2006/relationships" xmlns:p="http://schemas.openxmlformats.org/presentationml/2006/main">
+  <p:cSld>
+    <p:spTree>
+      <p:nvGrpSpPr>
+        <p:cNvPr id="1" name=""/>
+        <p:cNvGrpSpPr/>
+        <p:nvPr/>
+      </p:nvGrpSpPr>
+      <p:grpSpPr>
+        <a:xfrm>
+          <a:off x="0" y="0"/>
+          <a:ext cx="0" cy="0"/>
+          <a:chOff x="0" y="0"/>
+          <a:chExt cx="0" cy="0"/>
+        </a:xfrm>
+      </p:grpSpPr>
+      <p:sp>
+        <p:nvSpPr>
+          <p:cNvPr id="2" name="Title 1"/>
+          <p:cNvSpPr>
+            <a:spLocks noGrp="1"/>
+          </p:cNvSpPr>
+          <p:nvPr>
+            <p:ph type="title"/>
+          </p:nvPr>
+        </p:nvSpPr>
+        <p:spPr/>
+        <p:txBody>
+          <a:bodyPr/>
+          <a:lstStyle/>
+          <a:p>
             <a:r>
               <a:rPr lang="en-US" b="1" dirty="0" smtClean="0"/>
               <a:t>AWS Data Pipeline</a:t>
@@ -9581,7 +13215,7 @@
           <p:nvPr/>
         </p:nvPicPr>
         <p:blipFill>
-          <a:blip r:embed="rId2">
+          <a:blip r:embed="rId3">
             <a:extLst>
               <a:ext uri="{28A0092B-C50C-407E-A947-70E740481C1C}">
                 <a14:useLocalDpi xmlns:a14="http://schemas.microsoft.com/office/drawing/2010/main" val="0"/>
@@ -9622,7 +13256,7 @@
 </p:sld>
 </file>
 
-<file path=ppt/slides/slide29.xml><?xml version="1.0" encoding="utf-8"?>
+<file path=ppt/slides/slide31.xml><?xml version="1.0" encoding="utf-8"?>
 <p:sld xmlns:a="http://schemas.openxmlformats.org/drawingml/2006/main" xmlns:r="http://schemas.openxmlformats.org/officeDocument/2006/relationships" xmlns:p="http://schemas.openxmlformats.org/presentationml/2006/main">
   <p:cSld>
     <p:spTree>
@@ -9655,177 +13289,42 @@
           <a:lstStyle/>
           <a:p>
             <a:r>
-              <a:rPr lang="en-US" b="1" dirty="0" smtClean="0"/>
-              <a:t>AWS Data Pipeline Creation </a:t>
-            </a:r>
-            <a:endParaRPr lang="en-US" b="1" dirty="0"/>
-          </a:p>
-        </p:txBody>
-      </p:sp>
-      <p:sp>
-        <p:nvSpPr>
-          <p:cNvPr id="3" name="Content Placeholder 2"/>
-          <p:cNvSpPr>
-            <a:spLocks noGrp="1"/>
-          </p:cNvSpPr>
+              <a:rPr lang="en-US" smtClean="0"/>
+              <a:t>AWS Data Pipeline UI    </a:t>
+            </a:r>
+            <a:endParaRPr lang="en-US"/>
+          </a:p>
+        </p:txBody>
+      </p:sp>
+      <p:pic>
+        <p:nvPicPr>
+          <p:cNvPr id="5" name="Content Placeholder 4"/>
+          <p:cNvPicPr>
+            <a:picLocks noGrp="1" noChangeAspect="1"/>
+          </p:cNvPicPr>
           <p:nvPr>
             <p:ph idx="1"/>
           </p:nvPr>
-        </p:nvSpPr>
-        <p:spPr/>
-        <p:txBody>
-          <a:bodyPr/>
-          <a:lstStyle/>
-          <a:p>
-            <a:r>
-              <a:rPr lang="en-US" dirty="0" smtClean="0"/>
-              <a:t>Various ways to create a pipeline:</a:t>
-            </a:r>
-            <a:endParaRPr lang="en-US" dirty="0"/>
-          </a:p>
-          <a:p>
-            <a:pPr lvl="1"/>
-            <a:r>
-              <a:rPr lang="en-US" b="1" dirty="0"/>
-              <a:t>AWS Management </a:t>
-            </a:r>
-            <a:r>
-              <a:rPr lang="en-US" b="1" dirty="0" smtClean="0"/>
-              <a:t>Console  - </a:t>
-            </a:r>
-            <a:r>
-              <a:rPr lang="en-US" dirty="0" smtClean="0"/>
-              <a:t>web </a:t>
-            </a:r>
-            <a:r>
-              <a:rPr lang="en-US" dirty="0"/>
-              <a:t>interface </a:t>
-            </a:r>
-            <a:r>
-              <a:rPr lang="en-US" dirty="0" smtClean="0"/>
-              <a:t>to manage AWS </a:t>
-            </a:r>
-            <a:r>
-              <a:rPr lang="en-US" dirty="0"/>
-              <a:t>Data Pipeline</a:t>
-            </a:r>
-            <a:r>
-              <a:rPr lang="en-US" dirty="0" smtClean="0"/>
-              <a:t>.</a:t>
-            </a:r>
-          </a:p>
-          <a:p>
-            <a:pPr lvl="1"/>
-            <a:r>
-              <a:rPr lang="en-US" b="1" dirty="0" smtClean="0"/>
-              <a:t>AWS </a:t>
-            </a:r>
-            <a:r>
-              <a:rPr lang="en-US" b="1" dirty="0"/>
-              <a:t>Command Line Interface (AWS CLI)</a:t>
-            </a:r>
-            <a:r>
-              <a:rPr lang="en-US" dirty="0"/>
-              <a:t> </a:t>
-            </a:r>
-            <a:r>
-              <a:rPr lang="en-US" dirty="0" smtClean="0"/>
-              <a:t>- with a pipeline definition file in JSON format.</a:t>
-            </a:r>
-          </a:p>
-          <a:p>
-            <a:pPr lvl="1"/>
-            <a:r>
-              <a:rPr lang="en-US" b="1" dirty="0"/>
-              <a:t>AWS SDKs</a:t>
-            </a:r>
-            <a:r>
-              <a:rPr lang="en-US" dirty="0"/>
-              <a:t> — Provides language-specific </a:t>
-            </a:r>
-            <a:r>
-              <a:rPr lang="en-US" dirty="0" smtClean="0"/>
-              <a:t>APIs.  </a:t>
-            </a:r>
-            <a:br>
-              <a:rPr lang="en-US" dirty="0" smtClean="0"/>
-            </a:br>
-            <a:r>
-              <a:rPr lang="en-US" dirty="0" smtClean="0"/>
-              <a:t>In Python's case you can use the boto3 module.</a:t>
-            </a:r>
-            <a:br>
-              <a:rPr lang="en-US" dirty="0" smtClean="0"/>
-            </a:br>
-            <a:r>
-              <a:rPr lang="en-US" dirty="0" smtClean="0"/>
-              <a:t>See: </a:t>
-            </a:r>
-            <a:br>
-              <a:rPr lang="en-US" dirty="0" smtClean="0"/>
-            </a:br>
-            <a:r>
-              <a:rPr lang="en-US" sz="2000" dirty="0" smtClean="0">
-                <a:solidFill>
-                  <a:srgbClr val="0070C0"/>
-                </a:solidFill>
-              </a:rPr>
-              <a:t>https://boto3.readthedocs.io/</a:t>
-            </a:r>
-            <a:r>
-              <a:rPr lang="en-US" sz="2000" dirty="0" err="1" smtClean="0">
-                <a:solidFill>
-                  <a:srgbClr val="0070C0"/>
-                </a:solidFill>
-              </a:rPr>
-              <a:t>en</a:t>
-            </a:r>
-            <a:r>
-              <a:rPr lang="en-US" sz="2000" dirty="0" smtClean="0">
-                <a:solidFill>
-                  <a:srgbClr val="0070C0"/>
-                </a:solidFill>
-              </a:rPr>
-              <a:t>/latest/reference/services/</a:t>
-            </a:r>
-            <a:r>
-              <a:rPr lang="en-US" sz="2000" dirty="0" err="1" smtClean="0">
-                <a:solidFill>
-                  <a:srgbClr val="0070C0"/>
-                </a:solidFill>
-              </a:rPr>
-              <a:t>datapipeline.html</a:t>
-            </a:r>
-            <a:r>
-              <a:rPr lang="en-US" sz="2000" dirty="0" smtClean="0">
-                <a:solidFill>
-                  <a:srgbClr val="0070C0"/>
-                </a:solidFill>
-              </a:rPr>
-              <a:t> </a:t>
-            </a:r>
-          </a:p>
-          <a:p>
-            <a:pPr lvl="1"/>
-            <a:r>
-              <a:rPr lang="en-US" b="1" dirty="0"/>
-              <a:t>Query API</a:t>
-            </a:r>
-            <a:r>
-              <a:rPr lang="en-US" dirty="0"/>
-              <a:t>— Provides low-level APIs that you call using HTTPS requests. Using the Query API is the most direct way to access AWS Data Pipeline</a:t>
-            </a:r>
-            <a:r>
-              <a:rPr lang="en-US" dirty="0" smtClean="0"/>
-              <a:t/>
-            </a:r>
-            <a:br>
-              <a:rPr lang="en-US" dirty="0" smtClean="0"/>
-            </a:br>
-            <a:endParaRPr lang="en-US" dirty="0" smtClean="0"/>
-          </a:p>
-        </p:txBody>
-      </p:sp>
+        </p:nvPicPr>
+        <p:blipFill>
+          <a:blip r:embed="rId2">
+            <a:extLst>
+              <a:ext uri="{28A0092B-C50C-407E-A947-70E740481C1C}">
+                <a14:useLocalDpi xmlns:a14="http://schemas.microsoft.com/office/drawing/2010/main" val="0"/>
+              </a:ext>
+            </a:extLst>
+          </a:blip>
+          <a:stretch>
+            <a:fillRect/>
+          </a:stretch>
+        </p:blipFill>
+        <p:spPr>
+          <a:xfrm>
+            <a:off x="2471327" y="1825625"/>
+            <a:ext cx="7249346" cy="4351338"/>
+          </a:xfrm>
+        </p:spPr>
+      </p:pic>
       <p:pic>
         <p:nvPicPr>
           <p:cNvPr id="4" name="Picture 3"/>
@@ -9835,7 +13334,261 @@
           <p:nvPr/>
         </p:nvPicPr>
         <p:blipFill>
-          <a:blip r:embed="rId2">
+          <a:blip r:embed="rId3">
+            <a:extLst>
+              <a:ext uri="{28A0092B-C50C-407E-A947-70E740481C1C}">
+                <a14:useLocalDpi xmlns:a14="http://schemas.microsoft.com/office/drawing/2010/main" val="0"/>
+              </a:ext>
+            </a:extLst>
+          </a:blip>
+          <a:stretch>
+            <a:fillRect/>
+          </a:stretch>
+        </p:blipFill>
+        <p:spPr>
+          <a:xfrm>
+            <a:off x="6620307" y="597238"/>
+            <a:ext cx="2582094" cy="1093450"/>
+          </a:xfrm>
+          <a:prstGeom prst="rect">
+            <a:avLst/>
+          </a:prstGeom>
+        </p:spPr>
+      </p:pic>
+    </p:spTree>
+    <p:extLst>
+      <p:ext uri="{BB962C8B-B14F-4D97-AF65-F5344CB8AC3E}">
+        <p14:creationId xmlns:p14="http://schemas.microsoft.com/office/powerpoint/2010/main" val="1318597081"/>
+      </p:ext>
+    </p:extLst>
+  </p:cSld>
+  <p:clrMapOvr>
+    <a:masterClrMapping/>
+  </p:clrMapOvr>
+  <p:timing>
+    <p:tnLst>
+      <p:par>
+        <p:cTn id="1" dur="indefinite" restart="never" nodeType="tmRoot"/>
+      </p:par>
+    </p:tnLst>
+  </p:timing>
+</p:sld>
+</file>
+
+<file path=ppt/slides/slide32.xml><?xml version="1.0" encoding="utf-8"?>
+<p:sld xmlns:a="http://schemas.openxmlformats.org/drawingml/2006/main" xmlns:r="http://schemas.openxmlformats.org/officeDocument/2006/relationships" xmlns:p="http://schemas.openxmlformats.org/presentationml/2006/main">
+  <p:cSld>
+    <p:spTree>
+      <p:nvGrpSpPr>
+        <p:cNvPr id="1" name=""/>
+        <p:cNvGrpSpPr/>
+        <p:nvPr/>
+      </p:nvGrpSpPr>
+      <p:grpSpPr>
+        <a:xfrm>
+          <a:off x="0" y="0"/>
+          <a:ext cx="0" cy="0"/>
+          <a:chOff x="0" y="0"/>
+          <a:chExt cx="0" cy="0"/>
+        </a:xfrm>
+      </p:grpSpPr>
+      <p:sp>
+        <p:nvSpPr>
+          <p:cNvPr id="2" name="Title 1"/>
+          <p:cNvSpPr>
+            <a:spLocks noGrp="1"/>
+          </p:cNvSpPr>
+          <p:nvPr>
+            <p:ph type="title"/>
+          </p:nvPr>
+        </p:nvSpPr>
+        <p:spPr/>
+        <p:txBody>
+          <a:bodyPr/>
+          <a:lstStyle/>
+          <a:p>
+            <a:r>
+              <a:rPr lang="en-US" b="1" dirty="0" smtClean="0"/>
+              <a:t>AWS Data Pipeline Creation </a:t>
+            </a:r>
+            <a:endParaRPr lang="en-US" b="1" dirty="0"/>
+          </a:p>
+        </p:txBody>
+      </p:sp>
+      <p:sp>
+        <p:nvSpPr>
+          <p:cNvPr id="3" name="Content Placeholder 2"/>
+          <p:cNvSpPr>
+            <a:spLocks noGrp="1"/>
+          </p:cNvSpPr>
+          <p:nvPr>
+            <p:ph idx="1"/>
+          </p:nvPr>
+        </p:nvSpPr>
+        <p:spPr/>
+        <p:txBody>
+          <a:bodyPr/>
+          <a:lstStyle/>
+          <a:p>
+            <a:r>
+              <a:rPr lang="en-US" dirty="0" smtClean="0"/>
+              <a:t>Various ways to create a pipeline:</a:t>
+            </a:r>
+            <a:endParaRPr lang="en-US" dirty="0"/>
+          </a:p>
+          <a:p>
+            <a:pPr lvl="1"/>
+            <a:r>
+              <a:rPr lang="en-US" b="1" dirty="0"/>
+              <a:t>AWS Management </a:t>
+            </a:r>
+            <a:r>
+              <a:rPr lang="en-US" b="1" dirty="0" smtClean="0"/>
+              <a:t>Console  - </a:t>
+            </a:r>
+            <a:r>
+              <a:rPr lang="en-US" dirty="0" smtClean="0"/>
+              <a:t>web </a:t>
+            </a:r>
+            <a:r>
+              <a:rPr lang="en-US" dirty="0"/>
+              <a:t>interface </a:t>
+            </a:r>
+            <a:r>
+              <a:rPr lang="en-US" dirty="0" smtClean="0"/>
+              <a:t>to manage AWS </a:t>
+            </a:r>
+            <a:r>
+              <a:rPr lang="en-US" dirty="0"/>
+              <a:t>Data Pipeline</a:t>
+            </a:r>
+            <a:r>
+              <a:rPr lang="en-US" dirty="0" smtClean="0"/>
+              <a:t>.</a:t>
+            </a:r>
+          </a:p>
+          <a:p>
+            <a:pPr lvl="1"/>
+            <a:r>
+              <a:rPr lang="en-US" b="1" dirty="0" smtClean="0"/>
+              <a:t>AWS </a:t>
+            </a:r>
+            <a:r>
+              <a:rPr lang="en-US" b="1" dirty="0"/>
+              <a:t>Command Line Interface (AWS CLI)</a:t>
+            </a:r>
+            <a:r>
+              <a:rPr lang="en-US" dirty="0"/>
+              <a:t> </a:t>
+            </a:r>
+            <a:r>
+              <a:rPr lang="en-US" dirty="0" smtClean="0"/>
+              <a:t>- with a pipeline definition file in JSON format.</a:t>
+            </a:r>
+          </a:p>
+          <a:p>
+            <a:pPr lvl="1"/>
+            <a:r>
+              <a:rPr lang="en-US" b="1" dirty="0"/>
+              <a:t>AWS SDKs</a:t>
+            </a:r>
+            <a:r>
+              <a:rPr lang="en-US" dirty="0"/>
+              <a:t> — Provides language-specific </a:t>
+            </a:r>
+            <a:r>
+              <a:rPr lang="en-US" dirty="0" smtClean="0"/>
+              <a:t>APIs.  </a:t>
+            </a:r>
+            <a:br>
+              <a:rPr lang="en-US" dirty="0" smtClean="0"/>
+            </a:br>
+            <a:r>
+              <a:rPr lang="en-US" dirty="0" smtClean="0"/>
+              <a:t>In Python's case you can use the boto3 module.</a:t>
+            </a:r>
+            <a:br>
+              <a:rPr lang="en-US" dirty="0" smtClean="0"/>
+            </a:br>
+            <a:r>
+              <a:rPr lang="en-US" dirty="0" smtClean="0"/>
+              <a:t>See: </a:t>
+            </a:r>
+            <a:br>
+              <a:rPr lang="en-US" dirty="0" smtClean="0"/>
+            </a:br>
+            <a:r>
+              <a:rPr lang="en-US" sz="2000" dirty="0" smtClean="0">
+                <a:solidFill>
+                  <a:srgbClr val="0070C0"/>
+                </a:solidFill>
+              </a:rPr>
+              <a:t>https://boto3.readthedocs.io/</a:t>
+            </a:r>
+            <a:r>
+              <a:rPr lang="en-US" sz="2000" dirty="0" err="1" smtClean="0">
+                <a:solidFill>
+                  <a:srgbClr val="0070C0"/>
+                </a:solidFill>
+              </a:rPr>
+              <a:t>en</a:t>
+            </a:r>
+            <a:r>
+              <a:rPr lang="en-US" sz="2000" dirty="0" smtClean="0">
+                <a:solidFill>
+                  <a:srgbClr val="0070C0"/>
+                </a:solidFill>
+              </a:rPr>
+              <a:t>/latest/reference/services/</a:t>
+            </a:r>
+            <a:r>
+              <a:rPr lang="en-US" sz="2000" dirty="0" err="1" smtClean="0">
+                <a:solidFill>
+                  <a:srgbClr val="0070C0"/>
+                </a:solidFill>
+              </a:rPr>
+              <a:t>datapipeline.html</a:t>
+            </a:r>
+            <a:r>
+              <a:rPr lang="en-US" sz="2000" dirty="0" smtClean="0">
+                <a:solidFill>
+                  <a:srgbClr val="0070C0"/>
+                </a:solidFill>
+              </a:rPr>
+              <a:t> </a:t>
+            </a:r>
+          </a:p>
+          <a:p>
+            <a:pPr lvl="1"/>
+            <a:r>
+              <a:rPr lang="en-US" b="1" dirty="0"/>
+              <a:t>Query API</a:t>
+            </a:r>
+            <a:r>
+              <a:rPr lang="en-US" dirty="0"/>
+              <a:t>— Provides low-level APIs that you call using HTTPS requests. Using the Query API is the most direct way to access AWS Data Pipeline</a:t>
+            </a:r>
+            <a:r>
+              <a:rPr lang="en-US" dirty="0" smtClean="0"/>
+              <a:t/>
+            </a:r>
+            <a:br>
+              <a:rPr lang="en-US" dirty="0" smtClean="0"/>
+            </a:br>
+            <a:endParaRPr lang="en-US" dirty="0" smtClean="0"/>
+          </a:p>
+        </p:txBody>
+      </p:sp>
+      <p:pic>
+        <p:nvPicPr>
+          <p:cNvPr id="4" name="Picture 3"/>
+          <p:cNvPicPr>
+            <a:picLocks noChangeAspect="1"/>
+          </p:cNvPicPr>
+          <p:nvPr/>
+        </p:nvPicPr>
+        <p:blipFill>
+          <a:blip r:embed="rId3">
             <a:extLst>
               <a:ext uri="{28A0092B-C50C-407E-A947-70E740481C1C}">
                 <a14:useLocalDpi xmlns:a14="http://schemas.microsoft.com/office/drawing/2010/main" val="0"/>
@@ -9876,7 +13629,7 @@
 </p:sld>
 </file>
 
-<file path=ppt/slides/slide3.xml><?xml version="1.0" encoding="utf-8"?>
+<file path=ppt/slides/slide33.xml><?xml version="1.0" encoding="utf-8"?>
 <p:sld xmlns:a="http://schemas.openxmlformats.org/drawingml/2006/main" xmlns:r="http://schemas.openxmlformats.org/officeDocument/2006/relationships" xmlns:p="http://schemas.openxmlformats.org/presentationml/2006/main">
   <p:cSld>
     <p:spTree>
@@ -9908,57 +13661,77 @@
           <a:bodyPr/>
           <a:lstStyle/>
           <a:p>
-            <a:pPr algn="ctr"/>
-            <a:r>
-              <a:rPr lang="en-US" dirty="0" smtClean="0"/>
-              <a:t>Overview</a:t>
-            </a:r>
-            <a:br>
-              <a:rPr lang="en-US" dirty="0" smtClean="0"/>
-            </a:br>
-            <a:endParaRPr lang="en-US" dirty="0"/>
-          </a:p>
-        </p:txBody>
-      </p:sp>
-      <p:sp>
-        <p:nvSpPr>
-          <p:cNvPr id="3" name="Content Placeholder 2"/>
-          <p:cNvSpPr>
-            <a:spLocks noGrp="1"/>
-          </p:cNvSpPr>
+            <a:r>
+              <a:rPr lang="en-US" smtClean="0"/>
+              <a:t>AWS Pipeline Definition    </a:t>
+            </a:r>
+            <a:endParaRPr lang="en-US"/>
+          </a:p>
+        </p:txBody>
+      </p:sp>
+      <p:pic>
+        <p:nvPicPr>
+          <p:cNvPr id="4" name="Content Placeholder 3"/>
+          <p:cNvPicPr>
+            <a:picLocks noGrp="1" noChangeAspect="1"/>
+          </p:cNvPicPr>
           <p:nvPr>
             <p:ph idx="1"/>
           </p:nvPr>
-        </p:nvSpPr>
-        <p:spPr/>
-        <p:txBody>
-          <a:bodyPr/>
-          <a:lstStyle/>
-          <a:p>
-            <a:r>
-              <a:rPr lang="en-US" dirty="0" smtClean="0"/>
-              <a:t>Definition and Rationale for Data Pipelines	  </a:t>
-            </a:r>
-          </a:p>
-          <a:p>
-            <a:r>
-              <a:rPr lang="en-US" dirty="0" smtClean="0"/>
-              <a:t>Data Pipeline Tools - Luigi, Airflow, AWS Data Pipeline	  </a:t>
-            </a:r>
-          </a:p>
-          <a:p>
-            <a:r>
-              <a:rPr lang="en-US" dirty="0" smtClean="0"/>
-              <a:t>Usage in the cloud</a:t>
-            </a:r>
-            <a:endParaRPr lang="en-US" dirty="0"/>
-          </a:p>
-        </p:txBody>
-      </p:sp>
+        </p:nvPicPr>
+        <p:blipFill>
+          <a:blip r:embed="rId2">
+            <a:extLst>
+              <a:ext uri="{28A0092B-C50C-407E-A947-70E740481C1C}">
+                <a14:useLocalDpi xmlns:a14="http://schemas.microsoft.com/office/drawing/2010/main" val="0"/>
+              </a:ext>
+            </a:extLst>
+          </a:blip>
+          <a:stretch>
+            <a:fillRect/>
+          </a:stretch>
+        </p:blipFill>
+        <p:spPr>
+          <a:xfrm>
+            <a:off x="3845858" y="1825625"/>
+            <a:ext cx="5102237" cy="4754880"/>
+          </a:xfrm>
+        </p:spPr>
+      </p:pic>
+      <p:pic>
+        <p:nvPicPr>
+          <p:cNvPr id="5" name="Picture 4"/>
+          <p:cNvPicPr>
+            <a:picLocks noChangeAspect="1"/>
+          </p:cNvPicPr>
+          <p:nvPr/>
+        </p:nvPicPr>
+        <p:blipFill>
+          <a:blip r:embed="rId3">
+            <a:extLst>
+              <a:ext uri="{28A0092B-C50C-407E-A947-70E740481C1C}">
+                <a14:useLocalDpi xmlns:a14="http://schemas.microsoft.com/office/drawing/2010/main" val="0"/>
+              </a:ext>
+            </a:extLst>
+          </a:blip>
+          <a:stretch>
+            <a:fillRect/>
+          </a:stretch>
+        </p:blipFill>
+        <p:spPr>
+          <a:xfrm>
+            <a:off x="7749860" y="481181"/>
+            <a:ext cx="2582094" cy="1093450"/>
+          </a:xfrm>
+          <a:prstGeom prst="rect">
+            <a:avLst/>
+          </a:prstGeom>
+        </p:spPr>
+      </p:pic>
     </p:spTree>
     <p:extLst>
       <p:ext uri="{BB962C8B-B14F-4D97-AF65-F5344CB8AC3E}">
-        <p14:creationId xmlns:p14="http://schemas.microsoft.com/office/powerpoint/2010/main" val="1980440744"/>
+        <p14:creationId xmlns:p14="http://schemas.microsoft.com/office/powerpoint/2010/main" val="1681496431"/>
       </p:ext>
     </p:extLst>
   </p:cSld>
@@ -9975,7 +13748,7 @@
 </p:sld>
 </file>
 
-<file path=ppt/slides/slide30.xml><?xml version="1.0" encoding="utf-8"?>
+<file path=ppt/slides/slide34.xml><?xml version="1.0" encoding="utf-8"?>
 <p:sld xmlns:a="http://schemas.openxmlformats.org/drawingml/2006/main" xmlns:r="http://schemas.openxmlformats.org/officeDocument/2006/relationships" xmlns:p="http://schemas.openxmlformats.org/presentationml/2006/main">
   <p:cSld>
     <p:spTree>
@@ -10106,7 +13879,7 @@
 </p:sld>
 </file>
 
-<file path=ppt/slides/slide31.xml><?xml version="1.0" encoding="utf-8"?>
+<file path=ppt/slides/slide35.xml><?xml version="1.0" encoding="utf-8"?>
 <p:sld xmlns:a="http://schemas.openxmlformats.org/drawingml/2006/main" xmlns:r="http://schemas.openxmlformats.org/officeDocument/2006/relationships" xmlns:p="http://schemas.openxmlformats.org/presentationml/2006/main">
   <p:cSld>
     <p:spTree>
@@ -10190,7 +13963,7 @@
           <p:nvPr/>
         </p:nvPicPr>
         <p:blipFill>
-          <a:blip r:embed="rId2">
+          <a:blip r:embed="rId3">
             <a:extLst>
               <a:ext uri="{28A0092B-C50C-407E-A947-70E740481C1C}">
                 <a14:useLocalDpi xmlns:a14="http://schemas.microsoft.com/office/drawing/2010/main" val="0"/>
@@ -10231,7 +14004,7 @@
 </p:sld>
 </file>
 
-<file path=ppt/slides/slide32.xml><?xml version="1.0" encoding="utf-8"?>
+<file path=ppt/slides/slide36.xml><?xml version="1.0" encoding="utf-8"?>
 <p:sld xmlns:a="http://schemas.openxmlformats.org/drawingml/2006/main" xmlns:r="http://schemas.openxmlformats.org/officeDocument/2006/relationships" xmlns:p="http://schemas.openxmlformats.org/presentationml/2006/main">
   <p:cSld>
     <p:spTree>
@@ -10408,7 +14181,7 @@
 </p:sld>
 </file>
 
-<file path=ppt/slides/slide33.xml><?xml version="1.0" encoding="utf-8"?>
+<file path=ppt/slides/slide37.xml><?xml version="1.0" encoding="utf-8"?>
 <p:sld xmlns:a="http://schemas.openxmlformats.org/drawingml/2006/main" xmlns:r="http://schemas.openxmlformats.org/officeDocument/2006/relationships" xmlns:p="http://schemas.openxmlformats.org/presentationml/2006/main">
   <p:cSld>
     <p:spTree>
@@ -11040,7 +14813,7 @@
 </p:sld>
 </file>
 
-<file path=ppt/slides/slide34.xml><?xml version="1.0" encoding="utf-8"?>
+<file path=ppt/slides/slide38.xml><?xml version="1.0" encoding="utf-8"?>
 <p:sld xmlns:a="http://schemas.openxmlformats.org/drawingml/2006/main" xmlns:r="http://schemas.openxmlformats.org/officeDocument/2006/relationships" xmlns:p="http://schemas.openxmlformats.org/presentationml/2006/main">
   <p:cSld>
     <p:spTree>
@@ -11205,7 +14978,7 @@
 </p:sld>
 </file>
 
-<file path=ppt/slides/slide35.xml><?xml version="1.0" encoding="utf-8"?>
+<file path=ppt/slides/slide39.xml><?xml version="1.0" encoding="utf-8"?>
 <p:sld xmlns:a="http://schemas.openxmlformats.org/drawingml/2006/main" xmlns:r="http://schemas.openxmlformats.org/officeDocument/2006/relationships" xmlns:p="http://schemas.openxmlformats.org/presentationml/2006/main">
   <p:cSld>
     <p:spTree>
@@ -11341,7 +15114,89 @@
 </p:sld>
 </file>
 
-<file path=ppt/slides/slide36.xml><?xml version="1.0" encoding="utf-8"?>
+<file path=ppt/slides/slide4.xml><?xml version="1.0" encoding="utf-8"?>
+<p:sld xmlns:a="http://schemas.openxmlformats.org/drawingml/2006/main" xmlns:r="http://schemas.openxmlformats.org/officeDocument/2006/relationships" xmlns:p="http://schemas.openxmlformats.org/presentationml/2006/main">
+  <p:cSld>
+    <p:spTree>
+      <p:nvGrpSpPr>
+        <p:cNvPr id="1" name=""/>
+        <p:cNvGrpSpPr/>
+        <p:nvPr/>
+      </p:nvGrpSpPr>
+      <p:grpSpPr>
+        <a:xfrm>
+          <a:off x="0" y="0"/>
+          <a:ext cx="0" cy="0"/>
+          <a:chOff x="0" y="0"/>
+          <a:chExt cx="0" cy="0"/>
+        </a:xfrm>
+      </p:grpSpPr>
+      <p:sp>
+        <p:nvSpPr>
+          <p:cNvPr id="2" name="Title 1"/>
+          <p:cNvSpPr>
+            <a:spLocks noGrp="1"/>
+          </p:cNvSpPr>
+          <p:nvPr>
+            <p:ph type="title"/>
+          </p:nvPr>
+        </p:nvSpPr>
+        <p:spPr/>
+        <p:txBody>
+          <a:bodyPr/>
+          <a:lstStyle/>
+          <a:p>
+            <a:r>
+              <a:rPr lang="en-US" dirty="0" smtClean="0"/>
+              <a:t>What is a data pipeline ?</a:t>
+            </a:r>
+            <a:endParaRPr lang="en-US" dirty="0"/>
+          </a:p>
+        </p:txBody>
+      </p:sp>
+      <p:sp>
+        <p:nvSpPr>
+          <p:cNvPr id="3" name="Content Placeholder 2"/>
+          <p:cNvSpPr>
+            <a:spLocks noGrp="1"/>
+          </p:cNvSpPr>
+          <p:nvPr>
+            <p:ph idx="1"/>
+          </p:nvPr>
+        </p:nvSpPr>
+        <p:spPr/>
+        <p:txBody>
+          <a:bodyPr/>
+          <a:lstStyle/>
+          <a:p>
+            <a:r>
+              <a:rPr lang="en-US" dirty="0" smtClean="0"/>
+              <a:t>A data pipeline consists of a series of software tasks that source and extract data from possibly disparate sources, move it to a centralized location, process and transform it in a logically consistent manner and produce a set of meaningful results that can be consumed by a client/end user.</a:t>
+            </a:r>
+          </a:p>
+        </p:txBody>
+      </p:sp>
+    </p:spTree>
+    <p:extLst>
+      <p:ext uri="{BB962C8B-B14F-4D97-AF65-F5344CB8AC3E}">
+        <p14:creationId xmlns:p14="http://schemas.microsoft.com/office/powerpoint/2010/main" val="1855061388"/>
+      </p:ext>
+    </p:extLst>
+  </p:cSld>
+  <p:clrMapOvr>
+    <a:masterClrMapping/>
+  </p:clrMapOvr>
+  <p:timing>
+    <p:tnLst>
+      <p:par>
+        <p:cTn id="1" dur="indefinite" restart="never" nodeType="tmRoot"/>
+      </p:par>
+    </p:tnLst>
+  </p:timing>
+</p:sld>
+</file>
+
+<file path=ppt/slides/slide40.xml><?xml version="1.0" encoding="utf-8"?>
 <p:sld xmlns:a="http://schemas.openxmlformats.org/drawingml/2006/main" xmlns:r="http://schemas.openxmlformats.org/officeDocument/2006/relationships" xmlns:p="http://schemas.openxmlformats.org/presentationml/2006/main">
   <p:cSld>
     <p:spTree>
@@ -11483,7 +15338,7 @@
 </p:sld>
 </file>
 
-<file path=ppt/slides/slide37.xml><?xml version="1.0" encoding="utf-8"?>
+<file path=ppt/slides/slide41.xml><?xml version="1.0" encoding="utf-8"?>
 <p:sld xmlns:a="http://schemas.openxmlformats.org/drawingml/2006/main" xmlns:r="http://schemas.openxmlformats.org/officeDocument/2006/relationships" xmlns:p="http://schemas.openxmlformats.org/presentationml/2006/main">
   <p:cSld>
     <p:spTree>
@@ -11682,88 +15537,6 @@
     <p:extLst>
       <p:ext uri="{BB962C8B-B14F-4D97-AF65-F5344CB8AC3E}">
         <p14:creationId xmlns:p14="http://schemas.microsoft.com/office/powerpoint/2010/main" val="413033063"/>
-      </p:ext>
-    </p:extLst>
-  </p:cSld>
-  <p:clrMapOvr>
-    <a:masterClrMapping/>
-  </p:clrMapOvr>
-  <p:timing>
-    <p:tnLst>
-      <p:par>
-        <p:cTn id="1" dur="indefinite" restart="never" nodeType="tmRoot"/>
-      </p:par>
-    </p:tnLst>
-  </p:timing>
-</p:sld>
-</file>
-
-<file path=ppt/slides/slide4.xml><?xml version="1.0" encoding="utf-8"?>
-<p:sld xmlns:a="http://schemas.openxmlformats.org/drawingml/2006/main" xmlns:r="http://schemas.openxmlformats.org/officeDocument/2006/relationships" xmlns:p="http://schemas.openxmlformats.org/presentationml/2006/main">
-  <p:cSld>
-    <p:spTree>
-      <p:nvGrpSpPr>
-        <p:cNvPr id="1" name=""/>
-        <p:cNvGrpSpPr/>
-        <p:nvPr/>
-      </p:nvGrpSpPr>
-      <p:grpSpPr>
-        <a:xfrm>
-          <a:off x="0" y="0"/>
-          <a:ext cx="0" cy="0"/>
-          <a:chOff x="0" y="0"/>
-          <a:chExt cx="0" cy="0"/>
-        </a:xfrm>
-      </p:grpSpPr>
-      <p:sp>
-        <p:nvSpPr>
-          <p:cNvPr id="2" name="Title 1"/>
-          <p:cNvSpPr>
-            <a:spLocks noGrp="1"/>
-          </p:cNvSpPr>
-          <p:nvPr>
-            <p:ph type="title"/>
-          </p:nvPr>
-        </p:nvSpPr>
-        <p:spPr/>
-        <p:txBody>
-          <a:bodyPr/>
-          <a:lstStyle/>
-          <a:p>
-            <a:r>
-              <a:rPr lang="en-US" dirty="0" smtClean="0"/>
-              <a:t>What is a data pipeline ?</a:t>
-            </a:r>
-            <a:endParaRPr lang="en-US" dirty="0"/>
-          </a:p>
-        </p:txBody>
-      </p:sp>
-      <p:sp>
-        <p:nvSpPr>
-          <p:cNvPr id="3" name="Content Placeholder 2"/>
-          <p:cNvSpPr>
-            <a:spLocks noGrp="1"/>
-          </p:cNvSpPr>
-          <p:nvPr>
-            <p:ph idx="1"/>
-          </p:nvPr>
-        </p:nvSpPr>
-        <p:spPr/>
-        <p:txBody>
-          <a:bodyPr/>
-          <a:lstStyle/>
-          <a:p>
-            <a:r>
-              <a:rPr lang="en-US" dirty="0" smtClean="0"/>
-              <a:t>A data pipeline consists of a series of software tasks that source and extract data from possibly disparate sources, move it to a centralized location, process and transform it in a logically consistent manner and produce a set of meaningful results that can be consumed by a client/end user.</a:t>
-            </a:r>
-          </a:p>
-        </p:txBody>
-      </p:sp>
-    </p:spTree>
-    <p:extLst>
-      <p:ext uri="{BB962C8B-B14F-4D97-AF65-F5344CB8AC3E}">
-        <p14:creationId xmlns:p14="http://schemas.microsoft.com/office/powerpoint/2010/main" val="1855061388"/>
       </p:ext>
     </p:extLst>
   </p:cSld>
@@ -11831,7 +15604,7 @@
           </p:nvPr>
         </p:nvPicPr>
         <p:blipFill>
-          <a:blip r:embed="rId2">
+          <a:blip r:embed="rId3">
             <a:extLst>
               <a:ext uri="{28A0092B-C50C-407E-A947-70E740481C1C}">
                 <a14:useLocalDpi xmlns:a14="http://schemas.microsoft.com/office/drawing/2010/main" val="0"/>
@@ -11928,7 +15701,7 @@
           </p:nvPr>
         </p:nvPicPr>
         <p:blipFill>
-          <a:blip r:embed="rId2">
+          <a:blip r:embed="rId3">
             <a:extLst>
               <a:ext uri="{28A0092B-C50C-407E-A947-70E740481C1C}">
                 <a14:useLocalDpi xmlns:a14="http://schemas.microsoft.com/office/drawing/2010/main" val="0"/>
@@ -12029,7 +15802,7 @@
           </p:nvPr>
         </p:nvPicPr>
         <p:blipFill>
-          <a:blip r:embed="rId2">
+          <a:blip r:embed="rId3">
             <a:extLst>
               <a:ext uri="{28A0092B-C50C-407E-A947-70E740481C1C}">
                 <a14:useLocalDpi xmlns:a14="http://schemas.microsoft.com/office/drawing/2010/main" val="0"/>
@@ -12118,7 +15891,7 @@
           </p:nvPr>
         </p:nvPicPr>
         <p:blipFill>
-          <a:blip r:embed="rId2">
+          <a:blip r:embed="rId3">
             <a:extLst>
               <a:ext uri="{28A0092B-C50C-407E-A947-70E740481C1C}">
                 <a14:useLocalDpi xmlns:a14="http://schemas.microsoft.com/office/drawing/2010/main" val="0"/>
@@ -12413,10 +16186,21 @@
                 <a:ea typeface="Courier" charset="0"/>
                 <a:cs typeface="Courier" charset="0"/>
               </a:rPr>
-              <a:t>8 * * * /home/</a:t>
-            </a:r>
-            <a:r>
-              <a:rPr lang="en-US" dirty="0" err="1">
+              <a:t>8 * * * /</a:t>
+            </a:r>
+            <a:r>
+              <a:rPr lang="en-US">
+                <a:solidFill>
+                  <a:srgbClr val="00B050"/>
+                </a:solidFill>
+                <a:latin typeface="Courier" charset="0"/>
+                <a:ea typeface="Courier" charset="0"/>
+                <a:cs typeface="Courier" charset="0"/>
+              </a:rPr>
+              <a:t>home/</a:t>
+            </a:r>
+            <a:r>
+              <a:rPr lang="en-US" err="1">
                 <a:solidFill>
                   <a:srgbClr val="00B050"/>
                 </a:solidFill>
@@ -12427,7 +16211,7 @@
               <a:t>ubuntu</a:t>
             </a:r>
             <a:r>
-              <a:rPr lang="en-US" dirty="0">
+              <a:rPr lang="en-US">
                 <a:solidFill>
                   <a:srgbClr val="00B050"/>
                 </a:solidFill>
@@ -12438,7 +16222,7 @@
               <a:t>/bin/</a:t>
             </a:r>
             <a:r>
-              <a:rPr lang="en-US" dirty="0" err="1">
+              <a:rPr lang="en-US" err="1">
                 <a:solidFill>
                   <a:srgbClr val="00B050"/>
                 </a:solidFill>
@@ -12449,7 +16233,7 @@
               <a:t>fetch_data.py</a:t>
             </a:r>
             <a:r>
-              <a:rPr lang="en-US" dirty="0">
+              <a:rPr lang="en-US">
                 <a:solidFill>
                   <a:srgbClr val="00B050"/>
                 </a:solidFill>
@@ -12460,6 +16244,17 @@
               <a:t> </a:t>
             </a:r>
             <a:r>
+              <a:rPr lang="en-US" smtClean="0">
+                <a:solidFill>
+                  <a:srgbClr val="00B050"/>
+                </a:solidFill>
+                <a:latin typeface="Courier" charset="0"/>
+                <a:ea typeface="Courier" charset="0"/>
+                <a:cs typeface="Courier" charset="0"/>
+              </a:rPr>
+              <a:t>ds3</a:t>
+            </a:r>
+            <a:r>
               <a:rPr lang="en-US" dirty="0" smtClean="0">
                 <a:solidFill>
                   <a:srgbClr val="00B050"/>
@@ -12468,7 +16263,7 @@
                 <a:ea typeface="Courier" charset="0"/>
                 <a:cs typeface="Courier" charset="0"/>
               </a:rPr>
-              <a:t>ds1</a:t>
+              <a:t/>
             </a:r>
             <a:br>
               <a:rPr lang="en-US" dirty="0" smtClean="0">
@@ -13002,4 +16797,265 @@
     </a:ext>
   </a:extLst>
 </a:theme>
+</file>
+
+<file path=ppt/theme/theme2.xml><?xml version="1.0" encoding="utf-8"?>
+<a:theme xmlns:a="http://schemas.openxmlformats.org/drawingml/2006/main" name="Office Theme">
+  <a:themeElements>
+    <a:clrScheme name="Office">
+      <a:dk1>
+        <a:sysClr val="windowText" lastClr="000000"/>
+      </a:dk1>
+      <a:lt1>
+        <a:sysClr val="window" lastClr="FFFFFF"/>
+      </a:lt1>
+      <a:dk2>
+        <a:srgbClr val="44546A"/>
+      </a:dk2>
+      <a:lt2>
+        <a:srgbClr val="E7E6E6"/>
+      </a:lt2>
+      <a:accent1>
+        <a:srgbClr val="5B9BD5"/>
+      </a:accent1>
+      <a:accent2>
+        <a:srgbClr val="ED7D31"/>
+      </a:accent2>
+      <a:accent3>
+        <a:srgbClr val="A5A5A5"/>
+      </a:accent3>
+      <a:accent4>
+        <a:srgbClr val="FFC000"/>
+      </a:accent4>
+      <a:accent5>
+        <a:srgbClr val="4472C4"/>
+      </a:accent5>
+      <a:accent6>
+        <a:srgbClr val="70AD47"/>
+      </a:accent6>
+      <a:hlink>
+        <a:srgbClr val="0563C1"/>
+      </a:hlink>
+      <a:folHlink>
+        <a:srgbClr val="954F72"/>
+      </a:folHlink>
+    </a:clrScheme>
+    <a:fontScheme name="Office">
+      <a:majorFont>
+        <a:latin typeface="Calibri Light" panose="020F0302020204030204"/>
+        <a:ea typeface=""/>
+        <a:cs typeface=""/>
+        <a:font script="Jpan" typeface="Yu Gothic Light"/>
+        <a:font script="Hang" typeface="맑은 고딕"/>
+        <a:font script="Hans" typeface="DengXian Light"/>
+        <a:font script="Hant" typeface="新細明體"/>
+        <a:font script="Arab" typeface="Times New Roman"/>
+        <a:font script="Hebr" typeface="Times New Roman"/>
+        <a:font script="Thai" typeface="Angsana New"/>
+        <a:font script="Ethi" typeface="Nyala"/>
+        <a:font script="Beng" typeface="Vrinda"/>
+        <a:font script="Gujr" typeface="Shruti"/>
+        <a:font script="Khmr" typeface="MoolBoran"/>
+        <a:font script="Knda" typeface="Tunga"/>
+        <a:font script="Guru" typeface="Raavi"/>
+        <a:font script="Cans" typeface="Euphemia"/>
+        <a:font script="Cher" typeface="Plantagenet Cherokee"/>
+        <a:font script="Yiii" typeface="Microsoft Yi Baiti"/>
+        <a:font script="Tibt" typeface="Microsoft Himalaya"/>
+        <a:font script="Thaa" typeface="MV Boli"/>
+        <a:font script="Deva" typeface="Mangal"/>
+        <a:font script="Telu" typeface="Gautami"/>
+        <a:font script="Taml" typeface="Latha"/>
+        <a:font script="Syrc" typeface="Estrangelo Edessa"/>
+        <a:font script="Orya" typeface="Kalinga"/>
+        <a:font script="Mlym" typeface="Kartika"/>
+        <a:font script="Laoo" typeface="DokChampa"/>
+        <a:font script="Sinh" typeface="Iskoola Pota"/>
+        <a:font script="Mong" typeface="Mongolian Baiti"/>
+        <a:font script="Viet" typeface="Times New Roman"/>
+        <a:font script="Uigh" typeface="Microsoft Uighur"/>
+        <a:font script="Geor" typeface="Sylfaen"/>
+      </a:majorFont>
+      <a:minorFont>
+        <a:latin typeface="Calibri" panose="020F0502020204030204"/>
+        <a:ea typeface=""/>
+        <a:cs typeface=""/>
+        <a:font script="Jpan" typeface="Yu Gothic"/>
+        <a:font script="Hang" typeface="맑은 고딕"/>
+        <a:font script="Hans" typeface="DengXian"/>
+        <a:font script="Hant" typeface="新細明體"/>
+        <a:font script="Arab" typeface="Arial"/>
+        <a:font script="Hebr" typeface="Arial"/>
+        <a:font script="Thai" typeface="Cordia New"/>
+        <a:font script="Ethi" typeface="Nyala"/>
+        <a:font script="Beng" typeface="Vrinda"/>
+        <a:font script="Gujr" typeface="Shruti"/>
+        <a:font script="Khmr" typeface="DaunPenh"/>
+        <a:font script="Knda" typeface="Tunga"/>
+        <a:font script="Guru" typeface="Raavi"/>
+        <a:font script="Cans" typeface="Euphemia"/>
+        <a:font script="Cher" typeface="Plantagenet Cherokee"/>
+        <a:font script="Yiii" typeface="Microsoft Yi Baiti"/>
+        <a:font script="Tibt" typeface="Microsoft Himalaya"/>
+        <a:font script="Thaa" typeface="MV Boli"/>
+        <a:font script="Deva" typeface="Mangal"/>
+        <a:font script="Telu" typeface="Gautami"/>
+        <a:font script="Taml" typeface="Latha"/>
+        <a:font script="Syrc" typeface="Estrangelo Edessa"/>
+        <a:font script="Orya" typeface="Kalinga"/>
+        <a:font script="Mlym" typeface="Kartika"/>
+        <a:font script="Laoo" typeface="DokChampa"/>
+        <a:font script="Sinh" typeface="Iskoola Pota"/>
+        <a:font script="Mong" typeface="Mongolian Baiti"/>
+        <a:font script="Viet" typeface="Arial"/>
+        <a:font script="Uigh" typeface="Microsoft Uighur"/>
+        <a:font script="Geor" typeface="Sylfaen"/>
+      </a:minorFont>
+    </a:fontScheme>
+    <a:fmtScheme name="Office">
+      <a:fillStyleLst>
+        <a:solidFill>
+          <a:schemeClr val="phClr"/>
+        </a:solidFill>
+        <a:gradFill rotWithShape="1">
+          <a:gsLst>
+            <a:gs pos="0">
+              <a:schemeClr val="phClr">
+                <a:lumMod val="110000"/>
+                <a:satMod val="105000"/>
+                <a:tint val="67000"/>
+              </a:schemeClr>
+            </a:gs>
+            <a:gs pos="50000">
+              <a:schemeClr val="phClr">
+                <a:lumMod val="105000"/>
+                <a:satMod val="103000"/>
+                <a:tint val="73000"/>
+              </a:schemeClr>
+            </a:gs>
+            <a:gs pos="100000">
+              <a:schemeClr val="phClr">
+                <a:lumMod val="105000"/>
+                <a:satMod val="109000"/>
+                <a:tint val="81000"/>
+              </a:schemeClr>
+            </a:gs>
+          </a:gsLst>
+          <a:lin ang="5400000" scaled="0"/>
+        </a:gradFill>
+        <a:gradFill rotWithShape="1">
+          <a:gsLst>
+            <a:gs pos="0">
+              <a:schemeClr val="phClr">
+                <a:satMod val="103000"/>
+                <a:lumMod val="102000"/>
+                <a:tint val="94000"/>
+              </a:schemeClr>
+            </a:gs>
+            <a:gs pos="50000">
+              <a:schemeClr val="phClr">
+                <a:satMod val="110000"/>
+                <a:lumMod val="100000"/>
+                <a:shade val="100000"/>
+              </a:schemeClr>
+            </a:gs>
+            <a:gs pos="100000">
+              <a:schemeClr val="phClr">
+                <a:lumMod val="99000"/>
+                <a:satMod val="120000"/>
+                <a:shade val="78000"/>
+              </a:schemeClr>
+            </a:gs>
+          </a:gsLst>
+          <a:lin ang="5400000" scaled="0"/>
+        </a:gradFill>
+      </a:fillStyleLst>
+      <a:lnStyleLst>
+        <a:ln w="6350" cap="flat" cmpd="sng" algn="ctr">
+          <a:solidFill>
+            <a:schemeClr val="phClr"/>
+          </a:solidFill>
+          <a:prstDash val="solid"/>
+          <a:miter lim="800000"/>
+        </a:ln>
+        <a:ln w="12700" cap="flat" cmpd="sng" algn="ctr">
+          <a:solidFill>
+            <a:schemeClr val="phClr"/>
+          </a:solidFill>
+          <a:prstDash val="solid"/>
+          <a:miter lim="800000"/>
+        </a:ln>
+        <a:ln w="19050" cap="flat" cmpd="sng" algn="ctr">
+          <a:solidFill>
+            <a:schemeClr val="phClr"/>
+          </a:solidFill>
+          <a:prstDash val="solid"/>
+          <a:miter lim="800000"/>
+        </a:ln>
+      </a:lnStyleLst>
+      <a:effectStyleLst>
+        <a:effectStyle>
+          <a:effectLst/>
+        </a:effectStyle>
+        <a:effectStyle>
+          <a:effectLst/>
+        </a:effectStyle>
+        <a:effectStyle>
+          <a:effectLst>
+            <a:outerShdw blurRad="57150" dist="19050" dir="5400000" algn="ctr" rotWithShape="0">
+              <a:srgbClr val="000000">
+                <a:alpha val="63000"/>
+              </a:srgbClr>
+            </a:outerShdw>
+          </a:effectLst>
+        </a:effectStyle>
+      </a:effectStyleLst>
+      <a:bgFillStyleLst>
+        <a:solidFill>
+          <a:schemeClr val="phClr"/>
+        </a:solidFill>
+        <a:solidFill>
+          <a:schemeClr val="phClr">
+            <a:tint val="95000"/>
+            <a:satMod val="170000"/>
+          </a:schemeClr>
+        </a:solidFill>
+        <a:gradFill rotWithShape="1">
+          <a:gsLst>
+            <a:gs pos="0">
+              <a:schemeClr val="phClr">
+                <a:tint val="93000"/>
+                <a:satMod val="150000"/>
+                <a:shade val="98000"/>
+                <a:lumMod val="102000"/>
+              </a:schemeClr>
+            </a:gs>
+            <a:gs pos="50000">
+              <a:schemeClr val="phClr">
+                <a:tint val="98000"/>
+                <a:satMod val="130000"/>
+                <a:shade val="90000"/>
+                <a:lumMod val="103000"/>
+              </a:schemeClr>
+            </a:gs>
+            <a:gs pos="100000">
+              <a:schemeClr val="phClr">
+                <a:shade val="63000"/>
+                <a:satMod val="120000"/>
+              </a:schemeClr>
+            </a:gs>
+          </a:gsLst>
+          <a:lin ang="5400000" scaled="0"/>
+        </a:gradFill>
+      </a:bgFillStyleLst>
+    </a:fmtScheme>
+  </a:themeElements>
+  <a:objectDefaults/>
+  <a:extraClrSchemeLst/>
+  <a:extLst>
+    <a:ext uri="{05A4C25C-085E-4340-85A3-A5531E510DB2}">
+      <thm15:themeFamily xmlns:thm15="http://schemas.microsoft.com/office/thememl/2012/main" name="Office Theme" id="{62F939B6-93AF-4DB8-9C6B-D6C7DFDC589F}" vid="{4A3C46E8-61CC-4603-A589-7422A47A8E4A}"/>
+    </a:ext>
+  </a:extLst>
+</a:theme>
 </file>